--- a/大数据怎么存？/文件同步器使用展示.pptx
+++ b/大数据怎么存？/文件同步器使用展示.pptx
@@ -8,22 +8,31 @@
     <p:notesMasterId r:id="rId4"/>
   </p:notesMasterIdLst>
   <p:handoutMasterIdLst>
-    <p:handoutMasterId r:id="rId17"/>
+    <p:handoutMasterId r:id="rId26"/>
   </p:handoutMasterIdLst>
   <p:sldIdLst>
     <p:sldId id="256" r:id="rId3"/>
-    <p:sldId id="257" r:id="rId5"/>
-    <p:sldId id="258" r:id="rId6"/>
-    <p:sldId id="259" r:id="rId7"/>
-    <p:sldId id="260" r:id="rId8"/>
-    <p:sldId id="261" r:id="rId9"/>
-    <p:sldId id="262" r:id="rId10"/>
-    <p:sldId id="263" r:id="rId11"/>
-    <p:sldId id="264" r:id="rId12"/>
-    <p:sldId id="267" r:id="rId13"/>
-    <p:sldId id="265" r:id="rId14"/>
-    <p:sldId id="268" r:id="rId15"/>
-    <p:sldId id="266" r:id="rId16"/>
+    <p:sldId id="278" r:id="rId5"/>
+    <p:sldId id="271" r:id="rId6"/>
+    <p:sldId id="272" r:id="rId7"/>
+    <p:sldId id="273" r:id="rId8"/>
+    <p:sldId id="274" r:id="rId9"/>
+    <p:sldId id="275" r:id="rId10"/>
+    <p:sldId id="276" r:id="rId11"/>
+    <p:sldId id="277" r:id="rId12"/>
+    <p:sldId id="279" r:id="rId13"/>
+    <p:sldId id="257" r:id="rId14"/>
+    <p:sldId id="258" r:id="rId15"/>
+    <p:sldId id="259" r:id="rId16"/>
+    <p:sldId id="260" r:id="rId17"/>
+    <p:sldId id="261" r:id="rId18"/>
+    <p:sldId id="262" r:id="rId19"/>
+    <p:sldId id="263" r:id="rId20"/>
+    <p:sldId id="264" r:id="rId21"/>
+    <p:sldId id="267" r:id="rId22"/>
+    <p:sldId id="265" r:id="rId23"/>
+    <p:sldId id="268" r:id="rId24"/>
+    <p:sldId id="266" r:id="rId25"/>
   </p:sldIdLst>
   <p:sldSz cx="12192000" cy="6858000"/>
   <p:notesSz cx="6858000" cy="9144000"/>
@@ -661,6 +670,162 @@
 </file>
 
 <file path=ppt/notesSlides/notesSlide1.xml><?xml version="1.0" encoding="utf-8"?>
+<p:notes xmlns:a="http://schemas.openxmlformats.org/drawingml/2006/main" xmlns:r="http://schemas.openxmlformats.org/officeDocument/2006/relationships" xmlns:p="http://schemas.openxmlformats.org/presentationml/2006/main">
+  <p:cSld>
+    <p:spTree>
+      <p:nvGrpSpPr>
+        <p:cNvPr id="1" name=""/>
+        <p:cNvGrpSpPr/>
+        <p:nvPr/>
+      </p:nvGrpSpPr>
+      <p:grpSpPr>
+        <a:xfrm>
+          <a:off x="0" y="0"/>
+          <a:ext cx="0" cy="0"/>
+          <a:chOff x="0" y="0"/>
+          <a:chExt cx="0" cy="0"/>
+        </a:xfrm>
+      </p:grpSpPr>
+      <p:sp>
+        <p:nvSpPr>
+          <p:cNvPr id="2" name="幻灯片图像占位符 1"/>
+          <p:cNvSpPr>
+            <a:spLocks noGrp="1" noRot="1" noChangeAspect="1"/>
+          </p:cNvSpPr>
+          <p:nvPr>
+            <p:ph type="sldImg"/>
+          </p:nvPr>
+        </p:nvSpPr>
+        <p:spPr/>
+      </p:sp>
+      <p:sp>
+        <p:nvSpPr>
+          <p:cNvPr id="3" name="备注占位符 2"/>
+          <p:cNvSpPr>
+            <a:spLocks noGrp="1"/>
+          </p:cNvSpPr>
+          <p:nvPr>
+            <p:ph type="body" idx="1"/>
+          </p:nvPr>
+        </p:nvSpPr>
+        <p:spPr/>
+        <p:txBody>
+          <a:bodyPr/>
+          <a:lstStyle/>
+          <a:p>
+            <a:endParaRPr lang="zh-CN" altLang="en-US"/>
+          </a:p>
+        </p:txBody>
+      </p:sp>
+      <p:sp>
+        <p:nvSpPr>
+          <p:cNvPr id="4" name="灯片编号占位符 3"/>
+          <p:cNvSpPr>
+            <a:spLocks noGrp="1"/>
+          </p:cNvSpPr>
+          <p:nvPr>
+            <p:ph type="sldNum" sz="quarter" idx="10"/>
+          </p:nvPr>
+        </p:nvSpPr>
+        <p:spPr/>
+        <p:txBody>
+          <a:bodyPr/>
+          <a:lstStyle/>
+          <a:p>
+            <a:fld id="{85D0DACE-38E0-42D2-9336-2B707D34BC6D}" type="slidenum">
+              <a:rPr lang="zh-CN" altLang="en-US" smtClean="0"/>
+            </a:fld>
+            <a:endParaRPr lang="zh-CN" altLang="en-US"/>
+          </a:p>
+        </p:txBody>
+      </p:sp>
+    </p:spTree>
+  </p:cSld>
+  <p:clrMapOvr>
+    <a:masterClrMapping/>
+  </p:clrMapOvr>
+</p:notes>
+</file>
+
+<file path=ppt/notesSlides/notesSlide2.xml><?xml version="1.0" encoding="utf-8"?>
+<p:notes xmlns:a="http://schemas.openxmlformats.org/drawingml/2006/main" xmlns:r="http://schemas.openxmlformats.org/officeDocument/2006/relationships" xmlns:p="http://schemas.openxmlformats.org/presentationml/2006/main">
+  <p:cSld>
+    <p:spTree>
+      <p:nvGrpSpPr>
+        <p:cNvPr id="1" name=""/>
+        <p:cNvGrpSpPr/>
+        <p:nvPr/>
+      </p:nvGrpSpPr>
+      <p:grpSpPr>
+        <a:xfrm>
+          <a:off x="0" y="0"/>
+          <a:ext cx="0" cy="0"/>
+          <a:chOff x="0" y="0"/>
+          <a:chExt cx="0" cy="0"/>
+        </a:xfrm>
+      </p:grpSpPr>
+      <p:sp>
+        <p:nvSpPr>
+          <p:cNvPr id="2" name="幻灯片图像占位符 1"/>
+          <p:cNvSpPr>
+            <a:spLocks noGrp="1" noRot="1" noChangeAspect="1"/>
+          </p:cNvSpPr>
+          <p:nvPr>
+            <p:ph type="sldImg"/>
+          </p:nvPr>
+        </p:nvSpPr>
+        <p:spPr/>
+      </p:sp>
+      <p:sp>
+        <p:nvSpPr>
+          <p:cNvPr id="3" name="备注占位符 2"/>
+          <p:cNvSpPr>
+            <a:spLocks noGrp="1"/>
+          </p:cNvSpPr>
+          <p:nvPr>
+            <p:ph type="body" idx="1"/>
+          </p:nvPr>
+        </p:nvSpPr>
+        <p:spPr/>
+        <p:txBody>
+          <a:bodyPr/>
+          <a:lstStyle/>
+          <a:p>
+            <a:endParaRPr lang="zh-CN" altLang="en-US"/>
+          </a:p>
+        </p:txBody>
+      </p:sp>
+      <p:sp>
+        <p:nvSpPr>
+          <p:cNvPr id="4" name="灯片编号占位符 3"/>
+          <p:cNvSpPr>
+            <a:spLocks noGrp="1"/>
+          </p:cNvSpPr>
+          <p:nvPr>
+            <p:ph type="sldNum" sz="quarter" idx="10"/>
+          </p:nvPr>
+        </p:nvSpPr>
+        <p:spPr/>
+        <p:txBody>
+          <a:bodyPr/>
+          <a:lstStyle/>
+          <a:p>
+            <a:fld id="{85D0DACE-38E0-42D2-9336-2B707D34BC6D}" type="slidenum">
+              <a:rPr lang="zh-CN" altLang="en-US" smtClean="0"/>
+            </a:fld>
+            <a:endParaRPr lang="zh-CN" altLang="en-US"/>
+          </a:p>
+        </p:txBody>
+      </p:sp>
+    </p:spTree>
+  </p:cSld>
+  <p:clrMapOvr>
+    <a:masterClrMapping/>
+  </p:clrMapOvr>
+</p:notes>
+</file>
+
+<file path=ppt/notesSlides/notesSlide3.xml><?xml version="1.0" encoding="utf-8"?>
 <p:notes xmlns:a="http://schemas.openxmlformats.org/drawingml/2006/main" xmlns:r="http://schemas.openxmlformats.org/officeDocument/2006/relationships" xmlns:p="http://schemas.openxmlformats.org/presentationml/2006/main">
   <p:cSld>
     <p:spTree>
@@ -4781,7 +4946,7 @@
           <a:p>
             <a:r>
               <a:rPr lang="zh-CN" altLang="en-US"/>
-              <a:t>文件同步器使用展示</a:t>
+              <a:t>文件同步器展示</a:t>
             </a:r>
             <a:endParaRPr lang="zh-CN" altLang="en-US"/>
           </a:p>
@@ -4857,209 +5022,48 @@
         <p:cNvGrpSpPr/>
         <p:nvPr/>
       </p:nvGrpSpPr>
-      <p:grpSpPr/>
+      <p:grpSpPr>
+        <a:xfrm>
+          <a:off x="0" y="0"/>
+          <a:ext cx="0" cy="0"/>
+          <a:chOff x="0" y="0"/>
+          <a:chExt cx="0" cy="0"/>
+        </a:xfrm>
+      </p:grpSpPr>
       <p:sp>
         <p:nvSpPr>
-          <p:cNvPr id="4" name="Title 6"/>
-          <p:cNvSpPr txBox="1"/>
+          <p:cNvPr id="2" name="标题 1"/>
+          <p:cNvSpPr>
+            <a:spLocks noGrp="1"/>
+          </p:cNvSpPr>
           <p:nvPr>
+            <p:ph type="ctrTitle"/>
             <p:custDataLst>
               <p:tags r:id="rId1"/>
             </p:custDataLst>
           </p:nvPr>
         </p:nvSpPr>
-        <p:spPr>
-          <a:xfrm>
-            <a:off x="608400" y="474840"/>
-            <a:ext cx="10975200" cy="1245195"/>
-          </a:xfrm>
-          <a:prstGeom prst="rect">
-            <a:avLst/>
-          </a:prstGeom>
-          <a:noFill/>
-          <a:ln w="3175">
-            <a:noFill/>
-            <a:prstDash val="sysDash"/>
-          </a:ln>
-        </p:spPr>
+        <p:spPr/>
         <p:txBody>
-          <a:bodyPr wrap="square" lIns="72000" tIns="36000" rIns="72000" bIns="108000" anchor="ctr" anchorCtr="0">
-            <a:noAutofit/>
-          </a:bodyPr>
-          <a:lstStyle>
-            <a:lvl1pPr algn="l" defTabSz="913765" rtl="0" eaLnBrk="1" latinLnBrk="0" hangingPunct="1">
-              <a:lnSpc>
-                <a:spcPct val="90000"/>
-              </a:lnSpc>
-              <a:spcBef>
-                <a:spcPct val="0"/>
-              </a:spcBef>
-              <a:buNone/>
-              <a:defRPr lang="en-US" sz="2745" b="0" kern="1200" cap="none" spc="-49" baseline="0" dirty="0" smtClean="0">
-                <a:ln w="3175">
-                  <a:noFill/>
-                </a:ln>
-                <a:solidFill>
-                  <a:sysClr val="windowText" lastClr="000000"/>
-                </a:solidFill>
-                <a:effectLst/>
-                <a:latin typeface="+mj-lt"/>
-                <a:ea typeface="+mn-ea"/>
-                <a:cs typeface="Segoe UI" panose="020B0502040204020203" pitchFamily="34" charset="0"/>
-              </a:defRPr>
-            </a:lvl1pPr>
-          </a:lstStyle>
-          <a:p>
-            <a:pPr marL="0" marR="0" lvl="0" indent="0" algn="l" defTabSz="913765" rtl="0" eaLnBrk="1" fontAlgn="auto" latinLnBrk="0" hangingPunct="1">
-              <a:lnSpc>
-                <a:spcPct val="90000"/>
-              </a:lnSpc>
-              <a:spcBef>
-                <a:spcPct val="0"/>
-              </a:spcBef>
-              <a:spcAft>
-                <a:spcPts val="800"/>
-              </a:spcAft>
-              <a:buClrTx/>
-              <a:buSzTx/>
-              <a:buFontTx/>
-              <a:buNone/>
-            </a:pPr>
-            <a:r>
-              <a:rPr kumimoji="0" lang="zh-CN" altLang="en-US" sz="3600" b="1" i="0" spc="300" baseline="0" noProof="0" dirty="0">
-                <a:ln w="3175">
-                  <a:noFill/>
-                  <a:prstDash val="dash"/>
-                </a:ln>
-                <a:solidFill>
-                  <a:sysClr val="windowText" lastClr="000000">
-                    <a:lumMod val="75000"/>
-                    <a:lumOff val="25000"/>
-                  </a:sysClr>
-                </a:solidFill>
-                <a:effectLst/>
-                <a:uLnTx/>
-                <a:uFillTx/>
-                <a:latin typeface="Arial" panose="020B0604020202020204" pitchFamily="34" charset="0"/>
-                <a:ea typeface="微软雅黑" panose="020B0503020204020204" charset="-122"/>
-                <a:cs typeface="微软雅黑" panose="020B0503020204020204" charset="-122"/>
-              </a:rPr>
-              <a:t>文件更新</a:t>
-            </a:r>
-            <a:endParaRPr kumimoji="0" lang="zh-CN" altLang="en-US" sz="3600" b="1" i="0" spc="300" baseline="0" noProof="0" dirty="0">
-              <a:ln w="3175">
-                <a:noFill/>
-                <a:prstDash val="dash"/>
-              </a:ln>
-              <a:solidFill>
-                <a:sysClr val="windowText" lastClr="000000">
-                  <a:lumMod val="75000"/>
-                  <a:lumOff val="25000"/>
-                </a:sysClr>
-              </a:solidFill>
-              <a:effectLst/>
-              <a:uLnTx/>
-              <a:uFillTx/>
-              <a:latin typeface="Arial" panose="020B0604020202020204" pitchFamily="34" charset="0"/>
-              <a:ea typeface="微软雅黑" panose="020B0503020204020204" charset="-122"/>
-              <a:cs typeface="微软雅黑" panose="020B0503020204020204" charset="-122"/>
-            </a:endParaRPr>
+          <a:bodyPr/>
+          <a:lstStyle/>
+          <a:p>
+            <a:r>
+              <a:rPr lang="zh-CN" altLang="en-US"/>
+              <a:t>文件同步器使用</a:t>
+            </a:r>
+            <a:endParaRPr lang="zh-CN" altLang="en-US"/>
           </a:p>
         </p:txBody>
       </p:sp>
-      <p:sp>
-        <p:nvSpPr>
-          <p:cNvPr id="5" name="文本框 4"/>
-          <p:cNvSpPr txBox="1"/>
-          <p:nvPr/>
-        </p:nvSpPr>
-        <p:spPr>
-          <a:xfrm>
-            <a:off x="3619500" y="5917565"/>
-            <a:ext cx="6687185" cy="368300"/>
-          </a:xfrm>
-          <a:prstGeom prst="rect">
-            <a:avLst/>
-          </a:prstGeom>
-          <a:noFill/>
-        </p:spPr>
-        <p:txBody>
-          <a:bodyPr wrap="square" rtlCol="0">
-            <a:spAutoFit/>
-          </a:bodyPr>
-          <a:p>
-            <a:r>
-              <a:rPr lang="zh-CN" altLang="en-US"/>
-              <a:t>控制台打印更新信息，远程仓库文件更新</a:t>
-            </a:r>
-            <a:endParaRPr lang="zh-CN" altLang="en-US"/>
-          </a:p>
-        </p:txBody>
-      </p:sp>
-      <p:pic>
-        <p:nvPicPr>
-          <p:cNvPr id="3" name="图片 2"/>
-          <p:cNvPicPr>
-            <a:picLocks noChangeAspect="1"/>
-          </p:cNvPicPr>
-          <p:nvPr/>
-        </p:nvPicPr>
-        <p:blipFill>
-          <a:blip r:embed="rId2"/>
-          <a:stretch>
-            <a:fillRect/>
-          </a:stretch>
-        </p:blipFill>
-        <p:spPr>
-          <a:xfrm>
-            <a:off x="2790825" y="2301875"/>
-            <a:ext cx="6610350" cy="1219200"/>
-          </a:xfrm>
-          <a:prstGeom prst="rect">
-            <a:avLst/>
-          </a:prstGeom>
-        </p:spPr>
-      </p:pic>
-      <p:pic>
-        <p:nvPicPr>
-          <p:cNvPr id="6" name="图片 5"/>
-          <p:cNvPicPr>
-            <a:picLocks noChangeAspect="1"/>
-          </p:cNvPicPr>
-          <p:nvPr/>
-        </p:nvPicPr>
-        <p:blipFill>
-          <a:blip r:embed="rId3"/>
-          <a:stretch>
-            <a:fillRect/>
-          </a:stretch>
-        </p:blipFill>
-        <p:spPr>
-          <a:xfrm>
-            <a:off x="1676400" y="4177030"/>
-            <a:ext cx="9029700" cy="428625"/>
-          </a:xfrm>
-          <a:prstGeom prst="rect">
-            <a:avLst/>
-          </a:prstGeom>
-        </p:spPr>
-      </p:pic>
     </p:spTree>
     <p:custDataLst>
-      <p:tags r:id="rId4"/>
+      <p:tags r:id="rId2"/>
     </p:custDataLst>
   </p:cSld>
   <p:clrMapOvr>
     <a:masterClrMapping/>
   </p:clrMapOvr>
-  <mc:AlternateContent xmlns:mc="http://schemas.openxmlformats.org/markup-compatibility/2006">
-    <mc:Choice xmlns:p14="http://schemas.microsoft.com/office/powerpoint/2010/main" Requires="p14">
-      <p:transition p14:dur="500"/>
-    </mc:Choice>
-    <mc:Fallback>
-      <p:transition/>
-    </mc:Fallback>
-  </mc:AlternateContent>
 </p:sld>
 </file>
 
@@ -5178,28 +5182,7 @@
                 <a:ea typeface="微软雅黑" panose="020B0503020204020204" charset="-122"/>
                 <a:cs typeface="微软雅黑" panose="020B0503020204020204" charset="-122"/>
               </a:rPr>
-              <a:t>文件分块</a:t>
-            </a:r>
-            <a:r>
-              <a:rPr kumimoji="0" lang="zh-CN" altLang="en-US" sz="3600" b="1" i="0" spc="300" baseline="0" noProof="0" dirty="0">
-                <a:ln w="3175">
-                  <a:noFill/>
-                  <a:prstDash val="dash"/>
-                </a:ln>
-                <a:solidFill>
-                  <a:sysClr val="windowText" lastClr="000000">
-                    <a:lumMod val="75000"/>
-                    <a:lumOff val="25000"/>
-                  </a:sysClr>
-                </a:solidFill>
-                <a:effectLst/>
-                <a:uLnTx/>
-                <a:uFillTx/>
-                <a:latin typeface="Arial" panose="020B0604020202020204" pitchFamily="34" charset="0"/>
-                <a:ea typeface="微软雅黑" panose="020B0503020204020204" charset="-122"/>
-                <a:cs typeface="微软雅黑" panose="020B0503020204020204" charset="-122"/>
-              </a:rPr>
-              <a:t>上传</a:t>
+              <a:t>程序启动</a:t>
             </a:r>
             <a:endParaRPr kumimoji="0" lang="zh-CN" altLang="en-US" sz="3600" b="1" i="0" spc="300" baseline="0" noProof="0" dirty="0">
               <a:ln w="3175">
@@ -5222,46 +5205,9 @@
           </a:p>
         </p:txBody>
       </p:sp>
-      <p:sp>
-        <p:nvSpPr>
-          <p:cNvPr id="5" name="文本框 4"/>
-          <p:cNvSpPr txBox="1"/>
-          <p:nvPr/>
-        </p:nvSpPr>
-        <p:spPr>
-          <a:xfrm>
-            <a:off x="3619500" y="5917565"/>
-            <a:ext cx="6687185" cy="368300"/>
-          </a:xfrm>
-          <a:prstGeom prst="rect">
-            <a:avLst/>
-          </a:prstGeom>
-          <a:noFill/>
-        </p:spPr>
-        <p:txBody>
-          <a:bodyPr wrap="square" rtlCol="0">
-            <a:spAutoFit/>
-          </a:bodyPr>
-          <a:p>
-            <a:r>
-              <a:rPr lang="zh-CN" altLang="en-US"/>
-              <a:t>在本地文件夹新增大于</a:t>
-            </a:r>
-            <a:r>
-              <a:rPr lang="en-US" altLang="zh-CN"/>
-              <a:t>20M</a:t>
-            </a:r>
-            <a:r>
-              <a:rPr lang="zh-CN" altLang="en-US"/>
-              <a:t>的文件</a:t>
-            </a:r>
-            <a:endParaRPr lang="zh-CN" altLang="en-US"/>
-          </a:p>
-        </p:txBody>
-      </p:sp>
       <p:pic>
         <p:nvPicPr>
-          <p:cNvPr id="7" name="图片 6"/>
+          <p:cNvPr id="2" name="图片 1"/>
           <p:cNvPicPr>
             <a:picLocks noChangeAspect="1"/>
           </p:cNvPicPr>
@@ -5275,14 +5221,47 @@
         </p:blipFill>
         <p:spPr>
           <a:xfrm>
-            <a:off x="981075" y="2295525"/>
-            <a:ext cx="10229850" cy="2266950"/>
+            <a:off x="1689735" y="1406525"/>
+            <a:ext cx="8825865" cy="4871085"/>
           </a:xfrm>
           <a:prstGeom prst="rect">
             <a:avLst/>
           </a:prstGeom>
         </p:spPr>
       </p:pic>
+      <p:sp>
+        <p:nvSpPr>
+          <p:cNvPr id="3" name="文本框 2"/>
+          <p:cNvSpPr txBox="1"/>
+          <p:nvPr/>
+        </p:nvSpPr>
+        <p:spPr>
+          <a:xfrm>
+            <a:off x="2483485" y="6303645"/>
+            <a:ext cx="7040880" cy="368300"/>
+          </a:xfrm>
+          <a:prstGeom prst="rect">
+            <a:avLst/>
+          </a:prstGeom>
+          <a:noFill/>
+        </p:spPr>
+        <p:txBody>
+          <a:bodyPr wrap="none" rtlCol="0">
+            <a:spAutoFit/>
+          </a:bodyPr>
+          <a:p>
+            <a:r>
+              <a:rPr lang="zh-CN" altLang="en-US"/>
+              <a:t>启动前本地文件夹有一个和远程仓库相同的文件和一个仅同名的</a:t>
+            </a:r>
+            <a:r>
+              <a:rPr lang="zh-CN" altLang="en-US"/>
+              <a:t>文件</a:t>
+            </a:r>
+            <a:endParaRPr lang="zh-CN" altLang="en-US"/>
+          </a:p>
+        </p:txBody>
+      </p:sp>
     </p:spTree>
     <p:custDataLst>
       <p:tags r:id="rId3"/>
@@ -5303,6 +5282,216 @@
 </file>
 
 <file path=ppt/slides/slide12.xml><?xml version="1.0" encoding="utf-8"?>
+<p:sld xmlns:a="http://schemas.openxmlformats.org/drawingml/2006/main" xmlns:r="http://schemas.openxmlformats.org/officeDocument/2006/relationships" xmlns:p="http://schemas.openxmlformats.org/presentationml/2006/main">
+  <p:cSld>
+    <p:bg>
+      <p:bgPr>
+        <a:gradFill rotWithShape="0">
+          <a:gsLst>
+            <a:gs pos="0">
+              <a:schemeClr val="accent1">
+                <a:lumMod val="60000"/>
+                <a:lumOff val="40000"/>
+              </a:schemeClr>
+            </a:gs>
+            <a:gs pos="100000">
+              <a:srgbClr val="DCDCDC"/>
+            </a:gs>
+          </a:gsLst>
+          <a:lin ang="5400000" scaled="0"/>
+        </a:gradFill>
+        <a:effectLst/>
+      </p:bgPr>
+    </p:bg>
+    <p:spTree>
+      <p:nvGrpSpPr>
+        <p:cNvPr id="1" name=""/>
+        <p:cNvGrpSpPr/>
+        <p:nvPr/>
+      </p:nvGrpSpPr>
+      <p:grpSpPr/>
+      <p:sp>
+        <p:nvSpPr>
+          <p:cNvPr id="4" name="Title 6"/>
+          <p:cNvSpPr txBox="1"/>
+          <p:nvPr>
+            <p:custDataLst>
+              <p:tags r:id="rId1"/>
+            </p:custDataLst>
+          </p:nvPr>
+        </p:nvSpPr>
+        <p:spPr>
+          <a:xfrm>
+            <a:off x="608400" y="495795"/>
+            <a:ext cx="10975200" cy="1245195"/>
+          </a:xfrm>
+          <a:prstGeom prst="rect">
+            <a:avLst/>
+          </a:prstGeom>
+          <a:noFill/>
+          <a:ln w="3175">
+            <a:noFill/>
+            <a:prstDash val="sysDash"/>
+          </a:ln>
+        </p:spPr>
+        <p:txBody>
+          <a:bodyPr wrap="square" lIns="72000" tIns="36000" rIns="72000" bIns="108000" anchor="ctr" anchorCtr="0">
+            <a:noAutofit/>
+          </a:bodyPr>
+          <a:lstStyle>
+            <a:lvl1pPr algn="l" defTabSz="913765" rtl="0" eaLnBrk="1" latinLnBrk="0" hangingPunct="1">
+              <a:lnSpc>
+                <a:spcPct val="90000"/>
+              </a:lnSpc>
+              <a:spcBef>
+                <a:spcPct val="0"/>
+              </a:spcBef>
+              <a:buNone/>
+              <a:defRPr lang="en-US" sz="2745" b="0" kern="1200" cap="none" spc="-49" baseline="0" dirty="0" smtClean="0">
+                <a:ln w="3175">
+                  <a:noFill/>
+                </a:ln>
+                <a:solidFill>
+                  <a:sysClr val="windowText" lastClr="000000"/>
+                </a:solidFill>
+                <a:effectLst/>
+                <a:latin typeface="+mj-lt"/>
+                <a:ea typeface="+mn-ea"/>
+                <a:cs typeface="Segoe UI" panose="020B0502040204020203" pitchFamily="34" charset="0"/>
+              </a:defRPr>
+            </a:lvl1pPr>
+          </a:lstStyle>
+          <a:p>
+            <a:pPr marL="0" marR="0" lvl="0" indent="0" algn="l" defTabSz="913765" rtl="0" eaLnBrk="1" fontAlgn="auto" latinLnBrk="0" hangingPunct="1">
+              <a:lnSpc>
+                <a:spcPct val="90000"/>
+              </a:lnSpc>
+              <a:spcBef>
+                <a:spcPct val="0"/>
+              </a:spcBef>
+              <a:spcAft>
+                <a:spcPts val="800"/>
+              </a:spcAft>
+              <a:buClrTx/>
+              <a:buSzTx/>
+              <a:buFontTx/>
+              <a:buNone/>
+            </a:pPr>
+            <a:r>
+              <a:rPr kumimoji="0" lang="zh-CN" altLang="en-US" sz="3600" b="1" i="0" spc="300" baseline="0" noProof="0" dirty="0">
+                <a:ln w="3175">
+                  <a:noFill/>
+                  <a:prstDash val="dash"/>
+                </a:ln>
+                <a:solidFill>
+                  <a:sysClr val="windowText" lastClr="000000">
+                    <a:lumMod val="75000"/>
+                    <a:lumOff val="25000"/>
+                  </a:sysClr>
+                </a:solidFill>
+                <a:effectLst/>
+                <a:uLnTx/>
+                <a:uFillTx/>
+                <a:latin typeface="Arial" panose="020B0604020202020204" pitchFamily="34" charset="0"/>
+                <a:ea typeface="微软雅黑" panose="020B0503020204020204" charset="-122"/>
+                <a:cs typeface="微软雅黑" panose="020B0503020204020204" charset="-122"/>
+              </a:rPr>
+              <a:t>程序启动</a:t>
+            </a:r>
+            <a:endParaRPr kumimoji="0" lang="zh-CN" altLang="en-US" sz="3600" b="1" i="0" spc="300" baseline="0" noProof="0" dirty="0">
+              <a:ln w="3175">
+                <a:noFill/>
+                <a:prstDash val="dash"/>
+              </a:ln>
+              <a:solidFill>
+                <a:sysClr val="windowText" lastClr="000000">
+                  <a:lumMod val="75000"/>
+                  <a:lumOff val="25000"/>
+                </a:sysClr>
+              </a:solidFill>
+              <a:effectLst/>
+              <a:uLnTx/>
+              <a:uFillTx/>
+              <a:latin typeface="Arial" panose="020B0604020202020204" pitchFamily="34" charset="0"/>
+              <a:ea typeface="微软雅黑" panose="020B0503020204020204" charset="-122"/>
+              <a:cs typeface="微软雅黑" panose="020B0503020204020204" charset="-122"/>
+            </a:endParaRPr>
+          </a:p>
+        </p:txBody>
+      </p:sp>
+      <p:pic>
+        <p:nvPicPr>
+          <p:cNvPr id="3" name="图片 2"/>
+          <p:cNvPicPr>
+            <a:picLocks noChangeAspect="1"/>
+          </p:cNvPicPr>
+          <p:nvPr/>
+        </p:nvPicPr>
+        <p:blipFill>
+          <a:blip r:embed="rId2"/>
+          <a:stretch>
+            <a:fillRect/>
+          </a:stretch>
+        </p:blipFill>
+        <p:spPr>
+          <a:xfrm>
+            <a:off x="1408430" y="1574165"/>
+            <a:ext cx="9214485" cy="4352290"/>
+          </a:xfrm>
+          <a:prstGeom prst="rect">
+            <a:avLst/>
+          </a:prstGeom>
+        </p:spPr>
+      </p:pic>
+      <p:sp>
+        <p:nvSpPr>
+          <p:cNvPr id="5" name="文本框 4"/>
+          <p:cNvSpPr txBox="1"/>
+          <p:nvPr/>
+        </p:nvSpPr>
+        <p:spPr>
+          <a:xfrm>
+            <a:off x="2724150" y="6210300"/>
+            <a:ext cx="6583680" cy="368300"/>
+          </a:xfrm>
+          <a:prstGeom prst="rect">
+            <a:avLst/>
+          </a:prstGeom>
+          <a:noFill/>
+        </p:spPr>
+        <p:txBody>
+          <a:bodyPr wrap="none" rtlCol="0">
+            <a:spAutoFit/>
+          </a:bodyPr>
+          <a:p>
+            <a:r>
+              <a:rPr lang="zh-CN" altLang="en-US"/>
+              <a:t>程序启动后，在控制台可以看见同步的信息，可以检测文件冲突</a:t>
+            </a:r>
+            <a:endParaRPr lang="zh-CN" altLang="en-US"/>
+          </a:p>
+        </p:txBody>
+      </p:sp>
+    </p:spTree>
+    <p:custDataLst>
+      <p:tags r:id="rId3"/>
+    </p:custDataLst>
+  </p:cSld>
+  <p:clrMapOvr>
+    <a:masterClrMapping/>
+  </p:clrMapOvr>
+  <mc:AlternateContent xmlns:mc="http://schemas.openxmlformats.org/markup-compatibility/2006">
+    <mc:Choice xmlns:p14="http://schemas.microsoft.com/office/powerpoint/2010/main" Requires="p14">
+      <p:transition p14:dur="500"/>
+    </mc:Choice>
+    <mc:Fallback>
+      <p:transition/>
+    </mc:Fallback>
+  </mc:AlternateContent>
+</p:sld>
+</file>
+
+<file path=ppt/slides/slide13.xml><?xml version="1.0" encoding="utf-8"?>
 <p:sld xmlns:a="http://schemas.openxmlformats.org/drawingml/2006/main" xmlns:r="http://schemas.openxmlformats.org/officeDocument/2006/relationships" xmlns:p="http://schemas.openxmlformats.org/presentationml/2006/main">
   <p:cSld>
     <p:bg>
@@ -5417,28 +5606,7 @@
                 <a:ea typeface="微软雅黑" panose="020B0503020204020204" charset="-122"/>
                 <a:cs typeface="微软雅黑" panose="020B0503020204020204" charset="-122"/>
               </a:rPr>
-              <a:t>文件分块</a:t>
-            </a:r>
-            <a:r>
-              <a:rPr kumimoji="0" lang="zh-CN" altLang="en-US" sz="3600" b="1" i="0" spc="300" baseline="0" noProof="0" dirty="0">
-                <a:ln w="3175">
-                  <a:noFill/>
-                  <a:prstDash val="dash"/>
-                </a:ln>
-                <a:solidFill>
-                  <a:sysClr val="windowText" lastClr="000000">
-                    <a:lumMod val="75000"/>
-                    <a:lumOff val="25000"/>
-                  </a:sysClr>
-                </a:solidFill>
-                <a:effectLst/>
-                <a:uLnTx/>
-                <a:uFillTx/>
-                <a:latin typeface="Arial" panose="020B0604020202020204" pitchFamily="34" charset="0"/>
-                <a:ea typeface="微软雅黑" panose="020B0503020204020204" charset="-122"/>
-                <a:cs typeface="微软雅黑" panose="020B0503020204020204" charset="-122"/>
-              </a:rPr>
-              <a:t>上传</a:t>
+              <a:t>程序启动</a:t>
             </a:r>
             <a:endParaRPr kumimoji="0" lang="zh-CN" altLang="en-US" sz="3600" b="1" i="0" spc="300" baseline="0" noProof="0" dirty="0">
               <a:ln w="3175">
@@ -5461,42 +5629,9 @@
           </a:p>
         </p:txBody>
       </p:sp>
-      <p:sp>
-        <p:nvSpPr>
-          <p:cNvPr id="5" name="文本框 4"/>
-          <p:cNvSpPr txBox="1"/>
-          <p:nvPr/>
-        </p:nvSpPr>
-        <p:spPr>
-          <a:xfrm>
-            <a:off x="3289935" y="6118225"/>
-            <a:ext cx="6687185" cy="368300"/>
-          </a:xfrm>
-          <a:prstGeom prst="rect">
-            <a:avLst/>
-          </a:prstGeom>
-          <a:noFill/>
-        </p:spPr>
-        <p:txBody>
-          <a:bodyPr wrap="square" rtlCol="0">
-            <a:spAutoFit/>
-          </a:bodyPr>
-          <a:p>
-            <a:r>
-              <a:rPr lang="zh-CN" altLang="en-US"/>
-              <a:t>控制台打印分块上传信息，远程仓库已经存储</a:t>
-            </a:r>
-            <a:r>
-              <a:rPr lang="zh-CN" altLang="en-US"/>
-              <a:t>文件</a:t>
-            </a:r>
-            <a:endParaRPr lang="zh-CN" altLang="en-US"/>
-          </a:p>
-        </p:txBody>
-      </p:sp>
       <p:pic>
         <p:nvPicPr>
-          <p:cNvPr id="2" name="图片 1"/>
+          <p:cNvPr id="3" name="图片 2"/>
           <p:cNvPicPr>
             <a:picLocks noChangeAspect="1"/>
           </p:cNvPicPr>
@@ -5510,41 +5645,50 @@
         </p:blipFill>
         <p:spPr>
           <a:xfrm>
-            <a:off x="2214245" y="1542415"/>
-            <a:ext cx="7762875" cy="2905125"/>
+            <a:off x="858520" y="1613535"/>
+            <a:ext cx="10725150" cy="3996690"/>
           </a:xfrm>
           <a:prstGeom prst="rect">
             <a:avLst/>
           </a:prstGeom>
         </p:spPr>
       </p:pic>
-      <p:pic>
-        <p:nvPicPr>
-          <p:cNvPr id="7" name="图片 6"/>
-          <p:cNvPicPr>
-            <a:picLocks noChangeAspect="1"/>
-          </p:cNvPicPr>
+      <p:sp>
+        <p:nvSpPr>
+          <p:cNvPr id="5" name="文本框 4"/>
+          <p:cNvSpPr txBox="1"/>
           <p:nvPr/>
-        </p:nvPicPr>
-        <p:blipFill>
-          <a:blip r:embed="rId3"/>
-          <a:stretch>
-            <a:fillRect/>
-          </a:stretch>
-        </p:blipFill>
+        </p:nvSpPr>
         <p:spPr>
           <a:xfrm>
-            <a:off x="1449070" y="4869815"/>
-            <a:ext cx="9124950" cy="762000"/>
+            <a:off x="4351655" y="5897245"/>
+            <a:ext cx="3907155" cy="368300"/>
           </a:xfrm>
           <a:prstGeom prst="rect">
             <a:avLst/>
           </a:prstGeom>
+          <a:noFill/>
         </p:spPr>
-      </p:pic>
+        <p:txBody>
+          <a:bodyPr wrap="square" rtlCol="0">
+            <a:spAutoFit/>
+          </a:bodyPr>
+          <a:p>
+            <a:r>
+              <a:rPr lang="zh-CN" altLang="en-US"/>
+              <a:t>本地文件夹中已经存在下载好的</a:t>
+            </a:r>
+            <a:r>
+              <a:rPr lang="zh-CN" altLang="en-US"/>
+              <a:t>文件</a:t>
+            </a:r>
+            <a:endParaRPr lang="zh-CN" altLang="en-US"/>
+          </a:p>
+        </p:txBody>
+      </p:sp>
     </p:spTree>
     <p:custDataLst>
-      <p:tags r:id="rId4"/>
+      <p:tags r:id="rId3"/>
     </p:custDataLst>
   </p:cSld>
   <p:clrMapOvr>
@@ -5561,112 +5705,7 @@
 </p:sld>
 </file>
 
-<file path=ppt/slides/slide13.xml><?xml version="1.0" encoding="utf-8"?>
-<p:sld xmlns:a="http://schemas.openxmlformats.org/drawingml/2006/main" xmlns:r="http://schemas.openxmlformats.org/officeDocument/2006/relationships" xmlns:p="http://schemas.openxmlformats.org/presentationml/2006/main">
-  <p:cSld>
-    <p:bg>
-      <p:bgPr>
-        <a:gradFill rotWithShape="0">
-          <a:gsLst>
-            <a:gs pos="0">
-              <a:schemeClr val="accent1">
-                <a:lumMod val="60000"/>
-                <a:lumOff val="40000"/>
-              </a:schemeClr>
-            </a:gs>
-            <a:gs pos="100000">
-              <a:srgbClr val="DCDCDC"/>
-            </a:gs>
-          </a:gsLst>
-          <a:lin ang="5400000" scaled="0"/>
-        </a:gradFill>
-        <a:effectLst/>
-      </p:bgPr>
-    </p:bg>
-    <p:spTree>
-      <p:nvGrpSpPr>
-        <p:cNvPr id="1" name=""/>
-        <p:cNvGrpSpPr/>
-        <p:nvPr/>
-      </p:nvGrpSpPr>
-      <p:grpSpPr/>
-      <p:sp>
-        <p:nvSpPr>
-          <p:cNvPr id="8" name="文本框 7"/>
-          <p:cNvSpPr txBox="1"/>
-          <p:nvPr/>
-        </p:nvSpPr>
-        <p:spPr>
-          <a:xfrm>
-            <a:off x="4408170" y="2577465"/>
-            <a:ext cx="3535680" cy="1106805"/>
-          </a:xfrm>
-          <a:prstGeom prst="rect">
-            <a:avLst/>
-          </a:prstGeom>
-          <a:noFill/>
-        </p:spPr>
-        <p:txBody>
-          <a:bodyPr wrap="none" rtlCol="0">
-            <a:spAutoFit/>
-            <a:scene3d>
-              <a:camera prst="orthographicFront"/>
-              <a:lightRig rig="threePt" dir="t"/>
-            </a:scene3d>
-          </a:bodyPr>
-          <a:p>
-            <a:r>
-              <a:rPr lang="zh-CN" altLang="en-US" sz="6600">
-                <a:ln/>
-                <a:solidFill>
-                  <a:schemeClr val="tx1"/>
-                </a:solidFill>
-                <a:effectLst>
-                  <a:outerShdw blurRad="38100" dist="19050" dir="2700000" algn="tl" rotWithShape="0">
-                    <a:schemeClr val="dk1">
-                      <a:alpha val="40000"/>
-                    </a:schemeClr>
-                  </a:outerShdw>
-                </a:effectLst>
-              </a:rPr>
-              <a:t>感谢观看</a:t>
-            </a:r>
-            <a:endParaRPr lang="zh-CN" altLang="en-US" sz="6600">
-              <a:ln/>
-              <a:solidFill>
-                <a:schemeClr val="tx1"/>
-              </a:solidFill>
-              <a:effectLst>
-                <a:outerShdw blurRad="38100" dist="19050" dir="2700000" algn="tl" rotWithShape="0">
-                  <a:schemeClr val="dk1">
-                    <a:alpha val="40000"/>
-                  </a:schemeClr>
-                </a:outerShdw>
-              </a:effectLst>
-            </a:endParaRPr>
-          </a:p>
-        </p:txBody>
-      </p:sp>
-    </p:spTree>
-    <p:custDataLst>
-      <p:tags r:id="rId1"/>
-    </p:custDataLst>
-  </p:cSld>
-  <p:clrMapOvr>
-    <a:masterClrMapping/>
-  </p:clrMapOvr>
-  <mc:AlternateContent xmlns:mc="http://schemas.openxmlformats.org/markup-compatibility/2006">
-    <mc:Choice xmlns:p14="http://schemas.microsoft.com/office/powerpoint/2010/main" Requires="p14">
-      <p:transition p14:dur="500"/>
-    </mc:Choice>
-    <mc:Fallback>
-      <p:transition/>
-    </mc:Fallback>
-  </mc:AlternateContent>
-</p:sld>
-</file>
-
-<file path=ppt/slides/slide2.xml><?xml version="1.0" encoding="utf-8"?>
+<file path=ppt/slides/slide14.xml><?xml version="1.0" encoding="utf-8"?>
 <p:sld xmlns:a="http://schemas.openxmlformats.org/drawingml/2006/main" xmlns:r="http://schemas.openxmlformats.org/officeDocument/2006/relationships" xmlns:p="http://schemas.openxmlformats.org/presentationml/2006/main">
   <p:cSld>
     <p:bg>
@@ -5781,7 +5820,7 @@
                 <a:ea typeface="微软雅黑" panose="020B0503020204020204" charset="-122"/>
                 <a:cs typeface="微软雅黑" panose="020B0503020204020204" charset="-122"/>
               </a:rPr>
-              <a:t>程序启动</a:t>
+              <a:t>文件删除</a:t>
             </a:r>
             <a:endParaRPr kumimoji="0" lang="zh-CN" altLang="en-US" sz="3600" b="1" i="0" spc="300" baseline="0" noProof="0" dirty="0">
               <a:ln w="3175">
@@ -5804,6 +5843,47 @@
           </a:p>
         </p:txBody>
       </p:sp>
+      <p:sp>
+        <p:nvSpPr>
+          <p:cNvPr id="5" name="文本框 4"/>
+          <p:cNvSpPr txBox="1"/>
+          <p:nvPr/>
+        </p:nvSpPr>
+        <p:spPr>
+          <a:xfrm>
+            <a:off x="4507865" y="5991225"/>
+            <a:ext cx="3907155" cy="368300"/>
+          </a:xfrm>
+          <a:prstGeom prst="rect">
+            <a:avLst/>
+          </a:prstGeom>
+          <a:noFill/>
+        </p:spPr>
+        <p:txBody>
+          <a:bodyPr wrap="square" rtlCol="0">
+            <a:spAutoFit/>
+          </a:bodyPr>
+          <a:p>
+            <a:r>
+              <a:rPr lang="zh-CN" altLang="en-US"/>
+              <a:t>将文件</a:t>
+            </a:r>
+            <a:r>
+              <a:rPr lang="en-US" altLang="zh-CN"/>
+              <a:t>test.txt</a:t>
+            </a:r>
+            <a:r>
+              <a:rPr lang="zh-CN" altLang="en-US"/>
+              <a:t>从本地</a:t>
+            </a:r>
+            <a:r>
+              <a:rPr lang="zh-CN" altLang="en-US"/>
+              <a:t>删除</a:t>
+            </a:r>
+            <a:endParaRPr lang="zh-CN" altLang="en-US"/>
+          </a:p>
+        </p:txBody>
+      </p:sp>
       <p:pic>
         <p:nvPicPr>
           <p:cNvPr id="2" name="图片 1"/>
@@ -5820,24 +5900,1785 @@
         </p:blipFill>
         <p:spPr>
           <a:xfrm>
-            <a:off x="1689735" y="1406525"/>
-            <a:ext cx="8825865" cy="4871085"/>
+            <a:off x="2160270" y="1628140"/>
+            <a:ext cx="8289925" cy="4269105"/>
           </a:xfrm>
           <a:prstGeom prst="rect">
             <a:avLst/>
           </a:prstGeom>
         </p:spPr>
       </p:pic>
+    </p:spTree>
+    <p:custDataLst>
+      <p:tags r:id="rId3"/>
+    </p:custDataLst>
+  </p:cSld>
+  <p:clrMapOvr>
+    <a:masterClrMapping/>
+  </p:clrMapOvr>
+  <mc:AlternateContent xmlns:mc="http://schemas.openxmlformats.org/markup-compatibility/2006">
+    <mc:Choice xmlns:p14="http://schemas.microsoft.com/office/powerpoint/2010/main" Requires="p14">
+      <p:transition p14:dur="500"/>
+    </mc:Choice>
+    <mc:Fallback>
+      <p:transition/>
+    </mc:Fallback>
+  </mc:AlternateContent>
+</p:sld>
+</file>
+
+<file path=ppt/slides/slide15.xml><?xml version="1.0" encoding="utf-8"?>
+<p:sld xmlns:a="http://schemas.openxmlformats.org/drawingml/2006/main" xmlns:r="http://schemas.openxmlformats.org/officeDocument/2006/relationships" xmlns:p="http://schemas.openxmlformats.org/presentationml/2006/main">
+  <p:cSld>
+    <p:bg>
+      <p:bgPr>
+        <a:gradFill rotWithShape="0">
+          <a:gsLst>
+            <a:gs pos="0">
+              <a:schemeClr val="accent1">
+                <a:lumMod val="60000"/>
+                <a:lumOff val="40000"/>
+              </a:schemeClr>
+            </a:gs>
+            <a:gs pos="100000">
+              <a:srgbClr val="DCDCDC"/>
+            </a:gs>
+          </a:gsLst>
+          <a:lin ang="5400000" scaled="0"/>
+        </a:gradFill>
+        <a:effectLst/>
+      </p:bgPr>
+    </p:bg>
+    <p:spTree>
+      <p:nvGrpSpPr>
+        <p:cNvPr id="1" name=""/>
+        <p:cNvGrpSpPr/>
+        <p:nvPr/>
+      </p:nvGrpSpPr>
+      <p:grpSpPr/>
       <p:sp>
         <p:nvSpPr>
-          <p:cNvPr id="3" name="文本框 2"/>
+          <p:cNvPr id="4" name="Title 6"/>
+          <p:cNvSpPr txBox="1"/>
+          <p:nvPr>
+            <p:custDataLst>
+              <p:tags r:id="rId1"/>
+            </p:custDataLst>
+          </p:nvPr>
+        </p:nvSpPr>
+        <p:spPr>
+          <a:xfrm>
+            <a:off x="608400" y="474840"/>
+            <a:ext cx="10975200" cy="1245195"/>
+          </a:xfrm>
+          <a:prstGeom prst="rect">
+            <a:avLst/>
+          </a:prstGeom>
+          <a:noFill/>
+          <a:ln w="3175">
+            <a:noFill/>
+            <a:prstDash val="sysDash"/>
+          </a:ln>
+        </p:spPr>
+        <p:txBody>
+          <a:bodyPr wrap="square" lIns="72000" tIns="36000" rIns="72000" bIns="108000" anchor="ctr" anchorCtr="0">
+            <a:noAutofit/>
+          </a:bodyPr>
+          <a:lstStyle>
+            <a:lvl1pPr algn="l" defTabSz="913765" rtl="0" eaLnBrk="1" latinLnBrk="0" hangingPunct="1">
+              <a:lnSpc>
+                <a:spcPct val="90000"/>
+              </a:lnSpc>
+              <a:spcBef>
+                <a:spcPct val="0"/>
+              </a:spcBef>
+              <a:buNone/>
+              <a:defRPr lang="en-US" sz="2745" b="0" kern="1200" cap="none" spc="-49" baseline="0" dirty="0" smtClean="0">
+                <a:ln w="3175">
+                  <a:noFill/>
+                </a:ln>
+                <a:solidFill>
+                  <a:sysClr val="windowText" lastClr="000000"/>
+                </a:solidFill>
+                <a:effectLst/>
+                <a:latin typeface="+mj-lt"/>
+                <a:ea typeface="+mn-ea"/>
+                <a:cs typeface="Segoe UI" panose="020B0502040204020203" pitchFamily="34" charset="0"/>
+              </a:defRPr>
+            </a:lvl1pPr>
+          </a:lstStyle>
+          <a:p>
+            <a:pPr marL="0" marR="0" lvl="0" indent="0" algn="l" defTabSz="913765" rtl="0" eaLnBrk="1" fontAlgn="auto" latinLnBrk="0" hangingPunct="1">
+              <a:lnSpc>
+                <a:spcPct val="90000"/>
+              </a:lnSpc>
+              <a:spcBef>
+                <a:spcPct val="0"/>
+              </a:spcBef>
+              <a:spcAft>
+                <a:spcPts val="800"/>
+              </a:spcAft>
+              <a:buClrTx/>
+              <a:buSzTx/>
+              <a:buFontTx/>
+              <a:buNone/>
+            </a:pPr>
+            <a:r>
+              <a:rPr kumimoji="0" lang="zh-CN" altLang="en-US" sz="3600" b="1" i="0" spc="300" baseline="0" noProof="0" dirty="0">
+                <a:ln w="3175">
+                  <a:noFill/>
+                  <a:prstDash val="dash"/>
+                </a:ln>
+                <a:solidFill>
+                  <a:sysClr val="windowText" lastClr="000000">
+                    <a:lumMod val="75000"/>
+                    <a:lumOff val="25000"/>
+                  </a:sysClr>
+                </a:solidFill>
+                <a:effectLst/>
+                <a:uLnTx/>
+                <a:uFillTx/>
+                <a:latin typeface="Arial" panose="020B0604020202020204" pitchFamily="34" charset="0"/>
+                <a:ea typeface="微软雅黑" panose="020B0503020204020204" charset="-122"/>
+                <a:cs typeface="微软雅黑" panose="020B0503020204020204" charset="-122"/>
+              </a:rPr>
+              <a:t>文件删除</a:t>
+            </a:r>
+            <a:endParaRPr kumimoji="0" lang="zh-CN" altLang="en-US" sz="3600" b="1" i="0" spc="300" baseline="0" noProof="0" dirty="0">
+              <a:ln w="3175">
+                <a:noFill/>
+                <a:prstDash val="dash"/>
+              </a:ln>
+              <a:solidFill>
+                <a:sysClr val="windowText" lastClr="000000">
+                  <a:lumMod val="75000"/>
+                  <a:lumOff val="25000"/>
+                </a:sysClr>
+              </a:solidFill>
+              <a:effectLst/>
+              <a:uLnTx/>
+              <a:uFillTx/>
+              <a:latin typeface="Arial" panose="020B0604020202020204" pitchFamily="34" charset="0"/>
+              <a:ea typeface="微软雅黑" panose="020B0503020204020204" charset="-122"/>
+              <a:cs typeface="微软雅黑" panose="020B0503020204020204" charset="-122"/>
+            </a:endParaRPr>
+          </a:p>
+        </p:txBody>
+      </p:sp>
+      <p:sp>
+        <p:nvSpPr>
+          <p:cNvPr id="5" name="文本框 4"/>
           <p:cNvSpPr txBox="1"/>
           <p:nvPr/>
         </p:nvSpPr>
         <p:spPr>
           <a:xfrm>
-            <a:off x="2483485" y="6303645"/>
-            <a:ext cx="7040880" cy="368300"/>
+            <a:off x="3081020" y="6170930"/>
+            <a:ext cx="6687185" cy="368300"/>
+          </a:xfrm>
+          <a:prstGeom prst="rect">
+            <a:avLst/>
+          </a:prstGeom>
+          <a:noFill/>
+        </p:spPr>
+        <p:txBody>
+          <a:bodyPr wrap="square" rtlCol="0">
+            <a:spAutoFit/>
+          </a:bodyPr>
+          <a:p>
+            <a:r>
+              <a:rPr lang="zh-CN" altLang="en-US"/>
+              <a:t>控制台打印了删除操作，远程仓库的</a:t>
+            </a:r>
+            <a:r>
+              <a:rPr lang="en-US" altLang="zh-CN"/>
+              <a:t>test.txt</a:t>
+            </a:r>
+            <a:r>
+              <a:rPr lang="zh-CN" altLang="en-US"/>
+              <a:t>文件也被删除</a:t>
+            </a:r>
+            <a:endParaRPr lang="zh-CN" altLang="en-US"/>
+          </a:p>
+        </p:txBody>
+      </p:sp>
+      <p:pic>
+        <p:nvPicPr>
+          <p:cNvPr id="3" name="图片 2"/>
+          <p:cNvPicPr>
+            <a:picLocks noChangeAspect="1"/>
+          </p:cNvPicPr>
+          <p:nvPr/>
+        </p:nvPicPr>
+        <p:blipFill>
+          <a:blip r:embed="rId2"/>
+          <a:stretch>
+            <a:fillRect/>
+          </a:stretch>
+        </p:blipFill>
+        <p:spPr>
+          <a:xfrm>
+            <a:off x="3204210" y="1603375"/>
+            <a:ext cx="5953125" cy="1733550"/>
+          </a:xfrm>
+          <a:prstGeom prst="rect">
+            <a:avLst/>
+          </a:prstGeom>
+        </p:spPr>
+      </p:pic>
+      <p:pic>
+        <p:nvPicPr>
+          <p:cNvPr id="6" name="图片 5"/>
+          <p:cNvPicPr>
+            <a:picLocks noChangeAspect="1"/>
+          </p:cNvPicPr>
+          <p:nvPr/>
+        </p:nvPicPr>
+        <p:blipFill>
+          <a:blip r:embed="rId3"/>
+          <a:stretch>
+            <a:fillRect/>
+          </a:stretch>
+        </p:blipFill>
+        <p:spPr>
+          <a:xfrm>
+            <a:off x="2305685" y="3666490"/>
+            <a:ext cx="7750810" cy="2105025"/>
+          </a:xfrm>
+          <a:prstGeom prst="rect">
+            <a:avLst/>
+          </a:prstGeom>
+        </p:spPr>
+      </p:pic>
+    </p:spTree>
+    <p:custDataLst>
+      <p:tags r:id="rId4"/>
+    </p:custDataLst>
+  </p:cSld>
+  <p:clrMapOvr>
+    <a:masterClrMapping/>
+  </p:clrMapOvr>
+  <mc:AlternateContent xmlns:mc="http://schemas.openxmlformats.org/markup-compatibility/2006">
+    <mc:Choice xmlns:p14="http://schemas.microsoft.com/office/powerpoint/2010/main" Requires="p14">
+      <p:transition p14:dur="500"/>
+    </mc:Choice>
+    <mc:Fallback>
+      <p:transition/>
+    </mc:Fallback>
+  </mc:AlternateContent>
+</p:sld>
+</file>
+
+<file path=ppt/slides/slide16.xml><?xml version="1.0" encoding="utf-8"?>
+<p:sld xmlns:a="http://schemas.openxmlformats.org/drawingml/2006/main" xmlns:r="http://schemas.openxmlformats.org/officeDocument/2006/relationships" xmlns:p="http://schemas.openxmlformats.org/presentationml/2006/main">
+  <p:cSld>
+    <p:bg>
+      <p:bgPr>
+        <a:gradFill rotWithShape="0">
+          <a:gsLst>
+            <a:gs pos="0">
+              <a:schemeClr val="accent1">
+                <a:lumMod val="60000"/>
+                <a:lumOff val="40000"/>
+              </a:schemeClr>
+            </a:gs>
+            <a:gs pos="100000">
+              <a:srgbClr val="DCDCDC"/>
+            </a:gs>
+          </a:gsLst>
+          <a:lin ang="5400000" scaled="0"/>
+        </a:gradFill>
+        <a:effectLst/>
+      </p:bgPr>
+    </p:bg>
+    <p:spTree>
+      <p:nvGrpSpPr>
+        <p:cNvPr id="1" name=""/>
+        <p:cNvGrpSpPr/>
+        <p:nvPr/>
+      </p:nvGrpSpPr>
+      <p:grpSpPr/>
+      <p:sp>
+        <p:nvSpPr>
+          <p:cNvPr id="4" name="Title 6"/>
+          <p:cNvSpPr txBox="1"/>
+          <p:nvPr>
+            <p:custDataLst>
+              <p:tags r:id="rId1"/>
+            </p:custDataLst>
+          </p:nvPr>
+        </p:nvSpPr>
+        <p:spPr>
+          <a:xfrm>
+            <a:off x="608400" y="474840"/>
+            <a:ext cx="10975200" cy="1245195"/>
+          </a:xfrm>
+          <a:prstGeom prst="rect">
+            <a:avLst/>
+          </a:prstGeom>
+          <a:noFill/>
+          <a:ln w="3175">
+            <a:noFill/>
+            <a:prstDash val="sysDash"/>
+          </a:ln>
+        </p:spPr>
+        <p:txBody>
+          <a:bodyPr wrap="square" lIns="72000" tIns="36000" rIns="72000" bIns="108000" anchor="ctr" anchorCtr="0">
+            <a:noAutofit/>
+          </a:bodyPr>
+          <a:lstStyle>
+            <a:lvl1pPr algn="l" defTabSz="913765" rtl="0" eaLnBrk="1" latinLnBrk="0" hangingPunct="1">
+              <a:lnSpc>
+                <a:spcPct val="90000"/>
+              </a:lnSpc>
+              <a:spcBef>
+                <a:spcPct val="0"/>
+              </a:spcBef>
+              <a:buNone/>
+              <a:defRPr lang="en-US" sz="2745" b="0" kern="1200" cap="none" spc="-49" baseline="0" dirty="0" smtClean="0">
+                <a:ln w="3175">
+                  <a:noFill/>
+                </a:ln>
+                <a:solidFill>
+                  <a:sysClr val="windowText" lastClr="000000"/>
+                </a:solidFill>
+                <a:effectLst/>
+                <a:latin typeface="+mj-lt"/>
+                <a:ea typeface="+mn-ea"/>
+                <a:cs typeface="Segoe UI" panose="020B0502040204020203" pitchFamily="34" charset="0"/>
+              </a:defRPr>
+            </a:lvl1pPr>
+          </a:lstStyle>
+          <a:p>
+            <a:pPr marL="0" marR="0" lvl="0" indent="0" algn="l" defTabSz="913765" rtl="0" eaLnBrk="1" fontAlgn="auto" latinLnBrk="0" hangingPunct="1">
+              <a:lnSpc>
+                <a:spcPct val="90000"/>
+              </a:lnSpc>
+              <a:spcBef>
+                <a:spcPct val="0"/>
+              </a:spcBef>
+              <a:spcAft>
+                <a:spcPts val="800"/>
+              </a:spcAft>
+              <a:buClrTx/>
+              <a:buSzTx/>
+              <a:buFontTx/>
+              <a:buNone/>
+            </a:pPr>
+            <a:r>
+              <a:rPr kumimoji="0" lang="zh-CN" altLang="en-US" sz="3600" b="1" i="0" spc="300" baseline="0" noProof="0" dirty="0">
+                <a:ln w="3175">
+                  <a:noFill/>
+                  <a:prstDash val="dash"/>
+                </a:ln>
+                <a:solidFill>
+                  <a:sysClr val="windowText" lastClr="000000">
+                    <a:lumMod val="75000"/>
+                    <a:lumOff val="25000"/>
+                  </a:sysClr>
+                </a:solidFill>
+                <a:effectLst/>
+                <a:uLnTx/>
+                <a:uFillTx/>
+                <a:latin typeface="Arial" panose="020B0604020202020204" pitchFamily="34" charset="0"/>
+                <a:ea typeface="微软雅黑" panose="020B0503020204020204" charset="-122"/>
+                <a:cs typeface="微软雅黑" panose="020B0503020204020204" charset="-122"/>
+              </a:rPr>
+              <a:t>文件上传</a:t>
+            </a:r>
+            <a:endParaRPr kumimoji="0" lang="zh-CN" altLang="en-US" sz="3600" b="1" i="0" spc="300" baseline="0" noProof="0" dirty="0">
+              <a:ln w="3175">
+                <a:noFill/>
+                <a:prstDash val="dash"/>
+              </a:ln>
+              <a:solidFill>
+                <a:sysClr val="windowText" lastClr="000000">
+                  <a:lumMod val="75000"/>
+                  <a:lumOff val="25000"/>
+                </a:sysClr>
+              </a:solidFill>
+              <a:effectLst/>
+              <a:uLnTx/>
+              <a:uFillTx/>
+              <a:latin typeface="Arial" panose="020B0604020202020204" pitchFamily="34" charset="0"/>
+              <a:ea typeface="微软雅黑" panose="020B0503020204020204" charset="-122"/>
+              <a:cs typeface="微软雅黑" panose="020B0503020204020204" charset="-122"/>
+            </a:endParaRPr>
+          </a:p>
+        </p:txBody>
+      </p:sp>
+      <p:sp>
+        <p:nvSpPr>
+          <p:cNvPr id="5" name="文本框 4"/>
+          <p:cNvSpPr txBox="1"/>
+          <p:nvPr/>
+        </p:nvSpPr>
+        <p:spPr>
+          <a:xfrm>
+            <a:off x="4645660" y="6002020"/>
+            <a:ext cx="6687185" cy="368300"/>
+          </a:xfrm>
+          <a:prstGeom prst="rect">
+            <a:avLst/>
+          </a:prstGeom>
+          <a:noFill/>
+        </p:spPr>
+        <p:txBody>
+          <a:bodyPr wrap="square" rtlCol="0">
+            <a:spAutoFit/>
+          </a:bodyPr>
+          <a:p>
+            <a:r>
+              <a:rPr lang="zh-CN" altLang="en-US"/>
+              <a:t>在本地新增文件</a:t>
+            </a:r>
+            <a:r>
+              <a:rPr lang="en-US" altLang="zh-CN"/>
+              <a:t>test.txt</a:t>
+            </a:r>
+            <a:endParaRPr lang="en-US" altLang="zh-CN"/>
+          </a:p>
+        </p:txBody>
+      </p:sp>
+      <p:pic>
+        <p:nvPicPr>
+          <p:cNvPr id="2" name="图片 1"/>
+          <p:cNvPicPr>
+            <a:picLocks noChangeAspect="1"/>
+          </p:cNvPicPr>
+          <p:nvPr/>
+        </p:nvPicPr>
+        <p:blipFill>
+          <a:blip r:embed="rId2"/>
+          <a:stretch>
+            <a:fillRect/>
+          </a:stretch>
+        </p:blipFill>
+        <p:spPr>
+          <a:xfrm>
+            <a:off x="1152525" y="1445260"/>
+            <a:ext cx="9886950" cy="4305300"/>
+          </a:xfrm>
+          <a:prstGeom prst="rect">
+            <a:avLst/>
+          </a:prstGeom>
+        </p:spPr>
+      </p:pic>
+    </p:spTree>
+    <p:custDataLst>
+      <p:tags r:id="rId3"/>
+    </p:custDataLst>
+  </p:cSld>
+  <p:clrMapOvr>
+    <a:masterClrMapping/>
+  </p:clrMapOvr>
+  <mc:AlternateContent xmlns:mc="http://schemas.openxmlformats.org/markup-compatibility/2006">
+    <mc:Choice xmlns:p14="http://schemas.microsoft.com/office/powerpoint/2010/main" Requires="p14">
+      <p:transition p14:dur="500"/>
+    </mc:Choice>
+    <mc:Fallback>
+      <p:transition/>
+    </mc:Fallback>
+  </mc:AlternateContent>
+</p:sld>
+</file>
+
+<file path=ppt/slides/slide17.xml><?xml version="1.0" encoding="utf-8"?>
+<p:sld xmlns:a="http://schemas.openxmlformats.org/drawingml/2006/main" xmlns:r="http://schemas.openxmlformats.org/officeDocument/2006/relationships" xmlns:p="http://schemas.openxmlformats.org/presentationml/2006/main">
+  <p:cSld>
+    <p:bg>
+      <p:bgPr>
+        <a:gradFill rotWithShape="0">
+          <a:gsLst>
+            <a:gs pos="0">
+              <a:schemeClr val="accent1">
+                <a:lumMod val="60000"/>
+                <a:lumOff val="40000"/>
+              </a:schemeClr>
+            </a:gs>
+            <a:gs pos="100000">
+              <a:srgbClr val="DCDCDC"/>
+            </a:gs>
+          </a:gsLst>
+          <a:lin ang="5400000" scaled="0"/>
+        </a:gradFill>
+        <a:effectLst/>
+      </p:bgPr>
+    </p:bg>
+    <p:spTree>
+      <p:nvGrpSpPr>
+        <p:cNvPr id="1" name=""/>
+        <p:cNvGrpSpPr/>
+        <p:nvPr/>
+      </p:nvGrpSpPr>
+      <p:grpSpPr/>
+      <p:sp>
+        <p:nvSpPr>
+          <p:cNvPr id="4" name="Title 6"/>
+          <p:cNvSpPr txBox="1"/>
+          <p:nvPr>
+            <p:custDataLst>
+              <p:tags r:id="rId1"/>
+            </p:custDataLst>
+          </p:nvPr>
+        </p:nvSpPr>
+        <p:spPr>
+          <a:xfrm>
+            <a:off x="608400" y="474840"/>
+            <a:ext cx="10975200" cy="1245195"/>
+          </a:xfrm>
+          <a:prstGeom prst="rect">
+            <a:avLst/>
+          </a:prstGeom>
+          <a:noFill/>
+          <a:ln w="3175">
+            <a:noFill/>
+            <a:prstDash val="sysDash"/>
+          </a:ln>
+        </p:spPr>
+        <p:txBody>
+          <a:bodyPr wrap="square" lIns="72000" tIns="36000" rIns="72000" bIns="108000" anchor="ctr" anchorCtr="0">
+            <a:noAutofit/>
+          </a:bodyPr>
+          <a:lstStyle>
+            <a:lvl1pPr algn="l" defTabSz="913765" rtl="0" eaLnBrk="1" latinLnBrk="0" hangingPunct="1">
+              <a:lnSpc>
+                <a:spcPct val="90000"/>
+              </a:lnSpc>
+              <a:spcBef>
+                <a:spcPct val="0"/>
+              </a:spcBef>
+              <a:buNone/>
+              <a:defRPr lang="en-US" sz="2745" b="0" kern="1200" cap="none" spc="-49" baseline="0" dirty="0" smtClean="0">
+                <a:ln w="3175">
+                  <a:noFill/>
+                </a:ln>
+                <a:solidFill>
+                  <a:sysClr val="windowText" lastClr="000000"/>
+                </a:solidFill>
+                <a:effectLst/>
+                <a:latin typeface="+mj-lt"/>
+                <a:ea typeface="+mn-ea"/>
+                <a:cs typeface="Segoe UI" panose="020B0502040204020203" pitchFamily="34" charset="0"/>
+              </a:defRPr>
+            </a:lvl1pPr>
+          </a:lstStyle>
+          <a:p>
+            <a:pPr marL="0" marR="0" lvl="0" indent="0" algn="l" defTabSz="913765" rtl="0" eaLnBrk="1" fontAlgn="auto" latinLnBrk="0" hangingPunct="1">
+              <a:lnSpc>
+                <a:spcPct val="90000"/>
+              </a:lnSpc>
+              <a:spcBef>
+                <a:spcPct val="0"/>
+              </a:spcBef>
+              <a:spcAft>
+                <a:spcPts val="800"/>
+              </a:spcAft>
+              <a:buClrTx/>
+              <a:buSzTx/>
+              <a:buFontTx/>
+              <a:buNone/>
+            </a:pPr>
+            <a:r>
+              <a:rPr kumimoji="0" lang="zh-CN" altLang="en-US" sz="3600" b="1" i="0" spc="300" baseline="0" noProof="0" dirty="0">
+                <a:ln w="3175">
+                  <a:noFill/>
+                  <a:prstDash val="dash"/>
+                </a:ln>
+                <a:solidFill>
+                  <a:sysClr val="windowText" lastClr="000000">
+                    <a:lumMod val="75000"/>
+                    <a:lumOff val="25000"/>
+                  </a:sysClr>
+                </a:solidFill>
+                <a:effectLst/>
+                <a:uLnTx/>
+                <a:uFillTx/>
+                <a:latin typeface="Arial" panose="020B0604020202020204" pitchFamily="34" charset="0"/>
+                <a:ea typeface="微软雅黑" panose="020B0503020204020204" charset="-122"/>
+                <a:cs typeface="微软雅黑" panose="020B0503020204020204" charset="-122"/>
+              </a:rPr>
+              <a:t>文件上传</a:t>
+            </a:r>
+            <a:endParaRPr kumimoji="0" lang="zh-CN" altLang="en-US" sz="3600" b="1" i="0" spc="300" baseline="0" noProof="0" dirty="0">
+              <a:ln w="3175">
+                <a:noFill/>
+                <a:prstDash val="dash"/>
+              </a:ln>
+              <a:solidFill>
+                <a:sysClr val="windowText" lastClr="000000">
+                  <a:lumMod val="75000"/>
+                  <a:lumOff val="25000"/>
+                </a:sysClr>
+              </a:solidFill>
+              <a:effectLst/>
+              <a:uLnTx/>
+              <a:uFillTx/>
+              <a:latin typeface="Arial" panose="020B0604020202020204" pitchFamily="34" charset="0"/>
+              <a:ea typeface="微软雅黑" panose="020B0503020204020204" charset="-122"/>
+              <a:cs typeface="微软雅黑" panose="020B0503020204020204" charset="-122"/>
+            </a:endParaRPr>
+          </a:p>
+        </p:txBody>
+      </p:sp>
+      <p:sp>
+        <p:nvSpPr>
+          <p:cNvPr id="5" name="文本框 4"/>
+          <p:cNvSpPr txBox="1"/>
+          <p:nvPr/>
+        </p:nvSpPr>
+        <p:spPr>
+          <a:xfrm>
+            <a:off x="3385185" y="5895975"/>
+            <a:ext cx="6687185" cy="368300"/>
+          </a:xfrm>
+          <a:prstGeom prst="rect">
+            <a:avLst/>
+          </a:prstGeom>
+          <a:noFill/>
+        </p:spPr>
+        <p:txBody>
+          <a:bodyPr wrap="square" rtlCol="0">
+            <a:spAutoFit/>
+          </a:bodyPr>
+          <a:p>
+            <a:r>
+              <a:rPr lang="zh-CN" altLang="en-US"/>
+              <a:t>控制台打印了上传信息，远程仓库有了新增文件</a:t>
+            </a:r>
+            <a:endParaRPr lang="zh-CN" altLang="en-US"/>
+          </a:p>
+        </p:txBody>
+      </p:sp>
+      <p:pic>
+        <p:nvPicPr>
+          <p:cNvPr id="3" name="图片 2"/>
+          <p:cNvPicPr>
+            <a:picLocks noChangeAspect="1"/>
+          </p:cNvPicPr>
+          <p:nvPr/>
+        </p:nvPicPr>
+        <p:blipFill>
+          <a:blip r:embed="rId2"/>
+          <a:stretch>
+            <a:fillRect/>
+          </a:stretch>
+        </p:blipFill>
+        <p:spPr>
+          <a:xfrm>
+            <a:off x="3218180" y="1597025"/>
+            <a:ext cx="5334000" cy="1295400"/>
+          </a:xfrm>
+          <a:prstGeom prst="rect">
+            <a:avLst/>
+          </a:prstGeom>
+        </p:spPr>
+      </p:pic>
+      <p:pic>
+        <p:nvPicPr>
+          <p:cNvPr id="6" name="图片 5"/>
+          <p:cNvPicPr>
+            <a:picLocks noChangeAspect="1"/>
+          </p:cNvPicPr>
+          <p:nvPr/>
+        </p:nvPicPr>
+        <p:blipFill>
+          <a:blip r:embed="rId3"/>
+          <a:stretch>
+            <a:fillRect/>
+          </a:stretch>
+        </p:blipFill>
+        <p:spPr>
+          <a:xfrm>
+            <a:off x="2118995" y="3317240"/>
+            <a:ext cx="7953375" cy="1914525"/>
+          </a:xfrm>
+          <a:prstGeom prst="rect">
+            <a:avLst/>
+          </a:prstGeom>
+        </p:spPr>
+      </p:pic>
+    </p:spTree>
+    <p:custDataLst>
+      <p:tags r:id="rId4"/>
+    </p:custDataLst>
+  </p:cSld>
+  <p:clrMapOvr>
+    <a:masterClrMapping/>
+  </p:clrMapOvr>
+  <mc:AlternateContent xmlns:mc="http://schemas.openxmlformats.org/markup-compatibility/2006">
+    <mc:Choice xmlns:p14="http://schemas.microsoft.com/office/powerpoint/2010/main" Requires="p14">
+      <p:transition p14:dur="500"/>
+    </mc:Choice>
+    <mc:Fallback>
+      <p:transition/>
+    </mc:Fallback>
+  </mc:AlternateContent>
+</p:sld>
+</file>
+
+<file path=ppt/slides/slide18.xml><?xml version="1.0" encoding="utf-8"?>
+<p:sld xmlns:a="http://schemas.openxmlformats.org/drawingml/2006/main" xmlns:r="http://schemas.openxmlformats.org/officeDocument/2006/relationships" xmlns:p="http://schemas.openxmlformats.org/presentationml/2006/main">
+  <p:cSld>
+    <p:bg>
+      <p:bgPr>
+        <a:gradFill rotWithShape="0">
+          <a:gsLst>
+            <a:gs pos="0">
+              <a:schemeClr val="accent1">
+                <a:lumMod val="60000"/>
+                <a:lumOff val="40000"/>
+              </a:schemeClr>
+            </a:gs>
+            <a:gs pos="100000">
+              <a:srgbClr val="DCDCDC"/>
+            </a:gs>
+          </a:gsLst>
+          <a:lin ang="5400000" scaled="0"/>
+        </a:gradFill>
+        <a:effectLst/>
+      </p:bgPr>
+    </p:bg>
+    <p:spTree>
+      <p:nvGrpSpPr>
+        <p:cNvPr id="1" name=""/>
+        <p:cNvGrpSpPr/>
+        <p:nvPr/>
+      </p:nvGrpSpPr>
+      <p:grpSpPr/>
+      <p:sp>
+        <p:nvSpPr>
+          <p:cNvPr id="4" name="Title 6"/>
+          <p:cNvSpPr txBox="1"/>
+          <p:nvPr>
+            <p:custDataLst>
+              <p:tags r:id="rId1"/>
+            </p:custDataLst>
+          </p:nvPr>
+        </p:nvSpPr>
+        <p:spPr>
+          <a:xfrm>
+            <a:off x="608400" y="474840"/>
+            <a:ext cx="10975200" cy="1245195"/>
+          </a:xfrm>
+          <a:prstGeom prst="rect">
+            <a:avLst/>
+          </a:prstGeom>
+          <a:noFill/>
+          <a:ln w="3175">
+            <a:noFill/>
+            <a:prstDash val="sysDash"/>
+          </a:ln>
+        </p:spPr>
+        <p:txBody>
+          <a:bodyPr wrap="square" lIns="72000" tIns="36000" rIns="72000" bIns="108000" anchor="ctr" anchorCtr="0">
+            <a:noAutofit/>
+          </a:bodyPr>
+          <a:lstStyle>
+            <a:lvl1pPr algn="l" defTabSz="913765" rtl="0" eaLnBrk="1" latinLnBrk="0" hangingPunct="1">
+              <a:lnSpc>
+                <a:spcPct val="90000"/>
+              </a:lnSpc>
+              <a:spcBef>
+                <a:spcPct val="0"/>
+              </a:spcBef>
+              <a:buNone/>
+              <a:defRPr lang="en-US" sz="2745" b="0" kern="1200" cap="none" spc="-49" baseline="0" dirty="0" smtClean="0">
+                <a:ln w="3175">
+                  <a:noFill/>
+                </a:ln>
+                <a:solidFill>
+                  <a:sysClr val="windowText" lastClr="000000"/>
+                </a:solidFill>
+                <a:effectLst/>
+                <a:latin typeface="+mj-lt"/>
+                <a:ea typeface="+mn-ea"/>
+                <a:cs typeface="Segoe UI" panose="020B0502040204020203" pitchFamily="34" charset="0"/>
+              </a:defRPr>
+            </a:lvl1pPr>
+          </a:lstStyle>
+          <a:p>
+            <a:pPr marL="0" marR="0" lvl="0" indent="0" algn="l" defTabSz="913765" rtl="0" eaLnBrk="1" fontAlgn="auto" latinLnBrk="0" hangingPunct="1">
+              <a:lnSpc>
+                <a:spcPct val="90000"/>
+              </a:lnSpc>
+              <a:spcBef>
+                <a:spcPct val="0"/>
+              </a:spcBef>
+              <a:spcAft>
+                <a:spcPts val="800"/>
+              </a:spcAft>
+              <a:buClrTx/>
+              <a:buSzTx/>
+              <a:buFontTx/>
+              <a:buNone/>
+            </a:pPr>
+            <a:r>
+              <a:rPr kumimoji="0" lang="zh-CN" altLang="en-US" sz="3600" b="1" i="0" spc="300" baseline="0" noProof="0" dirty="0">
+                <a:ln w="3175">
+                  <a:noFill/>
+                  <a:prstDash val="dash"/>
+                </a:ln>
+                <a:solidFill>
+                  <a:sysClr val="windowText" lastClr="000000">
+                    <a:lumMod val="75000"/>
+                    <a:lumOff val="25000"/>
+                  </a:sysClr>
+                </a:solidFill>
+                <a:effectLst/>
+                <a:uLnTx/>
+                <a:uFillTx/>
+                <a:latin typeface="Arial" panose="020B0604020202020204" pitchFamily="34" charset="0"/>
+                <a:ea typeface="微软雅黑" panose="020B0503020204020204" charset="-122"/>
+                <a:cs typeface="微软雅黑" panose="020B0503020204020204" charset="-122"/>
+              </a:rPr>
+              <a:t>文件更新</a:t>
+            </a:r>
+            <a:endParaRPr kumimoji="0" lang="zh-CN" altLang="en-US" sz="3600" b="1" i="0" spc="300" baseline="0" noProof="0" dirty="0">
+              <a:ln w="3175">
+                <a:noFill/>
+                <a:prstDash val="dash"/>
+              </a:ln>
+              <a:solidFill>
+                <a:sysClr val="windowText" lastClr="000000">
+                  <a:lumMod val="75000"/>
+                  <a:lumOff val="25000"/>
+                </a:sysClr>
+              </a:solidFill>
+              <a:effectLst/>
+              <a:uLnTx/>
+              <a:uFillTx/>
+              <a:latin typeface="Arial" panose="020B0604020202020204" pitchFamily="34" charset="0"/>
+              <a:ea typeface="微软雅黑" panose="020B0503020204020204" charset="-122"/>
+              <a:cs typeface="微软雅黑" panose="020B0503020204020204" charset="-122"/>
+            </a:endParaRPr>
+          </a:p>
+        </p:txBody>
+      </p:sp>
+      <p:sp>
+        <p:nvSpPr>
+          <p:cNvPr id="5" name="文本框 4"/>
+          <p:cNvSpPr txBox="1"/>
+          <p:nvPr/>
+        </p:nvSpPr>
+        <p:spPr>
+          <a:xfrm>
+            <a:off x="4645660" y="6002020"/>
+            <a:ext cx="6687185" cy="368300"/>
+          </a:xfrm>
+          <a:prstGeom prst="rect">
+            <a:avLst/>
+          </a:prstGeom>
+          <a:noFill/>
+        </p:spPr>
+        <p:txBody>
+          <a:bodyPr wrap="square" rtlCol="0">
+            <a:spAutoFit/>
+          </a:bodyPr>
+          <a:p>
+            <a:r>
+              <a:rPr lang="zh-CN" altLang="en-US"/>
+              <a:t>在本地修改</a:t>
+            </a:r>
+            <a:r>
+              <a:rPr lang="zh-CN" altLang="en-US"/>
+              <a:t>文件</a:t>
+            </a:r>
+            <a:r>
+              <a:rPr lang="en-US" altLang="zh-CN"/>
+              <a:t>test.txt</a:t>
+            </a:r>
+            <a:endParaRPr lang="en-US" altLang="zh-CN"/>
+          </a:p>
+        </p:txBody>
+      </p:sp>
+      <p:pic>
+        <p:nvPicPr>
+          <p:cNvPr id="3" name="图片 2"/>
+          <p:cNvPicPr>
+            <a:picLocks noChangeAspect="1"/>
+          </p:cNvPicPr>
+          <p:nvPr/>
+        </p:nvPicPr>
+        <p:blipFill>
+          <a:blip r:embed="rId2"/>
+          <a:stretch>
+            <a:fillRect/>
+          </a:stretch>
+        </p:blipFill>
+        <p:spPr>
+          <a:xfrm>
+            <a:off x="3404870" y="2124075"/>
+            <a:ext cx="5381625" cy="2609850"/>
+          </a:xfrm>
+          <a:prstGeom prst="rect">
+            <a:avLst/>
+          </a:prstGeom>
+        </p:spPr>
+      </p:pic>
+    </p:spTree>
+    <p:custDataLst>
+      <p:tags r:id="rId3"/>
+    </p:custDataLst>
+  </p:cSld>
+  <p:clrMapOvr>
+    <a:masterClrMapping/>
+  </p:clrMapOvr>
+  <mc:AlternateContent xmlns:mc="http://schemas.openxmlformats.org/markup-compatibility/2006">
+    <mc:Choice xmlns:p14="http://schemas.microsoft.com/office/powerpoint/2010/main" Requires="p14">
+      <p:transition p14:dur="500"/>
+    </mc:Choice>
+    <mc:Fallback>
+      <p:transition/>
+    </mc:Fallback>
+  </mc:AlternateContent>
+</p:sld>
+</file>
+
+<file path=ppt/slides/slide19.xml><?xml version="1.0" encoding="utf-8"?>
+<p:sld xmlns:a="http://schemas.openxmlformats.org/drawingml/2006/main" xmlns:r="http://schemas.openxmlformats.org/officeDocument/2006/relationships" xmlns:p="http://schemas.openxmlformats.org/presentationml/2006/main">
+  <p:cSld>
+    <p:bg>
+      <p:bgPr>
+        <a:gradFill rotWithShape="0">
+          <a:gsLst>
+            <a:gs pos="0">
+              <a:schemeClr val="accent1">
+                <a:lumMod val="60000"/>
+                <a:lumOff val="40000"/>
+              </a:schemeClr>
+            </a:gs>
+            <a:gs pos="100000">
+              <a:srgbClr val="DCDCDC"/>
+            </a:gs>
+          </a:gsLst>
+          <a:lin ang="5400000" scaled="0"/>
+        </a:gradFill>
+        <a:effectLst/>
+      </p:bgPr>
+    </p:bg>
+    <p:spTree>
+      <p:nvGrpSpPr>
+        <p:cNvPr id="1" name=""/>
+        <p:cNvGrpSpPr/>
+        <p:nvPr/>
+      </p:nvGrpSpPr>
+      <p:grpSpPr/>
+      <p:sp>
+        <p:nvSpPr>
+          <p:cNvPr id="4" name="Title 6"/>
+          <p:cNvSpPr txBox="1"/>
+          <p:nvPr>
+            <p:custDataLst>
+              <p:tags r:id="rId1"/>
+            </p:custDataLst>
+          </p:nvPr>
+        </p:nvSpPr>
+        <p:spPr>
+          <a:xfrm>
+            <a:off x="608400" y="474840"/>
+            <a:ext cx="10975200" cy="1245195"/>
+          </a:xfrm>
+          <a:prstGeom prst="rect">
+            <a:avLst/>
+          </a:prstGeom>
+          <a:noFill/>
+          <a:ln w="3175">
+            <a:noFill/>
+            <a:prstDash val="sysDash"/>
+          </a:ln>
+        </p:spPr>
+        <p:txBody>
+          <a:bodyPr wrap="square" lIns="72000" tIns="36000" rIns="72000" bIns="108000" anchor="ctr" anchorCtr="0">
+            <a:noAutofit/>
+          </a:bodyPr>
+          <a:lstStyle>
+            <a:lvl1pPr algn="l" defTabSz="913765" rtl="0" eaLnBrk="1" latinLnBrk="0" hangingPunct="1">
+              <a:lnSpc>
+                <a:spcPct val="90000"/>
+              </a:lnSpc>
+              <a:spcBef>
+                <a:spcPct val="0"/>
+              </a:spcBef>
+              <a:buNone/>
+              <a:defRPr lang="en-US" sz="2745" b="0" kern="1200" cap="none" spc="-49" baseline="0" dirty="0" smtClean="0">
+                <a:ln w="3175">
+                  <a:noFill/>
+                </a:ln>
+                <a:solidFill>
+                  <a:sysClr val="windowText" lastClr="000000"/>
+                </a:solidFill>
+                <a:effectLst/>
+                <a:latin typeface="+mj-lt"/>
+                <a:ea typeface="+mn-ea"/>
+                <a:cs typeface="Segoe UI" panose="020B0502040204020203" pitchFamily="34" charset="0"/>
+              </a:defRPr>
+            </a:lvl1pPr>
+          </a:lstStyle>
+          <a:p>
+            <a:pPr marL="0" marR="0" lvl="0" indent="0" algn="l" defTabSz="913765" rtl="0" eaLnBrk="1" fontAlgn="auto" latinLnBrk="0" hangingPunct="1">
+              <a:lnSpc>
+                <a:spcPct val="90000"/>
+              </a:lnSpc>
+              <a:spcBef>
+                <a:spcPct val="0"/>
+              </a:spcBef>
+              <a:spcAft>
+                <a:spcPts val="800"/>
+              </a:spcAft>
+              <a:buClrTx/>
+              <a:buSzTx/>
+              <a:buFontTx/>
+              <a:buNone/>
+            </a:pPr>
+            <a:r>
+              <a:rPr kumimoji="0" lang="zh-CN" altLang="en-US" sz="3600" b="1" i="0" spc="300" baseline="0" noProof="0" dirty="0">
+                <a:ln w="3175">
+                  <a:noFill/>
+                  <a:prstDash val="dash"/>
+                </a:ln>
+                <a:solidFill>
+                  <a:sysClr val="windowText" lastClr="000000">
+                    <a:lumMod val="75000"/>
+                    <a:lumOff val="25000"/>
+                  </a:sysClr>
+                </a:solidFill>
+                <a:effectLst/>
+                <a:uLnTx/>
+                <a:uFillTx/>
+                <a:latin typeface="Arial" panose="020B0604020202020204" pitchFamily="34" charset="0"/>
+                <a:ea typeface="微软雅黑" panose="020B0503020204020204" charset="-122"/>
+                <a:cs typeface="微软雅黑" panose="020B0503020204020204" charset="-122"/>
+              </a:rPr>
+              <a:t>文件更新</a:t>
+            </a:r>
+            <a:endParaRPr kumimoji="0" lang="zh-CN" altLang="en-US" sz="3600" b="1" i="0" spc="300" baseline="0" noProof="0" dirty="0">
+              <a:ln w="3175">
+                <a:noFill/>
+                <a:prstDash val="dash"/>
+              </a:ln>
+              <a:solidFill>
+                <a:sysClr val="windowText" lastClr="000000">
+                  <a:lumMod val="75000"/>
+                  <a:lumOff val="25000"/>
+                </a:sysClr>
+              </a:solidFill>
+              <a:effectLst/>
+              <a:uLnTx/>
+              <a:uFillTx/>
+              <a:latin typeface="Arial" panose="020B0604020202020204" pitchFamily="34" charset="0"/>
+              <a:ea typeface="微软雅黑" panose="020B0503020204020204" charset="-122"/>
+              <a:cs typeface="微软雅黑" panose="020B0503020204020204" charset="-122"/>
+            </a:endParaRPr>
+          </a:p>
+        </p:txBody>
+      </p:sp>
+      <p:sp>
+        <p:nvSpPr>
+          <p:cNvPr id="5" name="文本框 4"/>
+          <p:cNvSpPr txBox="1"/>
+          <p:nvPr/>
+        </p:nvSpPr>
+        <p:spPr>
+          <a:xfrm>
+            <a:off x="3619500" y="5917565"/>
+            <a:ext cx="6687185" cy="368300"/>
+          </a:xfrm>
+          <a:prstGeom prst="rect">
+            <a:avLst/>
+          </a:prstGeom>
+          <a:noFill/>
+        </p:spPr>
+        <p:txBody>
+          <a:bodyPr wrap="square" rtlCol="0">
+            <a:spAutoFit/>
+          </a:bodyPr>
+          <a:p>
+            <a:r>
+              <a:rPr lang="zh-CN" altLang="en-US"/>
+              <a:t>控制台打印更新信息，远程仓库文件更新</a:t>
+            </a:r>
+            <a:endParaRPr lang="zh-CN" altLang="en-US"/>
+          </a:p>
+        </p:txBody>
+      </p:sp>
+      <p:pic>
+        <p:nvPicPr>
+          <p:cNvPr id="3" name="图片 2"/>
+          <p:cNvPicPr>
+            <a:picLocks noChangeAspect="1"/>
+          </p:cNvPicPr>
+          <p:nvPr/>
+        </p:nvPicPr>
+        <p:blipFill>
+          <a:blip r:embed="rId2"/>
+          <a:stretch>
+            <a:fillRect/>
+          </a:stretch>
+        </p:blipFill>
+        <p:spPr>
+          <a:xfrm>
+            <a:off x="2790825" y="2301875"/>
+            <a:ext cx="6610350" cy="1219200"/>
+          </a:xfrm>
+          <a:prstGeom prst="rect">
+            <a:avLst/>
+          </a:prstGeom>
+        </p:spPr>
+      </p:pic>
+      <p:pic>
+        <p:nvPicPr>
+          <p:cNvPr id="6" name="图片 5"/>
+          <p:cNvPicPr>
+            <a:picLocks noChangeAspect="1"/>
+          </p:cNvPicPr>
+          <p:nvPr/>
+        </p:nvPicPr>
+        <p:blipFill>
+          <a:blip r:embed="rId3"/>
+          <a:stretch>
+            <a:fillRect/>
+          </a:stretch>
+        </p:blipFill>
+        <p:spPr>
+          <a:xfrm>
+            <a:off x="1676400" y="4177030"/>
+            <a:ext cx="9029700" cy="428625"/>
+          </a:xfrm>
+          <a:prstGeom prst="rect">
+            <a:avLst/>
+          </a:prstGeom>
+        </p:spPr>
+      </p:pic>
+    </p:spTree>
+    <p:custDataLst>
+      <p:tags r:id="rId4"/>
+    </p:custDataLst>
+  </p:cSld>
+  <p:clrMapOvr>
+    <a:masterClrMapping/>
+  </p:clrMapOvr>
+  <mc:AlternateContent xmlns:mc="http://schemas.openxmlformats.org/markup-compatibility/2006">
+    <mc:Choice xmlns:p14="http://schemas.microsoft.com/office/powerpoint/2010/main" Requires="p14">
+      <p:transition p14:dur="500"/>
+    </mc:Choice>
+    <mc:Fallback>
+      <p:transition/>
+    </mc:Fallback>
+  </mc:AlternateContent>
+</p:sld>
+</file>
+
+<file path=ppt/slides/slide2.xml><?xml version="1.0" encoding="utf-8"?>
+<p:sld xmlns:a="http://schemas.openxmlformats.org/drawingml/2006/main" xmlns:r="http://schemas.openxmlformats.org/officeDocument/2006/relationships" xmlns:p="http://schemas.openxmlformats.org/presentationml/2006/main">
+  <p:cSld>
+    <p:bg>
+      <p:bgPr>
+        <a:gradFill rotWithShape="0">
+          <a:gsLst>
+            <a:gs pos="0">
+              <a:schemeClr val="accent1">
+                <a:lumMod val="60000"/>
+                <a:lumOff val="40000"/>
+              </a:schemeClr>
+            </a:gs>
+            <a:gs pos="100000">
+              <a:srgbClr val="DCDCDC"/>
+            </a:gs>
+          </a:gsLst>
+          <a:lin ang="5400000" scaled="0"/>
+        </a:gradFill>
+        <a:effectLst/>
+      </p:bgPr>
+    </p:bg>
+    <p:spTree>
+      <p:nvGrpSpPr>
+        <p:cNvPr id="1" name=""/>
+        <p:cNvGrpSpPr/>
+        <p:nvPr/>
+      </p:nvGrpSpPr>
+      <p:grpSpPr>
+        <a:xfrm>
+          <a:off x="0" y="0"/>
+          <a:ext cx="0" cy="0"/>
+          <a:chOff x="0" y="0"/>
+          <a:chExt cx="0" cy="0"/>
+        </a:xfrm>
+      </p:grpSpPr>
+      <p:sp>
+        <p:nvSpPr>
+          <p:cNvPr id="2" name="标题 1"/>
+          <p:cNvSpPr>
+            <a:spLocks noGrp="1"/>
+          </p:cNvSpPr>
+          <p:nvPr>
+            <p:ph type="ctrTitle"/>
+            <p:custDataLst>
+              <p:tags r:id="rId1"/>
+            </p:custDataLst>
+          </p:nvPr>
+        </p:nvSpPr>
+        <p:spPr/>
+        <p:txBody>
+          <a:bodyPr/>
+          <a:lstStyle/>
+          <a:p>
+            <a:r>
+              <a:rPr lang="zh-CN" altLang="en-US"/>
+              <a:t>程序设计</a:t>
+            </a:r>
+            <a:endParaRPr lang="zh-CN" altLang="en-US"/>
+          </a:p>
+        </p:txBody>
+      </p:sp>
+    </p:spTree>
+    <p:custDataLst>
+      <p:tags r:id="rId2"/>
+    </p:custDataLst>
+  </p:cSld>
+  <p:clrMapOvr>
+    <a:masterClrMapping/>
+  </p:clrMapOvr>
+</p:sld>
+</file>
+
+<file path=ppt/slides/slide20.xml><?xml version="1.0" encoding="utf-8"?>
+<p:sld xmlns:a="http://schemas.openxmlformats.org/drawingml/2006/main" xmlns:r="http://schemas.openxmlformats.org/officeDocument/2006/relationships" xmlns:p="http://schemas.openxmlformats.org/presentationml/2006/main">
+  <p:cSld>
+    <p:bg>
+      <p:bgPr>
+        <a:gradFill rotWithShape="0">
+          <a:gsLst>
+            <a:gs pos="0">
+              <a:schemeClr val="accent1">
+                <a:lumMod val="60000"/>
+                <a:lumOff val="40000"/>
+              </a:schemeClr>
+            </a:gs>
+            <a:gs pos="100000">
+              <a:srgbClr val="DCDCDC"/>
+            </a:gs>
+          </a:gsLst>
+          <a:lin ang="5400000" scaled="0"/>
+        </a:gradFill>
+        <a:effectLst/>
+      </p:bgPr>
+    </p:bg>
+    <p:spTree>
+      <p:nvGrpSpPr>
+        <p:cNvPr id="1" name=""/>
+        <p:cNvGrpSpPr/>
+        <p:nvPr/>
+      </p:nvGrpSpPr>
+      <p:grpSpPr/>
+      <p:sp>
+        <p:nvSpPr>
+          <p:cNvPr id="4" name="Title 6"/>
+          <p:cNvSpPr txBox="1"/>
+          <p:nvPr>
+            <p:custDataLst>
+              <p:tags r:id="rId1"/>
+            </p:custDataLst>
+          </p:nvPr>
+        </p:nvSpPr>
+        <p:spPr>
+          <a:xfrm>
+            <a:off x="608400" y="474840"/>
+            <a:ext cx="10975200" cy="1245195"/>
+          </a:xfrm>
+          <a:prstGeom prst="rect">
+            <a:avLst/>
+          </a:prstGeom>
+          <a:noFill/>
+          <a:ln w="3175">
+            <a:noFill/>
+            <a:prstDash val="sysDash"/>
+          </a:ln>
+        </p:spPr>
+        <p:txBody>
+          <a:bodyPr wrap="square" lIns="72000" tIns="36000" rIns="72000" bIns="108000" anchor="ctr" anchorCtr="0">
+            <a:noAutofit/>
+          </a:bodyPr>
+          <a:lstStyle>
+            <a:lvl1pPr algn="l" defTabSz="913765" rtl="0" eaLnBrk="1" latinLnBrk="0" hangingPunct="1">
+              <a:lnSpc>
+                <a:spcPct val="90000"/>
+              </a:lnSpc>
+              <a:spcBef>
+                <a:spcPct val="0"/>
+              </a:spcBef>
+              <a:buNone/>
+              <a:defRPr lang="en-US" sz="2745" b="0" kern="1200" cap="none" spc="-49" baseline="0" dirty="0" smtClean="0">
+                <a:ln w="3175">
+                  <a:noFill/>
+                </a:ln>
+                <a:solidFill>
+                  <a:sysClr val="windowText" lastClr="000000"/>
+                </a:solidFill>
+                <a:effectLst/>
+                <a:latin typeface="+mj-lt"/>
+                <a:ea typeface="+mn-ea"/>
+                <a:cs typeface="Segoe UI" panose="020B0502040204020203" pitchFamily="34" charset="0"/>
+              </a:defRPr>
+            </a:lvl1pPr>
+          </a:lstStyle>
+          <a:p>
+            <a:pPr marL="0" marR="0" lvl="0" indent="0" algn="l" defTabSz="913765" rtl="0" eaLnBrk="1" fontAlgn="auto" latinLnBrk="0" hangingPunct="1">
+              <a:lnSpc>
+                <a:spcPct val="90000"/>
+              </a:lnSpc>
+              <a:spcBef>
+                <a:spcPct val="0"/>
+              </a:spcBef>
+              <a:spcAft>
+                <a:spcPts val="800"/>
+              </a:spcAft>
+              <a:buClrTx/>
+              <a:buSzTx/>
+              <a:buFontTx/>
+              <a:buNone/>
+            </a:pPr>
+            <a:r>
+              <a:rPr kumimoji="0" lang="zh-CN" altLang="en-US" sz="3600" b="1" i="0" spc="300" baseline="0" noProof="0" dirty="0">
+                <a:ln w="3175">
+                  <a:noFill/>
+                  <a:prstDash val="dash"/>
+                </a:ln>
+                <a:solidFill>
+                  <a:sysClr val="windowText" lastClr="000000">
+                    <a:lumMod val="75000"/>
+                    <a:lumOff val="25000"/>
+                  </a:sysClr>
+                </a:solidFill>
+                <a:effectLst/>
+                <a:uLnTx/>
+                <a:uFillTx/>
+                <a:latin typeface="Arial" panose="020B0604020202020204" pitchFamily="34" charset="0"/>
+                <a:ea typeface="微软雅黑" panose="020B0503020204020204" charset="-122"/>
+                <a:cs typeface="微软雅黑" panose="020B0503020204020204" charset="-122"/>
+              </a:rPr>
+              <a:t>文件分块</a:t>
+            </a:r>
+            <a:r>
+              <a:rPr kumimoji="0" lang="zh-CN" altLang="en-US" sz="3600" b="1" i="0" spc="300" baseline="0" noProof="0" dirty="0">
+                <a:ln w="3175">
+                  <a:noFill/>
+                  <a:prstDash val="dash"/>
+                </a:ln>
+                <a:solidFill>
+                  <a:sysClr val="windowText" lastClr="000000">
+                    <a:lumMod val="75000"/>
+                    <a:lumOff val="25000"/>
+                  </a:sysClr>
+                </a:solidFill>
+                <a:effectLst/>
+                <a:uLnTx/>
+                <a:uFillTx/>
+                <a:latin typeface="Arial" panose="020B0604020202020204" pitchFamily="34" charset="0"/>
+                <a:ea typeface="微软雅黑" panose="020B0503020204020204" charset="-122"/>
+                <a:cs typeface="微软雅黑" panose="020B0503020204020204" charset="-122"/>
+              </a:rPr>
+              <a:t>上传</a:t>
+            </a:r>
+            <a:endParaRPr kumimoji="0" lang="zh-CN" altLang="en-US" sz="3600" b="1" i="0" spc="300" baseline="0" noProof="0" dirty="0">
+              <a:ln w="3175">
+                <a:noFill/>
+                <a:prstDash val="dash"/>
+              </a:ln>
+              <a:solidFill>
+                <a:sysClr val="windowText" lastClr="000000">
+                  <a:lumMod val="75000"/>
+                  <a:lumOff val="25000"/>
+                </a:sysClr>
+              </a:solidFill>
+              <a:effectLst/>
+              <a:uLnTx/>
+              <a:uFillTx/>
+              <a:latin typeface="Arial" panose="020B0604020202020204" pitchFamily="34" charset="0"/>
+              <a:ea typeface="微软雅黑" panose="020B0503020204020204" charset="-122"/>
+              <a:cs typeface="微软雅黑" panose="020B0503020204020204" charset="-122"/>
+            </a:endParaRPr>
+          </a:p>
+        </p:txBody>
+      </p:sp>
+      <p:sp>
+        <p:nvSpPr>
+          <p:cNvPr id="5" name="文本框 4"/>
+          <p:cNvSpPr txBox="1"/>
+          <p:nvPr/>
+        </p:nvSpPr>
+        <p:spPr>
+          <a:xfrm>
+            <a:off x="3619500" y="5917565"/>
+            <a:ext cx="6687185" cy="368300"/>
+          </a:xfrm>
+          <a:prstGeom prst="rect">
+            <a:avLst/>
+          </a:prstGeom>
+          <a:noFill/>
+        </p:spPr>
+        <p:txBody>
+          <a:bodyPr wrap="square" rtlCol="0">
+            <a:spAutoFit/>
+          </a:bodyPr>
+          <a:p>
+            <a:r>
+              <a:rPr lang="zh-CN" altLang="en-US"/>
+              <a:t>在本地文件夹新增大于</a:t>
+            </a:r>
+            <a:r>
+              <a:rPr lang="en-US" altLang="zh-CN"/>
+              <a:t>20M</a:t>
+            </a:r>
+            <a:r>
+              <a:rPr lang="zh-CN" altLang="en-US"/>
+              <a:t>的文件</a:t>
+            </a:r>
+            <a:endParaRPr lang="zh-CN" altLang="en-US"/>
+          </a:p>
+        </p:txBody>
+      </p:sp>
+      <p:pic>
+        <p:nvPicPr>
+          <p:cNvPr id="7" name="图片 6"/>
+          <p:cNvPicPr>
+            <a:picLocks noChangeAspect="1"/>
+          </p:cNvPicPr>
+          <p:nvPr/>
+        </p:nvPicPr>
+        <p:blipFill>
+          <a:blip r:embed="rId2"/>
+          <a:stretch>
+            <a:fillRect/>
+          </a:stretch>
+        </p:blipFill>
+        <p:spPr>
+          <a:xfrm>
+            <a:off x="981075" y="2295525"/>
+            <a:ext cx="10229850" cy="2266950"/>
+          </a:xfrm>
+          <a:prstGeom prst="rect">
+            <a:avLst/>
+          </a:prstGeom>
+        </p:spPr>
+      </p:pic>
+    </p:spTree>
+    <p:custDataLst>
+      <p:tags r:id="rId3"/>
+    </p:custDataLst>
+  </p:cSld>
+  <p:clrMapOvr>
+    <a:masterClrMapping/>
+  </p:clrMapOvr>
+  <mc:AlternateContent xmlns:mc="http://schemas.openxmlformats.org/markup-compatibility/2006">
+    <mc:Choice xmlns:p14="http://schemas.microsoft.com/office/powerpoint/2010/main" Requires="p14">
+      <p:transition p14:dur="500"/>
+    </mc:Choice>
+    <mc:Fallback>
+      <p:transition/>
+    </mc:Fallback>
+  </mc:AlternateContent>
+</p:sld>
+</file>
+
+<file path=ppt/slides/slide21.xml><?xml version="1.0" encoding="utf-8"?>
+<p:sld xmlns:a="http://schemas.openxmlformats.org/drawingml/2006/main" xmlns:r="http://schemas.openxmlformats.org/officeDocument/2006/relationships" xmlns:p="http://schemas.openxmlformats.org/presentationml/2006/main">
+  <p:cSld>
+    <p:bg>
+      <p:bgPr>
+        <a:gradFill rotWithShape="0">
+          <a:gsLst>
+            <a:gs pos="0">
+              <a:schemeClr val="accent1">
+                <a:lumMod val="60000"/>
+                <a:lumOff val="40000"/>
+              </a:schemeClr>
+            </a:gs>
+            <a:gs pos="100000">
+              <a:srgbClr val="DCDCDC"/>
+            </a:gs>
+          </a:gsLst>
+          <a:lin ang="5400000" scaled="0"/>
+        </a:gradFill>
+        <a:effectLst/>
+      </p:bgPr>
+    </p:bg>
+    <p:spTree>
+      <p:nvGrpSpPr>
+        <p:cNvPr id="1" name=""/>
+        <p:cNvGrpSpPr/>
+        <p:nvPr/>
+      </p:nvGrpSpPr>
+      <p:grpSpPr/>
+      <p:sp>
+        <p:nvSpPr>
+          <p:cNvPr id="4" name="Title 6"/>
+          <p:cNvSpPr txBox="1"/>
+          <p:nvPr>
+            <p:custDataLst>
+              <p:tags r:id="rId1"/>
+            </p:custDataLst>
+          </p:nvPr>
+        </p:nvSpPr>
+        <p:spPr>
+          <a:xfrm>
+            <a:off x="608400" y="474840"/>
+            <a:ext cx="10975200" cy="1245195"/>
+          </a:xfrm>
+          <a:prstGeom prst="rect">
+            <a:avLst/>
+          </a:prstGeom>
+          <a:noFill/>
+          <a:ln w="3175">
+            <a:noFill/>
+            <a:prstDash val="sysDash"/>
+          </a:ln>
+        </p:spPr>
+        <p:txBody>
+          <a:bodyPr wrap="square" lIns="72000" tIns="36000" rIns="72000" bIns="108000" anchor="ctr" anchorCtr="0">
+            <a:noAutofit/>
+          </a:bodyPr>
+          <a:lstStyle>
+            <a:lvl1pPr algn="l" defTabSz="913765" rtl="0" eaLnBrk="1" latinLnBrk="0" hangingPunct="1">
+              <a:lnSpc>
+                <a:spcPct val="90000"/>
+              </a:lnSpc>
+              <a:spcBef>
+                <a:spcPct val="0"/>
+              </a:spcBef>
+              <a:buNone/>
+              <a:defRPr lang="en-US" sz="2745" b="0" kern="1200" cap="none" spc="-49" baseline="0" dirty="0" smtClean="0">
+                <a:ln w="3175">
+                  <a:noFill/>
+                </a:ln>
+                <a:solidFill>
+                  <a:sysClr val="windowText" lastClr="000000"/>
+                </a:solidFill>
+                <a:effectLst/>
+                <a:latin typeface="+mj-lt"/>
+                <a:ea typeface="+mn-ea"/>
+                <a:cs typeface="Segoe UI" panose="020B0502040204020203" pitchFamily="34" charset="0"/>
+              </a:defRPr>
+            </a:lvl1pPr>
+          </a:lstStyle>
+          <a:p>
+            <a:pPr marL="0" marR="0" lvl="0" indent="0" algn="l" defTabSz="913765" rtl="0" eaLnBrk="1" fontAlgn="auto" latinLnBrk="0" hangingPunct="1">
+              <a:lnSpc>
+                <a:spcPct val="90000"/>
+              </a:lnSpc>
+              <a:spcBef>
+                <a:spcPct val="0"/>
+              </a:spcBef>
+              <a:spcAft>
+                <a:spcPts val="800"/>
+              </a:spcAft>
+              <a:buClrTx/>
+              <a:buSzTx/>
+              <a:buFontTx/>
+              <a:buNone/>
+            </a:pPr>
+            <a:r>
+              <a:rPr kumimoji="0" lang="zh-CN" altLang="en-US" sz="3600" b="1" i="0" spc="300" baseline="0" noProof="0" dirty="0">
+                <a:ln w="3175">
+                  <a:noFill/>
+                  <a:prstDash val="dash"/>
+                </a:ln>
+                <a:solidFill>
+                  <a:sysClr val="windowText" lastClr="000000">
+                    <a:lumMod val="75000"/>
+                    <a:lumOff val="25000"/>
+                  </a:sysClr>
+                </a:solidFill>
+                <a:effectLst/>
+                <a:uLnTx/>
+                <a:uFillTx/>
+                <a:latin typeface="Arial" panose="020B0604020202020204" pitchFamily="34" charset="0"/>
+                <a:ea typeface="微软雅黑" panose="020B0503020204020204" charset="-122"/>
+                <a:cs typeface="微软雅黑" panose="020B0503020204020204" charset="-122"/>
+              </a:rPr>
+              <a:t>文件分块</a:t>
+            </a:r>
+            <a:r>
+              <a:rPr kumimoji="0" lang="zh-CN" altLang="en-US" sz="3600" b="1" i="0" spc="300" baseline="0" noProof="0" dirty="0">
+                <a:ln w="3175">
+                  <a:noFill/>
+                  <a:prstDash val="dash"/>
+                </a:ln>
+                <a:solidFill>
+                  <a:sysClr val="windowText" lastClr="000000">
+                    <a:lumMod val="75000"/>
+                    <a:lumOff val="25000"/>
+                  </a:sysClr>
+                </a:solidFill>
+                <a:effectLst/>
+                <a:uLnTx/>
+                <a:uFillTx/>
+                <a:latin typeface="Arial" panose="020B0604020202020204" pitchFamily="34" charset="0"/>
+                <a:ea typeface="微软雅黑" panose="020B0503020204020204" charset="-122"/>
+                <a:cs typeface="微软雅黑" panose="020B0503020204020204" charset="-122"/>
+              </a:rPr>
+              <a:t>上传</a:t>
+            </a:r>
+            <a:endParaRPr kumimoji="0" lang="zh-CN" altLang="en-US" sz="3600" b="1" i="0" spc="300" baseline="0" noProof="0" dirty="0">
+              <a:ln w="3175">
+                <a:noFill/>
+                <a:prstDash val="dash"/>
+              </a:ln>
+              <a:solidFill>
+                <a:sysClr val="windowText" lastClr="000000">
+                  <a:lumMod val="75000"/>
+                  <a:lumOff val="25000"/>
+                </a:sysClr>
+              </a:solidFill>
+              <a:effectLst/>
+              <a:uLnTx/>
+              <a:uFillTx/>
+              <a:latin typeface="Arial" panose="020B0604020202020204" pitchFamily="34" charset="0"/>
+              <a:ea typeface="微软雅黑" panose="020B0503020204020204" charset="-122"/>
+              <a:cs typeface="微软雅黑" panose="020B0503020204020204" charset="-122"/>
+            </a:endParaRPr>
+          </a:p>
+        </p:txBody>
+      </p:sp>
+      <p:sp>
+        <p:nvSpPr>
+          <p:cNvPr id="5" name="文本框 4"/>
+          <p:cNvSpPr txBox="1"/>
+          <p:nvPr/>
+        </p:nvSpPr>
+        <p:spPr>
+          <a:xfrm>
+            <a:off x="3289935" y="6118225"/>
+            <a:ext cx="6687185" cy="368300"/>
+          </a:xfrm>
+          <a:prstGeom prst="rect">
+            <a:avLst/>
+          </a:prstGeom>
+          <a:noFill/>
+        </p:spPr>
+        <p:txBody>
+          <a:bodyPr wrap="square" rtlCol="0">
+            <a:spAutoFit/>
+          </a:bodyPr>
+          <a:p>
+            <a:r>
+              <a:rPr lang="zh-CN" altLang="en-US"/>
+              <a:t>控制台打印分块上传信息，远程仓库已经存储</a:t>
+            </a:r>
+            <a:r>
+              <a:rPr lang="zh-CN" altLang="en-US"/>
+              <a:t>文件</a:t>
+            </a:r>
+            <a:endParaRPr lang="zh-CN" altLang="en-US"/>
+          </a:p>
+        </p:txBody>
+      </p:sp>
+      <p:pic>
+        <p:nvPicPr>
+          <p:cNvPr id="2" name="图片 1"/>
+          <p:cNvPicPr>
+            <a:picLocks noChangeAspect="1"/>
+          </p:cNvPicPr>
+          <p:nvPr/>
+        </p:nvPicPr>
+        <p:blipFill>
+          <a:blip r:embed="rId2"/>
+          <a:stretch>
+            <a:fillRect/>
+          </a:stretch>
+        </p:blipFill>
+        <p:spPr>
+          <a:xfrm>
+            <a:off x="2214245" y="1542415"/>
+            <a:ext cx="7762875" cy="2905125"/>
+          </a:xfrm>
+          <a:prstGeom prst="rect">
+            <a:avLst/>
+          </a:prstGeom>
+        </p:spPr>
+      </p:pic>
+      <p:pic>
+        <p:nvPicPr>
+          <p:cNvPr id="7" name="图片 6"/>
+          <p:cNvPicPr>
+            <a:picLocks noChangeAspect="1"/>
+          </p:cNvPicPr>
+          <p:nvPr/>
+        </p:nvPicPr>
+        <p:blipFill>
+          <a:blip r:embed="rId3"/>
+          <a:stretch>
+            <a:fillRect/>
+          </a:stretch>
+        </p:blipFill>
+        <p:spPr>
+          <a:xfrm>
+            <a:off x="1449070" y="4869815"/>
+            <a:ext cx="9124950" cy="762000"/>
+          </a:xfrm>
+          <a:prstGeom prst="rect">
+            <a:avLst/>
+          </a:prstGeom>
+        </p:spPr>
+      </p:pic>
+    </p:spTree>
+    <p:custDataLst>
+      <p:tags r:id="rId4"/>
+    </p:custDataLst>
+  </p:cSld>
+  <p:clrMapOvr>
+    <a:masterClrMapping/>
+  </p:clrMapOvr>
+  <mc:AlternateContent xmlns:mc="http://schemas.openxmlformats.org/markup-compatibility/2006">
+    <mc:Choice xmlns:p14="http://schemas.microsoft.com/office/powerpoint/2010/main" Requires="p14">
+      <p:transition p14:dur="500"/>
+    </mc:Choice>
+    <mc:Fallback>
+      <p:transition/>
+    </mc:Fallback>
+  </mc:AlternateContent>
+</p:sld>
+</file>
+
+<file path=ppt/slides/slide22.xml><?xml version="1.0" encoding="utf-8"?>
+<p:sld xmlns:a="http://schemas.openxmlformats.org/drawingml/2006/main" xmlns:r="http://schemas.openxmlformats.org/officeDocument/2006/relationships" xmlns:p="http://schemas.openxmlformats.org/presentationml/2006/main">
+  <p:cSld>
+    <p:bg>
+      <p:bgPr>
+        <a:gradFill rotWithShape="0">
+          <a:gsLst>
+            <a:gs pos="0">
+              <a:schemeClr val="accent1">
+                <a:lumMod val="60000"/>
+                <a:lumOff val="40000"/>
+              </a:schemeClr>
+            </a:gs>
+            <a:gs pos="100000">
+              <a:srgbClr val="DCDCDC"/>
+            </a:gs>
+          </a:gsLst>
+          <a:lin ang="5400000" scaled="0"/>
+        </a:gradFill>
+        <a:effectLst/>
+      </p:bgPr>
+    </p:bg>
+    <p:spTree>
+      <p:nvGrpSpPr>
+        <p:cNvPr id="1" name=""/>
+        <p:cNvGrpSpPr/>
+        <p:nvPr/>
+      </p:nvGrpSpPr>
+      <p:grpSpPr/>
+      <p:sp>
+        <p:nvSpPr>
+          <p:cNvPr id="8" name="文本框 7"/>
+          <p:cNvSpPr txBox="1"/>
+          <p:nvPr/>
+        </p:nvSpPr>
+        <p:spPr>
+          <a:xfrm>
+            <a:off x="4408170" y="2577465"/>
+            <a:ext cx="3535680" cy="1106805"/>
           </a:xfrm>
           <a:prstGeom prst="rect">
             <a:avLst/>
@@ -5847,23 +7688,45 @@
         <p:txBody>
           <a:bodyPr wrap="none" rtlCol="0">
             <a:spAutoFit/>
+            <a:scene3d>
+              <a:camera prst="orthographicFront"/>
+              <a:lightRig rig="threePt" dir="t"/>
+            </a:scene3d>
           </a:bodyPr>
           <a:p>
             <a:r>
-              <a:rPr lang="zh-CN" altLang="en-US"/>
-              <a:t>启动前本地文件夹有一个和远程仓库相同的文件和一个仅同名的</a:t>
-            </a:r>
-            <a:r>
-              <a:rPr lang="zh-CN" altLang="en-US"/>
-              <a:t>文件</a:t>
-            </a:r>
-            <a:endParaRPr lang="zh-CN" altLang="en-US"/>
+              <a:rPr lang="zh-CN" altLang="en-US" sz="6600">
+                <a:solidFill>
+                  <a:schemeClr val="tx1"/>
+                </a:solidFill>
+                <a:effectLst>
+                  <a:outerShdw blurRad="38100" dist="19050" dir="2700000" algn="tl" rotWithShape="0">
+                    <a:schemeClr val="dk1">
+                      <a:alpha val="40000"/>
+                    </a:schemeClr>
+                  </a:outerShdw>
+                </a:effectLst>
+              </a:rPr>
+              <a:t>感谢观看</a:t>
+            </a:r>
+            <a:endParaRPr lang="zh-CN" altLang="en-US" sz="6600">
+              <a:solidFill>
+                <a:schemeClr val="tx1"/>
+              </a:solidFill>
+              <a:effectLst>
+                <a:outerShdw blurRad="38100" dist="19050" dir="2700000" algn="tl" rotWithShape="0">
+                  <a:schemeClr val="dk1">
+                    <a:alpha val="40000"/>
+                  </a:schemeClr>
+                </a:outerShdw>
+              </a:effectLst>
+            </a:endParaRPr>
           </a:p>
         </p:txBody>
       </p:sp>
     </p:spTree>
     <p:custDataLst>
-      <p:tags r:id="rId3"/>
+      <p:tags r:id="rId1"/>
     </p:custDataLst>
   </p:cSld>
   <p:clrMapOvr>
@@ -5921,7 +7784,7 @@
         </p:nvSpPr>
         <p:spPr>
           <a:xfrm>
-            <a:off x="608400" y="495795"/>
+            <a:off x="608400" y="474840"/>
             <a:ext cx="10975200" cy="1245195"/>
           </a:xfrm>
           <a:prstGeom prst="rect">
@@ -5995,7 +7858,7 @@
                 <a:ea typeface="微软雅黑" panose="020B0503020204020204" charset="-122"/>
                 <a:cs typeface="微软雅黑" panose="020B0503020204020204" charset="-122"/>
               </a:rPr>
-              <a:t>程序启动</a:t>
+              <a:t>程序设计</a:t>
             </a:r>
             <a:endParaRPr kumimoji="0" lang="zh-CN" altLang="en-US" sz="3600" b="1" i="0" spc="300" baseline="0" noProof="0" dirty="0">
               <a:ln w="3175">
@@ -6020,7 +7883,7 @@
       </p:sp>
       <p:pic>
         <p:nvPicPr>
-          <p:cNvPr id="3" name="图片 2"/>
+          <p:cNvPr id="5" name="图片 1"/>
           <p:cNvPicPr>
             <a:picLocks noChangeAspect="1"/>
           </p:cNvPicPr>
@@ -6034,43 +7897,18 @@
         </p:blipFill>
         <p:spPr>
           <a:xfrm>
-            <a:off x="1408430" y="1574165"/>
-            <a:ext cx="9214485" cy="4352290"/>
-          </a:xfrm>
-          <a:prstGeom prst="rect">
-            <a:avLst/>
-          </a:prstGeom>
-        </p:spPr>
-      </p:pic>
-      <p:sp>
-        <p:nvSpPr>
-          <p:cNvPr id="5" name="文本框 4"/>
-          <p:cNvSpPr txBox="1"/>
-          <p:nvPr/>
-        </p:nvSpPr>
-        <p:spPr>
-          <a:xfrm>
-            <a:off x="2724150" y="6210300"/>
-            <a:ext cx="6583680" cy="368300"/>
+            <a:off x="2366010" y="1329055"/>
+            <a:ext cx="7608570" cy="4634230"/>
           </a:xfrm>
           <a:prstGeom prst="rect">
             <a:avLst/>
           </a:prstGeom>
           <a:noFill/>
+          <a:ln>
+            <a:noFill/>
+          </a:ln>
         </p:spPr>
-        <p:txBody>
-          <a:bodyPr wrap="none" rtlCol="0">
-            <a:spAutoFit/>
-          </a:bodyPr>
-          <a:p>
-            <a:r>
-              <a:rPr lang="zh-CN" altLang="en-US"/>
-              <a:t>程序启动后，在控制台可以看见同步的信息，可以检测文件冲突</a:t>
-            </a:r>
-            <a:endParaRPr lang="zh-CN" altLang="en-US"/>
-          </a:p>
-        </p:txBody>
-      </p:sp>
+      </p:pic>
     </p:spTree>
     <p:custDataLst>
       <p:tags r:id="rId3"/>
@@ -6205,7 +8043,7 @@
                 <a:ea typeface="微软雅黑" panose="020B0503020204020204" charset="-122"/>
                 <a:cs typeface="微软雅黑" panose="020B0503020204020204" charset="-122"/>
               </a:rPr>
-              <a:t>程序启动</a:t>
+              <a:t>程序设计</a:t>
             </a:r>
             <a:endParaRPr kumimoji="0" lang="zh-CN" altLang="en-US" sz="3600" b="1" i="0" spc="300" baseline="0" noProof="0" dirty="0">
               <a:ln w="3175">
@@ -6228,40 +8066,16 @@
           </a:p>
         </p:txBody>
       </p:sp>
-      <p:pic>
-        <p:nvPicPr>
-          <p:cNvPr id="3" name="图片 2"/>
-          <p:cNvPicPr>
-            <a:picLocks noChangeAspect="1"/>
-          </p:cNvPicPr>
-          <p:nvPr/>
-        </p:nvPicPr>
-        <p:blipFill>
-          <a:blip r:embed="rId2"/>
-          <a:stretch>
-            <a:fillRect/>
-          </a:stretch>
-        </p:blipFill>
-        <p:spPr>
-          <a:xfrm>
-            <a:off x="858520" y="1613535"/>
-            <a:ext cx="10725150" cy="3996690"/>
-          </a:xfrm>
-          <a:prstGeom prst="rect">
-            <a:avLst/>
-          </a:prstGeom>
-        </p:spPr>
-      </p:pic>
       <p:sp>
         <p:nvSpPr>
-          <p:cNvPr id="5" name="文本框 4"/>
+          <p:cNvPr id="2" name="文本框 1"/>
           <p:cNvSpPr txBox="1"/>
           <p:nvPr/>
         </p:nvSpPr>
         <p:spPr>
           <a:xfrm>
-            <a:off x="4351655" y="5897245"/>
-            <a:ext cx="3907155" cy="368300"/>
+            <a:off x="1120140" y="1720215"/>
+            <a:ext cx="8781415" cy="4154170"/>
           </a:xfrm>
           <a:prstGeom prst="rect">
             <a:avLst/>
@@ -6273,21 +8087,82 @@
             <a:spAutoFit/>
           </a:bodyPr>
           <a:p>
-            <a:r>
-              <a:rPr lang="zh-CN" altLang="en-US"/>
-              <a:t>本地文件夹中已经存在下载好的</a:t>
-            </a:r>
-            <a:r>
-              <a:rPr lang="zh-CN" altLang="en-US"/>
-              <a:t>文件</a:t>
-            </a:r>
-            <a:endParaRPr lang="zh-CN" altLang="en-US"/>
+            <a:pPr algn="l"/>
+            <a:r>
+              <a:rPr lang="zh-CN" altLang="en-US" sz="2400"/>
+              <a:t>1）</a:t>
+            </a:r>
+            <a:r>
+              <a:rPr lang="zh-CN" altLang="en-US" sz="2400">
+                <a:solidFill>
+                  <a:srgbClr val="FF0000"/>
+                </a:solidFill>
+              </a:rPr>
+              <a:t>同步删除</a:t>
+            </a:r>
+            <a:r>
+              <a:rPr lang="zh-CN" altLang="en-US" sz="2400"/>
+              <a:t>:在本地文件夹中删除文件时，文件同步器监听到删除文件的事件，然后开启异步任务去删除远程仓库的文件。</a:t>
+            </a:r>
+            <a:endParaRPr lang="zh-CN" altLang="en-US" sz="2400"/>
+          </a:p>
+          <a:p>
+            <a:pPr algn="l"/>
+            <a:endParaRPr lang="zh-CN" altLang="en-US" sz="2400"/>
+          </a:p>
+          <a:p>
+            <a:pPr algn="l"/>
+            <a:r>
+              <a:rPr lang="zh-CN" altLang="en-US" sz="2400"/>
+              <a:t>2）</a:t>
+            </a:r>
+            <a:r>
+              <a:rPr lang="zh-CN" altLang="en-US" sz="2400">
+                <a:solidFill>
+                  <a:srgbClr val="FF0000"/>
+                </a:solidFill>
+              </a:rPr>
+              <a:t>同步上传</a:t>
+            </a:r>
+            <a:r>
+              <a:rPr lang="zh-CN" altLang="en-US" sz="2400"/>
+              <a:t>:同步上传可以通过创建文件事件和更新文件事件的发生而触发。在上传之前需要检测文件大小，如果大于20MB则需要进行文件分块上传。</a:t>
+            </a:r>
+            <a:endParaRPr lang="zh-CN" altLang="en-US" sz="2400"/>
+          </a:p>
+          <a:p>
+            <a:pPr algn="l"/>
+            <a:endParaRPr lang="zh-CN" altLang="en-US" sz="2400"/>
+          </a:p>
+          <a:p>
+            <a:pPr algn="l"/>
+            <a:r>
+              <a:rPr lang="en-US" altLang="zh-CN" sz="2400"/>
+              <a:t>3</a:t>
+            </a:r>
+            <a:r>
+              <a:rPr lang="zh-CN" altLang="en-US" sz="2400"/>
+              <a:t>）</a:t>
+            </a:r>
+            <a:r>
+              <a:rPr lang="zh-CN" altLang="en-US" sz="2400">
+                <a:solidFill>
+                  <a:srgbClr val="FF0000"/>
+                </a:solidFill>
+              </a:rPr>
+              <a:t>同步下载</a:t>
+            </a:r>
+            <a:r>
+              <a:rPr lang="zh-CN" altLang="en-US" sz="2400"/>
+              <a:t>:程序启动时，程序需要将远程仓库的文件拉取下来，同时解决文件冲突问题，如文件相同则不需要下载，文件重名则需要保存在一个新的副本中。下载文件也需要检测文件是否需要分块下载。</a:t>
+            </a:r>
+            <a:endParaRPr lang="zh-CN" altLang="en-US" sz="2400"/>
           </a:p>
         </p:txBody>
       </p:sp>
     </p:spTree>
     <p:custDataLst>
-      <p:tags r:id="rId3"/>
+      <p:tags r:id="rId2"/>
     </p:custDataLst>
   </p:cSld>
   <p:clrMapOvr>
@@ -6419,7 +8294,7 @@
                 <a:ea typeface="微软雅黑" panose="020B0503020204020204" charset="-122"/>
                 <a:cs typeface="微软雅黑" panose="020B0503020204020204" charset="-122"/>
               </a:rPr>
-              <a:t>文件删除</a:t>
+              <a:t>程序设计</a:t>
             </a:r>
             <a:endParaRPr kumimoji="0" lang="zh-CN" altLang="en-US" sz="3600" b="1" i="0" spc="300" baseline="0" noProof="0" dirty="0">
               <a:ln w="3175">
@@ -6444,14 +8319,14 @@
       </p:sp>
       <p:sp>
         <p:nvSpPr>
-          <p:cNvPr id="5" name="文本框 4"/>
+          <p:cNvPr id="2" name="文本框 1"/>
           <p:cNvSpPr txBox="1"/>
           <p:nvPr/>
         </p:nvSpPr>
         <p:spPr>
           <a:xfrm>
-            <a:off x="4507865" y="5991225"/>
-            <a:ext cx="3907155" cy="368300"/>
+            <a:off x="877570" y="2091690"/>
+            <a:ext cx="10436860" cy="3107690"/>
           </a:xfrm>
           <a:prstGeom prst="rect">
             <a:avLst/>
@@ -6464,52 +8339,81 @@
           </a:bodyPr>
           <a:p>
             <a:r>
-              <a:rPr lang="zh-CN" altLang="en-US"/>
-              <a:t>将文件</a:t>
-            </a:r>
-            <a:r>
-              <a:rPr lang="en-US" altLang="zh-CN"/>
-              <a:t>test.txt</a:t>
-            </a:r>
-            <a:r>
-              <a:rPr lang="zh-CN" altLang="en-US"/>
-              <a:t>从本地</a:t>
-            </a:r>
-            <a:r>
-              <a:rPr lang="zh-CN" altLang="en-US"/>
-              <a:t>删除</a:t>
-            </a:r>
-            <a:endParaRPr lang="zh-CN" altLang="en-US"/>
+              <a:rPr lang="zh-CN" altLang="en-US" sz="2800"/>
+              <a:t>程序使用到了两个类来实现功能。</a:t>
+            </a:r>
+            <a:endParaRPr lang="zh-CN" altLang="en-US" sz="2800"/>
+          </a:p>
+          <a:p>
+            <a:r>
+              <a:rPr lang="zh-CN" altLang="en-US" sz="2800"/>
+              <a:t>I）</a:t>
+            </a:r>
+            <a:r>
+              <a:rPr lang="zh-CN" altLang="en-US" sz="2800">
+                <a:solidFill>
+                  <a:srgbClr val="FF0000"/>
+                </a:solidFill>
+              </a:rPr>
+              <a:t>FileSynchronizer类</a:t>
+            </a:r>
+            <a:r>
+              <a:rPr lang="zh-CN" altLang="en-US" sz="2800"/>
+              <a:t>:文件同步器类。用于只有一个main方法，是程序的启动入口，用于</a:t>
+            </a:r>
+            <a:r>
+              <a:rPr lang="zh-CN" altLang="en-US" sz="2800">
+                <a:solidFill>
+                  <a:srgbClr val="FF0000"/>
+                </a:solidFill>
+              </a:rPr>
+              <a:t>监听文件夹的变化</a:t>
+            </a:r>
+            <a:r>
+              <a:rPr lang="zh-CN" altLang="en-US" sz="2800"/>
+              <a:t>，便于进行文件同步。</a:t>
+            </a:r>
+            <a:endParaRPr lang="zh-CN" altLang="en-US" sz="2800"/>
+          </a:p>
+          <a:p>
+            <a:endParaRPr lang="zh-CN" altLang="en-US" sz="2800"/>
+          </a:p>
+          <a:p>
+            <a:r>
+              <a:rPr lang="zh-CN" altLang="en-US" sz="2800"/>
+              <a:t>II）</a:t>
+            </a:r>
+            <a:r>
+              <a:rPr lang="zh-CN" altLang="en-US" sz="2800">
+                <a:solidFill>
+                  <a:srgbClr val="FF0000"/>
+                </a:solidFill>
+              </a:rPr>
+              <a:t>S3Util类</a:t>
+            </a:r>
+            <a:r>
+              <a:rPr lang="zh-CN" altLang="en-US" sz="2800"/>
+              <a:t>:S3客户端操控类。内部实现了文件的上传，删除，下载的</a:t>
+            </a:r>
+            <a:r>
+              <a:rPr lang="zh-CN" altLang="en-US" sz="2800">
+                <a:solidFill>
+                  <a:srgbClr val="FF0000"/>
+                </a:solidFill>
+              </a:rPr>
+              <a:t>静态方法</a:t>
+            </a:r>
+            <a:r>
+              <a:rPr lang="zh-CN" altLang="en-US" sz="2800"/>
+              <a:t>。FileSynchronizer类监听到事件后，会相应地调用S3Util的静态方法来进行文件同步。</a:t>
+            </a:r>
+            <a:endParaRPr lang="zh-CN" altLang="en-US" sz="2800"/>
           </a:p>
         </p:txBody>
       </p:sp>
-      <p:pic>
-        <p:nvPicPr>
-          <p:cNvPr id="2" name="图片 1"/>
-          <p:cNvPicPr>
-            <a:picLocks noChangeAspect="1"/>
-          </p:cNvPicPr>
-          <p:nvPr/>
-        </p:nvPicPr>
-        <p:blipFill>
-          <a:blip r:embed="rId2"/>
-          <a:stretch>
-            <a:fillRect/>
-          </a:stretch>
-        </p:blipFill>
-        <p:spPr>
-          <a:xfrm>
-            <a:off x="2160270" y="1628140"/>
-            <a:ext cx="8289925" cy="4269105"/>
-          </a:xfrm>
-          <a:prstGeom prst="rect">
-            <a:avLst/>
-          </a:prstGeom>
-        </p:spPr>
-      </p:pic>
     </p:spTree>
     <p:custDataLst>
-      <p:tags r:id="rId3"/>
+      <p:tags r:id="rId2"/>
     </p:custDataLst>
   </p:cSld>
   <p:clrMapOvr>
@@ -6641,7 +8545,7 @@
                 <a:ea typeface="微软雅黑" panose="020B0503020204020204" charset="-122"/>
                 <a:cs typeface="微软雅黑" panose="020B0503020204020204" charset="-122"/>
               </a:rPr>
-              <a:t>文件删除</a:t>
+              <a:t>程序设计</a:t>
             </a:r>
             <a:endParaRPr kumimoji="0" lang="zh-CN" altLang="en-US" sz="3600" b="1" i="0" spc="300" baseline="0" noProof="0" dirty="0">
               <a:ln w="3175">
@@ -6666,14 +8570,14 @@
       </p:sp>
       <p:sp>
         <p:nvSpPr>
-          <p:cNvPr id="5" name="文本框 4"/>
+          <p:cNvPr id="2" name="文本框 1"/>
           <p:cNvSpPr txBox="1"/>
           <p:nvPr/>
         </p:nvSpPr>
         <p:spPr>
           <a:xfrm>
-            <a:off x="3081020" y="6170930"/>
-            <a:ext cx="6687185" cy="368300"/>
+            <a:off x="877570" y="1857375"/>
+            <a:ext cx="10436860" cy="3538220"/>
           </a:xfrm>
           <a:prstGeom prst="rect">
             <a:avLst/>
@@ -6686,72 +8590,88 @@
           </a:bodyPr>
           <a:p>
             <a:r>
-              <a:rPr lang="zh-CN" altLang="en-US"/>
-              <a:t>控制台打印了删除操作，远程仓库的</a:t>
-            </a:r>
-            <a:r>
-              <a:rPr lang="en-US" altLang="zh-CN"/>
-              <a:t>test.txt</a:t>
-            </a:r>
-            <a:r>
-              <a:rPr lang="zh-CN" altLang="en-US"/>
-              <a:t>文件也被删除</a:t>
-            </a:r>
-            <a:endParaRPr lang="zh-CN" altLang="en-US"/>
+              <a:rPr lang="zh-CN" altLang="en-US" sz="2800">
+                <a:solidFill>
+                  <a:srgbClr val="FF0000"/>
+                </a:solidFill>
+              </a:rPr>
+              <a:t>FileSynchronizer类</a:t>
+            </a:r>
+            <a:r>
+              <a:rPr lang="zh-CN" altLang="en-US" sz="2800"/>
+              <a:t>的实现原理</a:t>
+            </a:r>
+            <a:endParaRPr lang="zh-CN" altLang="en-US" sz="2800"/>
+          </a:p>
+          <a:p>
+            <a:r>
+              <a:rPr lang="zh-CN" altLang="en-US" sz="2800"/>
+              <a:t>       在main()方法中，</a:t>
+            </a:r>
+            <a:r>
+              <a:rPr lang="zh-CN" altLang="en-US" sz="2800">
+                <a:solidFill>
+                  <a:srgbClr val="FF0000"/>
+                </a:solidFill>
+              </a:rPr>
+              <a:t>定义了一个线程池</a:t>
+            </a:r>
+            <a:r>
+              <a:rPr lang="zh-CN" altLang="en-US" sz="2800"/>
+              <a:t>，用于后面进行非阻塞的异步任务，由于本程序是</a:t>
+            </a:r>
+            <a:r>
+              <a:rPr lang="zh-CN" altLang="en-US" sz="2800">
+                <a:solidFill>
+                  <a:srgbClr val="FF0000"/>
+                </a:solidFill>
+              </a:rPr>
+              <a:t>IO型任务</a:t>
+            </a:r>
+            <a:r>
+              <a:rPr lang="zh-CN" altLang="en-US" sz="2800"/>
+              <a:t>比较多，因此使用</a:t>
+            </a:r>
+            <a:r>
+              <a:rPr lang="zh-CN" altLang="en-US" sz="2800">
+                <a:solidFill>
+                  <a:srgbClr val="FF0000"/>
+                </a:solidFill>
+              </a:rPr>
+              <a:t>多线程可以提高程序的并发能力，提高文件同步的效率</a:t>
+            </a:r>
+            <a:r>
+              <a:rPr lang="zh-CN" altLang="en-US" sz="2800"/>
+              <a:t>。</a:t>
+            </a:r>
+            <a:endParaRPr lang="zh-CN" altLang="en-US" sz="2800"/>
+          </a:p>
+          <a:p>
+            <a:endParaRPr lang="zh-CN" altLang="en-US" sz="2800"/>
+          </a:p>
+          <a:p>
+            <a:r>
+              <a:rPr lang="zh-CN" altLang="en-US" sz="2800"/>
+              <a:t>       然后设置程序监控的本地文件夹，使用S3Util类的静态方法Dow</a:t>
+            </a:r>
+            <a:r>
+              <a:rPr lang="en-US" altLang="zh-CN" sz="2800"/>
+              <a:t>n</a:t>
+            </a:r>
+            <a:r>
+              <a:rPr lang="zh-CN" altLang="en-US" sz="2800"/>
+              <a:t>LoadFile方法先把远程仓库的文件同步到本地的文件夹。</a:t>
+            </a:r>
+            <a:endParaRPr lang="zh-CN" altLang="en-US" sz="2800"/>
+          </a:p>
+          <a:p>
+            <a:endParaRPr lang="zh-CN" altLang="en-US" sz="2800"/>
           </a:p>
         </p:txBody>
       </p:sp>
-      <p:pic>
-        <p:nvPicPr>
-          <p:cNvPr id="3" name="图片 2"/>
-          <p:cNvPicPr>
-            <a:picLocks noChangeAspect="1"/>
-          </p:cNvPicPr>
-          <p:nvPr/>
-        </p:nvPicPr>
-        <p:blipFill>
-          <a:blip r:embed="rId2"/>
-          <a:stretch>
-            <a:fillRect/>
-          </a:stretch>
-        </p:blipFill>
-        <p:spPr>
-          <a:xfrm>
-            <a:off x="3204210" y="1603375"/>
-            <a:ext cx="5953125" cy="1733550"/>
-          </a:xfrm>
-          <a:prstGeom prst="rect">
-            <a:avLst/>
-          </a:prstGeom>
-        </p:spPr>
-      </p:pic>
-      <p:pic>
-        <p:nvPicPr>
-          <p:cNvPr id="6" name="图片 5"/>
-          <p:cNvPicPr>
-            <a:picLocks noChangeAspect="1"/>
-          </p:cNvPicPr>
-          <p:nvPr/>
-        </p:nvPicPr>
-        <p:blipFill>
-          <a:blip r:embed="rId3"/>
-          <a:stretch>
-            <a:fillRect/>
-          </a:stretch>
-        </p:blipFill>
-        <p:spPr>
-          <a:xfrm>
-            <a:off x="2305685" y="3666490"/>
-            <a:ext cx="7750810" cy="2105025"/>
-          </a:xfrm>
-          <a:prstGeom prst="rect">
-            <a:avLst/>
-          </a:prstGeom>
-        </p:spPr>
-      </p:pic>
     </p:spTree>
     <p:custDataLst>
-      <p:tags r:id="rId4"/>
+      <p:tags r:id="rId2"/>
     </p:custDataLst>
   </p:cSld>
   <p:clrMapOvr>
@@ -6883,7 +8803,7 @@
                 <a:ea typeface="微软雅黑" panose="020B0503020204020204" charset="-122"/>
                 <a:cs typeface="微软雅黑" panose="020B0503020204020204" charset="-122"/>
               </a:rPr>
-              <a:t>文件上传</a:t>
+              <a:t>程序设计</a:t>
             </a:r>
             <a:endParaRPr kumimoji="0" lang="zh-CN" altLang="en-US" sz="3600" b="1" i="0" spc="300" baseline="0" noProof="0" dirty="0">
               <a:ln w="3175">
@@ -6908,14 +8828,14 @@
       </p:sp>
       <p:sp>
         <p:nvSpPr>
-          <p:cNvPr id="5" name="文本框 4"/>
+          <p:cNvPr id="3" name="文本框 2"/>
           <p:cNvSpPr txBox="1"/>
           <p:nvPr/>
         </p:nvSpPr>
         <p:spPr>
           <a:xfrm>
-            <a:off x="4645660" y="6002020"/>
-            <a:ext cx="6687185" cy="368300"/>
+            <a:off x="877570" y="1857375"/>
+            <a:ext cx="10436860" cy="3107690"/>
           </a:xfrm>
           <a:prstGeom prst="rect">
             <a:avLst/>
@@ -6928,44 +8848,82 @@
           </a:bodyPr>
           <a:p>
             <a:r>
-              <a:rPr lang="zh-CN" altLang="en-US"/>
-              <a:t>在本地新增文件</a:t>
-            </a:r>
-            <a:r>
-              <a:rPr lang="en-US" altLang="zh-CN"/>
-              <a:t>test.txt</a:t>
-            </a:r>
-            <a:endParaRPr lang="en-US" altLang="zh-CN"/>
+              <a:rPr lang="zh-CN" altLang="en-US" sz="2800">
+                <a:solidFill>
+                  <a:srgbClr val="FF0000"/>
+                </a:solidFill>
+              </a:rPr>
+              <a:t>FileSynchronizer类</a:t>
+            </a:r>
+            <a:r>
+              <a:rPr lang="zh-CN" altLang="en-US" sz="2800"/>
+              <a:t>的实现原理</a:t>
+            </a:r>
+            <a:endParaRPr lang="zh-CN" altLang="en-US" sz="2800"/>
+          </a:p>
+          <a:p>
+            <a:r>
+              <a:rPr lang="zh-CN" altLang="en-US" sz="2800"/>
+              <a:t>      定义一个</a:t>
+            </a:r>
+            <a:r>
+              <a:rPr lang="zh-CN" altLang="en-US" sz="2800">
+                <a:solidFill>
+                  <a:srgbClr val="FF0000"/>
+                </a:solidFill>
+              </a:rPr>
+              <a:t>WatchService</a:t>
+            </a:r>
+            <a:r>
+              <a:rPr lang="zh-CN" altLang="en-US" sz="2800"/>
+              <a:t>类变量，用于后面监控文件夹。然后实例化一个</a:t>
+            </a:r>
+            <a:r>
+              <a:rPr lang="zh-CN" altLang="en-US" sz="2800">
+                <a:solidFill>
+                  <a:srgbClr val="FF0000"/>
+                </a:solidFill>
+              </a:rPr>
+              <a:t>CopyOnWriterArraySet</a:t>
+            </a:r>
+            <a:r>
+              <a:rPr lang="zh-CN" altLang="en-US" sz="2800"/>
+              <a:t>对象Monitor，这个变量是用于记录哪些文件发生了创建事件，</a:t>
+            </a:r>
+            <a:r>
+              <a:rPr lang="zh-CN" altLang="en-US" sz="2800">
+                <a:solidFill>
+                  <a:srgbClr val="FF0000"/>
+                </a:solidFill>
+              </a:rPr>
+              <a:t>防止创建的同时触发修改事件时，短时间内同一个文件多次上传</a:t>
+            </a:r>
+            <a:r>
+              <a:rPr lang="zh-CN" altLang="en-US" sz="2800"/>
+              <a:t>，占用网络带宽。然后定义一个</a:t>
+            </a:r>
+            <a:r>
+              <a:rPr lang="zh-CN" altLang="en-US" sz="2800">
+                <a:solidFill>
+                  <a:srgbClr val="FF0000"/>
+                </a:solidFill>
+              </a:rPr>
+              <a:t>定时任务，每隔1s将Monitor的元素清空</a:t>
+            </a:r>
+            <a:r>
+              <a:rPr lang="zh-CN" altLang="en-US" sz="2800"/>
+              <a:t>，回复文件修改的有效性。</a:t>
+            </a:r>
+            <a:endParaRPr lang="zh-CN" altLang="en-US" sz="2800"/>
+          </a:p>
+          <a:p>
+            <a:endParaRPr lang="zh-CN" altLang="en-US" sz="2800"/>
           </a:p>
         </p:txBody>
       </p:sp>
-      <p:pic>
-        <p:nvPicPr>
-          <p:cNvPr id="2" name="图片 1"/>
-          <p:cNvPicPr>
-            <a:picLocks noChangeAspect="1"/>
-          </p:cNvPicPr>
-          <p:nvPr/>
-        </p:nvPicPr>
-        <p:blipFill>
-          <a:blip r:embed="rId2"/>
-          <a:stretch>
-            <a:fillRect/>
-          </a:stretch>
-        </p:blipFill>
-        <p:spPr>
-          <a:xfrm>
-            <a:off x="1152525" y="1445260"/>
-            <a:ext cx="9886950" cy="4305300"/>
-          </a:xfrm>
-          <a:prstGeom prst="rect">
-            <a:avLst/>
-          </a:prstGeom>
-        </p:spPr>
-      </p:pic>
     </p:spTree>
     <p:custDataLst>
-      <p:tags r:id="rId3"/>
+      <p:tags r:id="rId2"/>
     </p:custDataLst>
   </p:cSld>
   <p:clrMapOvr>
@@ -7097,7 +9055,7 @@
                 <a:ea typeface="微软雅黑" panose="020B0503020204020204" charset="-122"/>
                 <a:cs typeface="微软雅黑" panose="020B0503020204020204" charset="-122"/>
               </a:rPr>
-              <a:t>文件上传</a:t>
+              <a:t>程序设计</a:t>
             </a:r>
             <a:endParaRPr kumimoji="0" lang="zh-CN" altLang="en-US" sz="3600" b="1" i="0" spc="300" baseline="0" noProof="0" dirty="0">
               <a:ln w="3175">
@@ -7122,14 +9080,14 @@
       </p:sp>
       <p:sp>
         <p:nvSpPr>
-          <p:cNvPr id="5" name="文本框 4"/>
+          <p:cNvPr id="3" name="文本框 2"/>
           <p:cNvSpPr txBox="1"/>
           <p:nvPr/>
         </p:nvSpPr>
         <p:spPr>
           <a:xfrm>
-            <a:off x="3385185" y="5895975"/>
-            <a:ext cx="6687185" cy="368300"/>
+            <a:off x="829945" y="1720215"/>
+            <a:ext cx="9982200" cy="3538220"/>
           </a:xfrm>
           <a:prstGeom prst="rect">
             <a:avLst/>
@@ -7142,64 +9100,55 @@
           </a:bodyPr>
           <a:p>
             <a:r>
-              <a:rPr lang="zh-CN" altLang="en-US"/>
-              <a:t>控制台打印了上传信息，远程仓库有了新增文件</a:t>
-            </a:r>
-            <a:endParaRPr lang="zh-CN" altLang="en-US"/>
+              <a:rPr lang="zh-CN" altLang="en-US" sz="2800">
+                <a:solidFill>
+                  <a:srgbClr val="FF0000"/>
+                </a:solidFill>
+              </a:rPr>
+              <a:t>FileSynchronizer类</a:t>
+            </a:r>
+            <a:r>
+              <a:rPr lang="zh-CN" altLang="en-US" sz="2800"/>
+              <a:t>的实现原理</a:t>
+            </a:r>
+            <a:endParaRPr lang="zh-CN" altLang="en-US" sz="2800"/>
+          </a:p>
+          <a:p>
+            <a:r>
+              <a:rPr lang="zh-CN" altLang="en-US" sz="2800"/>
+              <a:t>     在try语句块中，实例化WatchService对象waterService，用于监听定义好的文件夹，然后</a:t>
+            </a:r>
+            <a:r>
+              <a:rPr lang="zh-CN" altLang="en-US" sz="2800">
+                <a:solidFill>
+                  <a:srgbClr val="FF0000"/>
+                </a:solidFill>
+              </a:rPr>
+              <a:t>注册监听的事件ENTRY_CREATE, ENTRY_DELETE, ENTRY_MODIFY</a:t>
+            </a:r>
+            <a:r>
+              <a:rPr lang="zh-CN" altLang="en-US" sz="2800"/>
+              <a:t>。在一个无限循环中，</a:t>
+            </a:r>
+            <a:r>
+              <a:rPr lang="zh-CN" altLang="en-US" sz="2800">
+                <a:solidFill>
+                  <a:srgbClr val="FF0000"/>
+                </a:solidFill>
+              </a:rPr>
+              <a:t>调用waterService的阻塞方法take()</a:t>
+            </a:r>
+            <a:r>
+              <a:rPr lang="zh-CN" altLang="en-US" sz="2800"/>
+              <a:t>,开始监听文件夹内发生的事件，如果有ENTRY_CREATE, ENTRY_DELETE, ENTRY_MODIFY事件的发生，将会触发相应的操作。</a:t>
+            </a:r>
+            <a:endParaRPr lang="zh-CN" altLang="en-US" sz="2800"/>
           </a:p>
         </p:txBody>
       </p:sp>
-      <p:pic>
-        <p:nvPicPr>
-          <p:cNvPr id="3" name="图片 2"/>
-          <p:cNvPicPr>
-            <a:picLocks noChangeAspect="1"/>
-          </p:cNvPicPr>
-          <p:nvPr/>
-        </p:nvPicPr>
-        <p:blipFill>
-          <a:blip r:embed="rId2"/>
-          <a:stretch>
-            <a:fillRect/>
-          </a:stretch>
-        </p:blipFill>
-        <p:spPr>
-          <a:xfrm>
-            <a:off x="3218180" y="1597025"/>
-            <a:ext cx="5334000" cy="1295400"/>
-          </a:xfrm>
-          <a:prstGeom prst="rect">
-            <a:avLst/>
-          </a:prstGeom>
-        </p:spPr>
-      </p:pic>
-      <p:pic>
-        <p:nvPicPr>
-          <p:cNvPr id="6" name="图片 5"/>
-          <p:cNvPicPr>
-            <a:picLocks noChangeAspect="1"/>
-          </p:cNvPicPr>
-          <p:nvPr/>
-        </p:nvPicPr>
-        <p:blipFill>
-          <a:blip r:embed="rId3"/>
-          <a:stretch>
-            <a:fillRect/>
-          </a:stretch>
-        </p:blipFill>
-        <p:spPr>
-          <a:xfrm>
-            <a:off x="2118995" y="3317240"/>
-            <a:ext cx="7953375" cy="1914525"/>
-          </a:xfrm>
-          <a:prstGeom prst="rect">
-            <a:avLst/>
-          </a:prstGeom>
-        </p:spPr>
-      </p:pic>
     </p:spTree>
     <p:custDataLst>
-      <p:tags r:id="rId4"/>
+      <p:tags r:id="rId2"/>
     </p:custDataLst>
   </p:cSld>
   <p:clrMapOvr>
@@ -7331,7 +9280,7 @@
                 <a:ea typeface="微软雅黑" panose="020B0503020204020204" charset="-122"/>
                 <a:cs typeface="微软雅黑" panose="020B0503020204020204" charset="-122"/>
               </a:rPr>
-              <a:t>文件更新</a:t>
+              <a:t>程序设计</a:t>
             </a:r>
             <a:endParaRPr kumimoji="0" lang="zh-CN" altLang="en-US" sz="3600" b="1" i="0" spc="300" baseline="0" noProof="0" dirty="0">
               <a:ln w="3175">
@@ -7356,14 +9305,14 @@
       </p:sp>
       <p:sp>
         <p:nvSpPr>
-          <p:cNvPr id="5" name="文本框 4"/>
+          <p:cNvPr id="3" name="文本框 2"/>
           <p:cNvSpPr txBox="1"/>
           <p:nvPr/>
         </p:nvSpPr>
         <p:spPr>
           <a:xfrm>
-            <a:off x="4645660" y="6002020"/>
-            <a:ext cx="6687185" cy="368300"/>
+            <a:off x="914400" y="1223010"/>
+            <a:ext cx="10108565" cy="5692775"/>
           </a:xfrm>
           <a:prstGeom prst="rect">
             <a:avLst/>
@@ -7376,48 +9325,112 @@
           </a:bodyPr>
           <a:p>
             <a:r>
-              <a:rPr lang="zh-CN" altLang="en-US"/>
-              <a:t>在本地修改</a:t>
-            </a:r>
-            <a:r>
-              <a:rPr lang="zh-CN" altLang="en-US"/>
-              <a:t>文件</a:t>
-            </a:r>
-            <a:r>
-              <a:rPr lang="en-US" altLang="zh-CN"/>
-              <a:t>test.txt</a:t>
-            </a:r>
-            <a:endParaRPr lang="en-US" altLang="zh-CN"/>
+              <a:rPr lang="zh-CN" altLang="en-US" sz="2800">
+                <a:solidFill>
+                  <a:srgbClr val="FF0000"/>
+                </a:solidFill>
+              </a:rPr>
+              <a:t>S3Util类</a:t>
+            </a:r>
+            <a:r>
+              <a:rPr lang="zh-CN" altLang="en-US" sz="2800"/>
+              <a:t>的实现原理</a:t>
+            </a:r>
+            <a:endParaRPr lang="zh-CN" altLang="en-US" sz="2800"/>
+          </a:p>
+          <a:p>
+            <a:r>
+              <a:rPr lang="zh-CN" altLang="en-US" sz="2800"/>
+              <a:t>       S3Util类</a:t>
+            </a:r>
+            <a:r>
+              <a:rPr lang="zh-CN" altLang="en-US" sz="2800">
+                <a:solidFill>
+                  <a:srgbClr val="FF0000"/>
+                </a:solidFill>
+              </a:rPr>
+              <a:t>数据域定义了一些静态常量</a:t>
+            </a:r>
+            <a:r>
+              <a:rPr lang="zh-CN" altLang="en-US" sz="2800"/>
+              <a:t>，主要是作为连接S3客户端的参数</a:t>
+            </a:r>
+            <a:endParaRPr lang="zh-CN" altLang="en-US" sz="2800"/>
+          </a:p>
+          <a:p>
+            <a:r>
+              <a:rPr lang="zh-CN" altLang="en-US" sz="2800"/>
+              <a:t>       S3Util的方法都是静态方法，因此在</a:t>
+            </a:r>
+            <a:r>
+              <a:rPr lang="zh-CN" altLang="en-US" sz="2800">
+                <a:solidFill>
+                  <a:srgbClr val="FF0000"/>
+                </a:solidFill>
+              </a:rPr>
+              <a:t>不需要实例化S3Util对象就能直接使用方法</a:t>
+            </a:r>
+            <a:r>
+              <a:rPr lang="zh-CN" altLang="en-US" sz="2800"/>
+              <a:t>。主要的方法有文件上传UpLoadFile(...),文件分块上传MultipartUpLoadFile(...),文件删除DeleteFile(...),文件下载DownLoadFile(...),文件分块下载MultipartDownLoadFile(...)。其中主要的代码逻辑都和实验手册给的示例一样，这里主要介绍下载文件时</a:t>
+            </a:r>
+            <a:r>
+              <a:rPr lang="zh-CN" altLang="en-US" sz="2800">
+                <a:solidFill>
+                  <a:srgbClr val="FF0000"/>
+                </a:solidFill>
+              </a:rPr>
+              <a:t>冲突</a:t>
+            </a:r>
+            <a:r>
+              <a:rPr lang="zh-CN" altLang="en-US" sz="2800"/>
+              <a:t>的解决方法。冲突主要有:</a:t>
+            </a:r>
+            <a:endParaRPr lang="zh-CN" altLang="en-US" sz="2800"/>
+          </a:p>
+          <a:p>
+            <a:r>
+              <a:rPr lang="zh-CN" altLang="en-US" sz="2800"/>
+              <a:t>I)</a:t>
+            </a:r>
+            <a:r>
+              <a:rPr lang="zh-CN" altLang="en-US" sz="2800">
+                <a:solidFill>
+                  <a:srgbClr val="FF0000"/>
+                </a:solidFill>
+              </a:rPr>
+              <a:t>文件同名冲突</a:t>
+            </a:r>
+            <a:r>
+              <a:rPr lang="zh-CN" altLang="en-US" sz="2800"/>
+              <a:t>。可以在文件后面加序号来解决。</a:t>
+            </a:r>
+            <a:endParaRPr lang="zh-CN" altLang="en-US" sz="2800"/>
+          </a:p>
+          <a:p>
+            <a:r>
+              <a:rPr lang="zh-CN" altLang="en-US" sz="2800"/>
+              <a:t>II)</a:t>
+            </a:r>
+            <a:r>
+              <a:rPr lang="zh-CN" altLang="en-US" sz="2800">
+                <a:solidFill>
+                  <a:srgbClr val="FF0000"/>
+                </a:solidFill>
+              </a:rPr>
+              <a:t>文件相同冲突</a:t>
+            </a:r>
+            <a:r>
+              <a:rPr lang="zh-CN" altLang="en-US" sz="2800"/>
+              <a:t>。这种情况不需要进行文件同步，利用文件名字，长度，MD5对比可以判断文件是否相同。</a:t>
+            </a:r>
+            <a:endParaRPr lang="zh-CN" altLang="en-US" sz="2800"/>
           </a:p>
         </p:txBody>
       </p:sp>
-      <p:pic>
-        <p:nvPicPr>
-          <p:cNvPr id="3" name="图片 2"/>
-          <p:cNvPicPr>
-            <a:picLocks noChangeAspect="1"/>
-          </p:cNvPicPr>
-          <p:nvPr/>
-        </p:nvPicPr>
-        <p:blipFill>
-          <a:blip r:embed="rId2"/>
-          <a:stretch>
-            <a:fillRect/>
-          </a:stretch>
-        </p:blipFill>
-        <p:spPr>
-          <a:xfrm>
-            <a:off x="3404870" y="2124075"/>
-            <a:ext cx="5381625" cy="2609850"/>
-          </a:xfrm>
-          <a:prstGeom prst="rect">
-            <a:avLst/>
-          </a:prstGeom>
-        </p:spPr>
-      </p:pic>
     </p:spTree>
     <p:custDataLst>
-      <p:tags r:id="rId3"/>
+      <p:tags r:id="rId2"/>
     </p:custDataLst>
   </p:cSld>
   <p:clrMapOvr>
@@ -7460,798 +9473,33 @@
 </p:tagLst>
 </file>
 
-<file path=ppt/tags/tag11.xml><?xml version="1.0" encoding="utf-8"?>
+<file path=ppt/tags/tag100.xml><?xml version="1.0" encoding="utf-8"?>
 <p:tagLst xmlns:p="http://schemas.openxmlformats.org/presentationml/2006/main">
-  <p:tag name="KSO_WM_UNIT_HIGHLIGHT" val="0"/>
-  <p:tag name="KSO_WM_UNIT_COMPATIBLE" val="0"/>
-  <p:tag name="KSO_WM_UNIT_DIAGRAM_ISNUMVISUAL" val="0"/>
-  <p:tag name="KSO_WM_UNIT_DIAGRAM_ISREFERUNIT" val="0"/>
-  <p:tag name="KSO_WM_UNIT_ID" val="_3**"/>
-  <p:tag name="KSO_WM_UNIT_LAYERLEVEL" val="1"/>
-  <p:tag name="KSO_WM_TAG_VERSION" val="1.0"/>
   <p:tag name="KSO_WM_BEAUTIFY_FLAG" val="#wm#"/>
-</p:tagLst>
-</file>
-
-<file path=ppt/tags/tag12.xml><?xml version="1.0" encoding="utf-8"?>
-<p:tagLst xmlns:p="http://schemas.openxmlformats.org/presentationml/2006/main">
-  <p:tag name="KSO_WM_UNIT_HIGHLIGHT" val="0"/>
-  <p:tag name="KSO_WM_UNIT_COMPATIBLE" val="0"/>
-  <p:tag name="KSO_WM_UNIT_DIAGRAM_ISNUMVISUAL" val="0"/>
-  <p:tag name="KSO_WM_UNIT_DIAGRAM_ISREFERUNIT" val="0"/>
-  <p:tag name="KSO_WM_UNIT_ID" val="_3**"/>
-  <p:tag name="KSO_WM_UNIT_LAYERLEVEL" val="1"/>
-  <p:tag name="KSO_WM_TAG_VERSION" val="1.0"/>
-  <p:tag name="KSO_WM_BEAUTIFY_FLAG" val="#wm#"/>
-</p:tagLst>
-</file>
-
-<file path=ppt/tags/tag13.xml><?xml version="1.0" encoding="utf-8"?>
-<p:tagLst xmlns:p="http://schemas.openxmlformats.org/presentationml/2006/main">
-  <p:tag name="KSO_WM_UNIT_HIGHLIGHT" val="0"/>
-  <p:tag name="KSO_WM_UNIT_COMPATIBLE" val="0"/>
-  <p:tag name="KSO_WM_UNIT_DIAGRAM_ISNUMVISUAL" val="0"/>
-  <p:tag name="KSO_WM_UNIT_DIAGRAM_ISREFERUNIT" val="0"/>
-  <p:tag name="KSO_WM_UNIT_ID" val="_3**"/>
-  <p:tag name="KSO_WM_UNIT_LAYERLEVEL" val="1"/>
-  <p:tag name="KSO_WM_TAG_VERSION" val="1.0"/>
-  <p:tag name="KSO_WM_BEAUTIFY_FLAG" val="#wm#"/>
-</p:tagLst>
-</file>
-
-<file path=ppt/tags/tag14.xml><?xml version="1.0" encoding="utf-8"?>
-<p:tagLst xmlns:p="http://schemas.openxmlformats.org/presentationml/2006/main">
-  <p:tag name="KSO_WM_UNIT_HIGHLIGHT" val="0"/>
-  <p:tag name="KSO_WM_UNIT_COMPATIBLE" val="0"/>
-  <p:tag name="KSO_WM_UNIT_DIAGRAM_ISNUMVISUAL" val="0"/>
-  <p:tag name="KSO_WM_UNIT_DIAGRAM_ISREFERUNIT" val="0"/>
-  <p:tag name="KSO_WM_UNIT_ID" val="_3**"/>
-  <p:tag name="KSO_WM_UNIT_LAYERLEVEL" val="1"/>
-  <p:tag name="KSO_WM_TAG_VERSION" val="1.0"/>
-  <p:tag name="KSO_WM_BEAUTIFY_FLAG" val="#wm#"/>
-</p:tagLst>
-</file>
-
-<file path=ppt/tags/tag15.xml><?xml version="1.0" encoding="utf-8"?>
-<p:tagLst xmlns:p="http://schemas.openxmlformats.org/presentationml/2006/main">
-  <p:tag name="KSO_WM_UNIT_HIGHLIGHT" val="0"/>
-  <p:tag name="KSO_WM_UNIT_COMPATIBLE" val="0"/>
-  <p:tag name="KSO_WM_UNIT_DIAGRAM_ISNUMVISUAL" val="0"/>
-  <p:tag name="KSO_WM_UNIT_DIAGRAM_ISREFERUNIT" val="0"/>
-  <p:tag name="KSO_WM_UNIT_ID" val="_3**"/>
-  <p:tag name="KSO_WM_UNIT_LAYERLEVEL" val="1"/>
-  <p:tag name="KSO_WM_TAG_VERSION" val="1.0"/>
-  <p:tag name="KSO_WM_BEAUTIFY_FLAG" val="#wm#"/>
-</p:tagLst>
-</file>
-
-<file path=ppt/tags/tag16.xml><?xml version="1.0" encoding="utf-8"?>
-<p:tagLst xmlns:p="http://schemas.openxmlformats.org/presentationml/2006/main">
-  <p:tag name="KSO_WM_UNIT_HIGHLIGHT" val="0"/>
-  <p:tag name="KSO_WM_UNIT_COMPATIBLE" val="0"/>
-  <p:tag name="KSO_WM_UNIT_DIAGRAM_ISNUMVISUAL" val="0"/>
-  <p:tag name="KSO_WM_UNIT_DIAGRAM_ISREFERUNIT" val="0"/>
-  <p:tag name="KSO_WM_UNIT_ID" val="_4**"/>
-  <p:tag name="KSO_WM_UNIT_LAYERLEVEL" val="1"/>
-  <p:tag name="KSO_WM_TAG_VERSION" val="1.0"/>
-  <p:tag name="KSO_WM_BEAUTIFY_FLAG" val="#wm#"/>
-</p:tagLst>
-</file>
-
-<file path=ppt/tags/tag17.xml><?xml version="1.0" encoding="utf-8"?>
-<p:tagLst xmlns:p="http://schemas.openxmlformats.org/presentationml/2006/main">
-  <p:tag name="KSO_WM_UNIT_HIGHLIGHT" val="0"/>
-  <p:tag name="KSO_WM_UNIT_COMPATIBLE" val="0"/>
-  <p:tag name="KSO_WM_UNIT_DIAGRAM_ISNUMVISUAL" val="0"/>
-  <p:tag name="KSO_WM_UNIT_DIAGRAM_ISREFERUNIT" val="0"/>
-  <p:tag name="KSO_WM_UNIT_ID" val="_4**"/>
-  <p:tag name="KSO_WM_UNIT_LAYERLEVEL" val="1"/>
-  <p:tag name="KSO_WM_TAG_VERSION" val="1.0"/>
-  <p:tag name="KSO_WM_BEAUTIFY_FLAG" val="#wm#"/>
-</p:tagLst>
-</file>
-
-<file path=ppt/tags/tag18.xml><?xml version="1.0" encoding="utf-8"?>
-<p:tagLst xmlns:p="http://schemas.openxmlformats.org/presentationml/2006/main">
-  <p:tag name="KSO_WM_UNIT_HIGHLIGHT" val="0"/>
-  <p:tag name="KSO_WM_UNIT_COMPATIBLE" val="0"/>
-  <p:tag name="KSO_WM_UNIT_DIAGRAM_ISNUMVISUAL" val="0"/>
-  <p:tag name="KSO_WM_UNIT_DIAGRAM_ISREFERUNIT" val="0"/>
-  <p:tag name="KSO_WM_UNIT_ID" val="_4**"/>
-  <p:tag name="KSO_WM_UNIT_LAYERLEVEL" val="1"/>
-  <p:tag name="KSO_WM_TAG_VERSION" val="1.0"/>
-  <p:tag name="KSO_WM_BEAUTIFY_FLAG" val="#wm#"/>
-</p:tagLst>
-</file>
-
-<file path=ppt/tags/tag19.xml><?xml version="1.0" encoding="utf-8"?>
-<p:tagLst xmlns:p="http://schemas.openxmlformats.org/presentationml/2006/main">
-  <p:tag name="KSO_WM_UNIT_HIGHLIGHT" val="0"/>
-  <p:tag name="KSO_WM_UNIT_COMPATIBLE" val="0"/>
-  <p:tag name="KSO_WM_UNIT_DIAGRAM_ISNUMVISUAL" val="0"/>
-  <p:tag name="KSO_WM_UNIT_DIAGRAM_ISREFERUNIT" val="0"/>
-  <p:tag name="KSO_WM_UNIT_ID" val="_4**"/>
-  <p:tag name="KSO_WM_UNIT_LAYERLEVEL" val="1"/>
-  <p:tag name="KSO_WM_TAG_VERSION" val="1.0"/>
-  <p:tag name="KSO_WM_BEAUTIFY_FLAG" val="#wm#"/>
-</p:tagLst>
-</file>
-
-<file path=ppt/tags/tag2.xml><?xml version="1.0" encoding="utf-8"?>
-<p:tagLst xmlns:p="http://schemas.openxmlformats.org/presentationml/2006/main">
-  <p:tag name="KSO_WM_UNIT_HIGHLIGHT" val="0"/>
-  <p:tag name="KSO_WM_UNIT_COMPATIBLE" val="0"/>
-  <p:tag name="KSO_WM_UNIT_DIAGRAM_ISNUMVISUAL" val="0"/>
-  <p:tag name="KSO_WM_UNIT_DIAGRAM_ISREFERUNIT" val="0"/>
-  <p:tag name="KSO_WM_UNIT_ID" val="_1**"/>
-  <p:tag name="KSO_WM_UNIT_LAYERLEVEL" val="1"/>
-  <p:tag name="KSO_WM_TAG_VERSION" val="1.0"/>
-  <p:tag name="KSO_WM_BEAUTIFY_FLAG" val="#wm#"/>
-</p:tagLst>
-</file>
-
-<file path=ppt/tags/tag20.xml><?xml version="1.0" encoding="utf-8"?>
-<p:tagLst xmlns:p="http://schemas.openxmlformats.org/presentationml/2006/main">
-  <p:tag name="KSO_WM_UNIT_HIGHLIGHT" val="0"/>
-  <p:tag name="KSO_WM_UNIT_COMPATIBLE" val="0"/>
-  <p:tag name="KSO_WM_UNIT_DIAGRAM_ISNUMVISUAL" val="0"/>
-  <p:tag name="KSO_WM_UNIT_DIAGRAM_ISREFERUNIT" val="0"/>
-  <p:tag name="KSO_WM_UNIT_ID" val="_4**"/>
-  <p:tag name="KSO_WM_UNIT_LAYERLEVEL" val="1"/>
-  <p:tag name="KSO_WM_TAG_VERSION" val="1.0"/>
-  <p:tag name="KSO_WM_BEAUTIFY_FLAG" val="#wm#"/>
-</p:tagLst>
-</file>
-
-<file path=ppt/tags/tag21.xml><?xml version="1.0" encoding="utf-8"?>
-<p:tagLst xmlns:p="http://schemas.openxmlformats.org/presentationml/2006/main">
-  <p:tag name="KSO_WM_UNIT_HIGHLIGHT" val="0"/>
-  <p:tag name="KSO_WM_UNIT_COMPATIBLE" val="0"/>
-  <p:tag name="KSO_WM_UNIT_DIAGRAM_ISNUMVISUAL" val="0"/>
-  <p:tag name="KSO_WM_UNIT_DIAGRAM_ISREFERUNIT" val="0"/>
-  <p:tag name="KSO_WM_UNIT_ID" val="_4**"/>
-  <p:tag name="KSO_WM_UNIT_LAYERLEVEL" val="1"/>
-  <p:tag name="KSO_WM_TAG_VERSION" val="1.0"/>
-  <p:tag name="KSO_WM_BEAUTIFY_FLAG" val="#wm#"/>
-</p:tagLst>
-</file>
-
-<file path=ppt/tags/tag22.xml><?xml version="1.0" encoding="utf-8"?>
-<p:tagLst xmlns:p="http://schemas.openxmlformats.org/presentationml/2006/main">
-  <p:tag name="KSO_WM_UNIT_HIGHLIGHT" val="0"/>
-  <p:tag name="KSO_WM_UNIT_COMPATIBLE" val="0"/>
-  <p:tag name="KSO_WM_UNIT_DIAGRAM_ISNUMVISUAL" val="0"/>
-  <p:tag name="KSO_WM_UNIT_DIAGRAM_ISREFERUNIT" val="0"/>
-  <p:tag name="KSO_WM_UNIT_ID" val="_5**"/>
-  <p:tag name="KSO_WM_UNIT_LAYERLEVEL" val="1"/>
-  <p:tag name="KSO_WM_TAG_VERSION" val="1.0"/>
-  <p:tag name="KSO_WM_BEAUTIFY_FLAG" val="#wm#"/>
-</p:tagLst>
-</file>
-
-<file path=ppt/tags/tag23.xml><?xml version="1.0" encoding="utf-8"?>
-<p:tagLst xmlns:p="http://schemas.openxmlformats.org/presentationml/2006/main">
-  <p:tag name="KSO_WM_UNIT_HIGHLIGHT" val="0"/>
-  <p:tag name="KSO_WM_UNIT_COMPATIBLE" val="0"/>
-  <p:tag name="KSO_WM_UNIT_DIAGRAM_ISNUMVISUAL" val="0"/>
-  <p:tag name="KSO_WM_UNIT_DIAGRAM_ISREFERUNIT" val="0"/>
-  <p:tag name="KSO_WM_UNIT_ID" val="_5**"/>
-  <p:tag name="KSO_WM_UNIT_LAYERLEVEL" val="1"/>
-  <p:tag name="KSO_WM_TAG_VERSION" val="1.0"/>
-  <p:tag name="KSO_WM_BEAUTIFY_FLAG" val="#wm#"/>
-</p:tagLst>
-</file>
-
-<file path=ppt/tags/tag24.xml><?xml version="1.0" encoding="utf-8"?>
-<p:tagLst xmlns:p="http://schemas.openxmlformats.org/presentationml/2006/main">
-  <p:tag name="KSO_WM_UNIT_HIGHLIGHT" val="0"/>
-  <p:tag name="KSO_WM_UNIT_COMPATIBLE" val="0"/>
-  <p:tag name="KSO_WM_UNIT_DIAGRAM_ISNUMVISUAL" val="0"/>
-  <p:tag name="KSO_WM_UNIT_DIAGRAM_ISREFERUNIT" val="0"/>
-  <p:tag name="KSO_WM_UNIT_ID" val="_5**"/>
-  <p:tag name="KSO_WM_UNIT_LAYERLEVEL" val="1"/>
-  <p:tag name="KSO_WM_TAG_VERSION" val="1.0"/>
-  <p:tag name="KSO_WM_BEAUTIFY_FLAG" val="#wm#"/>
-</p:tagLst>
-</file>
-
-<file path=ppt/tags/tag25.xml><?xml version="1.0" encoding="utf-8"?>
-<p:tagLst xmlns:p="http://schemas.openxmlformats.org/presentationml/2006/main">
-  <p:tag name="KSO_WM_UNIT_HIGHLIGHT" val="0"/>
-  <p:tag name="KSO_WM_UNIT_COMPATIBLE" val="0"/>
-  <p:tag name="KSO_WM_UNIT_DIAGRAM_ISNUMVISUAL" val="0"/>
-  <p:tag name="KSO_WM_UNIT_DIAGRAM_ISREFERUNIT" val="0"/>
-  <p:tag name="KSO_WM_UNIT_ID" val="_5**"/>
-  <p:tag name="KSO_WM_UNIT_LAYERLEVEL" val="1"/>
-  <p:tag name="KSO_WM_TAG_VERSION" val="1.0"/>
-  <p:tag name="KSO_WM_BEAUTIFY_FLAG" val="#wm#"/>
-</p:tagLst>
-</file>
-
-<file path=ppt/tags/tag26.xml><?xml version="1.0" encoding="utf-8"?>
-<p:tagLst xmlns:p="http://schemas.openxmlformats.org/presentationml/2006/main">
-  <p:tag name="KSO_WM_UNIT_HIGHLIGHT" val="0"/>
-  <p:tag name="KSO_WM_UNIT_COMPATIBLE" val="0"/>
-  <p:tag name="KSO_WM_UNIT_DIAGRAM_ISNUMVISUAL" val="0"/>
-  <p:tag name="KSO_WM_UNIT_DIAGRAM_ISREFERUNIT" val="0"/>
-  <p:tag name="KSO_WM_UNIT_ID" val="_5**"/>
-  <p:tag name="KSO_WM_UNIT_LAYERLEVEL" val="1"/>
-  <p:tag name="KSO_WM_TAG_VERSION" val="1.0"/>
-  <p:tag name="KSO_WM_BEAUTIFY_FLAG" val="#wm#"/>
-</p:tagLst>
-</file>
-
-<file path=ppt/tags/tag27.xml><?xml version="1.0" encoding="utf-8"?>
-<p:tagLst xmlns:p="http://schemas.openxmlformats.org/presentationml/2006/main">
-  <p:tag name="KSO_WM_UNIT_HIGHLIGHT" val="0"/>
-  <p:tag name="KSO_WM_UNIT_COMPATIBLE" val="0"/>
-  <p:tag name="KSO_WM_UNIT_DIAGRAM_ISNUMVISUAL" val="0"/>
-  <p:tag name="KSO_WM_UNIT_DIAGRAM_ISREFERUNIT" val="0"/>
-  <p:tag name="KSO_WM_UNIT_ID" val="_5**"/>
-  <p:tag name="KSO_WM_UNIT_LAYERLEVEL" val="1"/>
-  <p:tag name="KSO_WM_TAG_VERSION" val="1.0"/>
-  <p:tag name="KSO_WM_BEAUTIFY_FLAG" val="#wm#"/>
-</p:tagLst>
-</file>
-
-<file path=ppt/tags/tag28.xml><?xml version="1.0" encoding="utf-8"?>
-<p:tagLst xmlns:p="http://schemas.openxmlformats.org/presentationml/2006/main">
-  <p:tag name="KSO_WM_UNIT_HIGHLIGHT" val="0"/>
-  <p:tag name="KSO_WM_UNIT_COMPATIBLE" val="0"/>
-  <p:tag name="KSO_WM_UNIT_DIAGRAM_ISNUMVISUAL" val="0"/>
-  <p:tag name="KSO_WM_UNIT_DIAGRAM_ISREFERUNIT" val="0"/>
-  <p:tag name="KSO_WM_UNIT_ID" val="_5**"/>
-  <p:tag name="KSO_WM_UNIT_LAYERLEVEL" val="1"/>
-  <p:tag name="KSO_WM_TAG_VERSION" val="1.0"/>
-  <p:tag name="KSO_WM_BEAUTIFY_FLAG" val="#wm#"/>
-</p:tagLst>
-</file>
-
-<file path=ppt/tags/tag29.xml><?xml version="1.0" encoding="utf-8"?>
-<p:tagLst xmlns:p="http://schemas.openxmlformats.org/presentationml/2006/main">
-  <p:tag name="KSO_WM_UNIT_HIGHLIGHT" val="0"/>
-  <p:tag name="KSO_WM_UNIT_COMPATIBLE" val="0"/>
-  <p:tag name="KSO_WM_UNIT_DIAGRAM_ISNUMVISUAL" val="0"/>
-  <p:tag name="KSO_WM_UNIT_DIAGRAM_ISREFERUNIT" val="0"/>
-  <p:tag name="KSO_WM_UNIT_ID" val="_5**"/>
-  <p:tag name="KSO_WM_UNIT_LAYERLEVEL" val="1"/>
-  <p:tag name="KSO_WM_TAG_VERSION" val="1.0"/>
-  <p:tag name="KSO_WM_BEAUTIFY_FLAG" val="#wm#"/>
-</p:tagLst>
-</file>
-
-<file path=ppt/tags/tag3.xml><?xml version="1.0" encoding="utf-8"?>
-<p:tagLst xmlns:p="http://schemas.openxmlformats.org/presentationml/2006/main">
-  <p:tag name="KSO_WM_UNIT_HIGHLIGHT" val="0"/>
-  <p:tag name="KSO_WM_UNIT_COMPATIBLE" val="0"/>
-  <p:tag name="KSO_WM_UNIT_DIAGRAM_ISNUMVISUAL" val="0"/>
-  <p:tag name="KSO_WM_UNIT_DIAGRAM_ISREFERUNIT" val="0"/>
-  <p:tag name="KSO_WM_UNIT_ID" val="_1**"/>
-  <p:tag name="KSO_WM_UNIT_LAYERLEVEL" val="1"/>
-  <p:tag name="KSO_WM_TAG_VERSION" val="1.0"/>
-  <p:tag name="KSO_WM_BEAUTIFY_FLAG" val="#wm#"/>
-</p:tagLst>
-</file>
-
-<file path=ppt/tags/tag30.xml><?xml version="1.0" encoding="utf-8"?>
-<p:tagLst xmlns:p="http://schemas.openxmlformats.org/presentationml/2006/main">
-  <p:tag name="KSO_WM_UNIT_HIGHLIGHT" val="0"/>
-  <p:tag name="KSO_WM_UNIT_COMPATIBLE" val="0"/>
-  <p:tag name="KSO_WM_UNIT_DIAGRAM_ISNUMVISUAL" val="0"/>
-  <p:tag name="KSO_WM_UNIT_DIAGRAM_ISREFERUNIT" val="0"/>
-  <p:tag name="KSO_WM_UNIT_ID" val="_6**"/>
-  <p:tag name="KSO_WM_UNIT_LAYERLEVEL" val="1"/>
-  <p:tag name="KSO_WM_TAG_VERSION" val="1.0"/>
-  <p:tag name="KSO_WM_BEAUTIFY_FLAG" val="#wm#"/>
-</p:tagLst>
-</file>
-
-<file path=ppt/tags/tag31.xml><?xml version="1.0" encoding="utf-8"?>
-<p:tagLst xmlns:p="http://schemas.openxmlformats.org/presentationml/2006/main">
-  <p:tag name="KSO_WM_UNIT_HIGHLIGHT" val="0"/>
-  <p:tag name="KSO_WM_UNIT_COMPATIBLE" val="0"/>
-  <p:tag name="KSO_WM_UNIT_DIAGRAM_ISNUMVISUAL" val="0"/>
-  <p:tag name="KSO_WM_UNIT_DIAGRAM_ISREFERUNIT" val="0"/>
-  <p:tag name="KSO_WM_UNIT_ID" val="_6**"/>
-  <p:tag name="KSO_WM_UNIT_LAYERLEVEL" val="1"/>
-  <p:tag name="KSO_WM_TAG_VERSION" val="1.0"/>
-  <p:tag name="KSO_WM_BEAUTIFY_FLAG" val="#wm#"/>
-</p:tagLst>
-</file>
-
-<file path=ppt/tags/tag32.xml><?xml version="1.0" encoding="utf-8"?>
-<p:tagLst xmlns:p="http://schemas.openxmlformats.org/presentationml/2006/main">
-  <p:tag name="KSO_WM_UNIT_HIGHLIGHT" val="0"/>
-  <p:tag name="KSO_WM_UNIT_COMPATIBLE" val="0"/>
-  <p:tag name="KSO_WM_UNIT_DIAGRAM_ISNUMVISUAL" val="0"/>
-  <p:tag name="KSO_WM_UNIT_DIAGRAM_ISREFERUNIT" val="0"/>
-  <p:tag name="KSO_WM_UNIT_ID" val="_6**"/>
-  <p:tag name="KSO_WM_UNIT_LAYERLEVEL" val="1"/>
-  <p:tag name="KSO_WM_TAG_VERSION" val="1.0"/>
-  <p:tag name="KSO_WM_BEAUTIFY_FLAG" val="#wm#"/>
-</p:tagLst>
-</file>
-
-<file path=ppt/tags/tag33.xml><?xml version="1.0" encoding="utf-8"?>
-<p:tagLst xmlns:p="http://schemas.openxmlformats.org/presentationml/2006/main">
-  <p:tag name="KSO_WM_UNIT_HIGHLIGHT" val="0"/>
-  <p:tag name="KSO_WM_UNIT_COMPATIBLE" val="0"/>
-  <p:tag name="KSO_WM_UNIT_DIAGRAM_ISNUMVISUAL" val="0"/>
-  <p:tag name="KSO_WM_UNIT_DIAGRAM_ISREFERUNIT" val="0"/>
-  <p:tag name="KSO_WM_UNIT_ID" val="_6**"/>
-  <p:tag name="KSO_WM_UNIT_LAYERLEVEL" val="1"/>
-  <p:tag name="KSO_WM_TAG_VERSION" val="1.0"/>
-  <p:tag name="KSO_WM_BEAUTIFY_FLAG" val="#wm#"/>
-</p:tagLst>
-</file>
-
-<file path=ppt/tags/tag34.xml><?xml version="1.0" encoding="utf-8"?>
-<p:tagLst xmlns:p="http://schemas.openxmlformats.org/presentationml/2006/main">
-  <p:tag name="KSO_WM_UNIT_HIGHLIGHT" val="0"/>
-  <p:tag name="KSO_WM_UNIT_COMPATIBLE" val="0"/>
-  <p:tag name="KSO_WM_UNIT_DIAGRAM_ISNUMVISUAL" val="0"/>
-  <p:tag name="KSO_WM_UNIT_DIAGRAM_ISREFERUNIT" val="0"/>
-  <p:tag name="KSO_WM_UNIT_ID" val="_7**"/>
-  <p:tag name="KSO_WM_UNIT_LAYERLEVEL" val="1"/>
-  <p:tag name="KSO_WM_TAG_VERSION" val="1.0"/>
-  <p:tag name="KSO_WM_BEAUTIFY_FLAG" val="#wm#"/>
-</p:tagLst>
-</file>
-
-<file path=ppt/tags/tag35.xml><?xml version="1.0" encoding="utf-8"?>
-<p:tagLst xmlns:p="http://schemas.openxmlformats.org/presentationml/2006/main">
-  <p:tag name="KSO_WM_UNIT_HIGHLIGHT" val="0"/>
-  <p:tag name="KSO_WM_UNIT_COMPATIBLE" val="0"/>
-  <p:tag name="KSO_WM_UNIT_DIAGRAM_ISNUMVISUAL" val="0"/>
-  <p:tag name="KSO_WM_UNIT_DIAGRAM_ISREFERUNIT" val="0"/>
-  <p:tag name="KSO_WM_UNIT_ID" val="_7**"/>
-  <p:tag name="KSO_WM_UNIT_LAYERLEVEL" val="1"/>
-  <p:tag name="KSO_WM_TAG_VERSION" val="1.0"/>
-  <p:tag name="KSO_WM_BEAUTIFY_FLAG" val="#wm#"/>
-</p:tagLst>
-</file>
-
-<file path=ppt/tags/tag36.xml><?xml version="1.0" encoding="utf-8"?>
-<p:tagLst xmlns:p="http://schemas.openxmlformats.org/presentationml/2006/main">
-  <p:tag name="KSO_WM_UNIT_HIGHLIGHT" val="0"/>
-  <p:tag name="KSO_WM_UNIT_COMPATIBLE" val="0"/>
-  <p:tag name="KSO_WM_UNIT_DIAGRAM_ISNUMVISUAL" val="0"/>
-  <p:tag name="KSO_WM_UNIT_DIAGRAM_ISREFERUNIT" val="0"/>
-  <p:tag name="KSO_WM_UNIT_ID" val="_7**"/>
-  <p:tag name="KSO_WM_UNIT_LAYERLEVEL" val="1"/>
-  <p:tag name="KSO_WM_TAG_VERSION" val="1.0"/>
-  <p:tag name="KSO_WM_BEAUTIFY_FLAG" val="#wm#"/>
-</p:tagLst>
-</file>
-
-<file path=ppt/tags/tag37.xml><?xml version="1.0" encoding="utf-8"?>
-<p:tagLst xmlns:p="http://schemas.openxmlformats.org/presentationml/2006/main">
-  <p:tag name="KSO_WM_UNIT_HIGHLIGHT" val="0"/>
-  <p:tag name="KSO_WM_UNIT_COMPATIBLE" val="0"/>
-  <p:tag name="KSO_WM_UNIT_DIAGRAM_ISNUMVISUAL" val="0"/>
-  <p:tag name="KSO_WM_UNIT_DIAGRAM_ISREFERUNIT" val="0"/>
-  <p:tag name="KSO_WM_UNIT_ID" val="_8**"/>
-  <p:tag name="KSO_WM_UNIT_LAYERLEVEL" val="1"/>
-  <p:tag name="KSO_WM_TAG_VERSION" val="1.0"/>
-  <p:tag name="KSO_WM_BEAUTIFY_FLAG" val="#wm#"/>
-</p:tagLst>
-</file>
-
-<file path=ppt/tags/tag38.xml><?xml version="1.0" encoding="utf-8"?>
-<p:tagLst xmlns:p="http://schemas.openxmlformats.org/presentationml/2006/main">
-  <p:tag name="KSO_WM_UNIT_HIGHLIGHT" val="0"/>
-  <p:tag name="KSO_WM_UNIT_COMPATIBLE" val="0"/>
-  <p:tag name="KSO_WM_UNIT_DIAGRAM_ISNUMVISUAL" val="0"/>
-  <p:tag name="KSO_WM_UNIT_DIAGRAM_ISREFERUNIT" val="0"/>
-  <p:tag name="KSO_WM_UNIT_ID" val="_8**"/>
-  <p:tag name="KSO_WM_UNIT_LAYERLEVEL" val="1"/>
-  <p:tag name="KSO_WM_TAG_VERSION" val="1.0"/>
-  <p:tag name="KSO_WM_BEAUTIFY_FLAG" val="#wm#"/>
-</p:tagLst>
-</file>
-
-<file path=ppt/tags/tag39.xml><?xml version="1.0" encoding="utf-8"?>
-<p:tagLst xmlns:p="http://schemas.openxmlformats.org/presentationml/2006/main">
-  <p:tag name="KSO_WM_UNIT_HIGHLIGHT" val="0"/>
-  <p:tag name="KSO_WM_UNIT_COMPATIBLE" val="0"/>
-  <p:tag name="KSO_WM_UNIT_DIAGRAM_ISNUMVISUAL" val="0"/>
-  <p:tag name="KSO_WM_UNIT_DIAGRAM_ISREFERUNIT" val="0"/>
-  <p:tag name="KSO_WM_UNIT_ID" val="_8**"/>
-  <p:tag name="KSO_WM_UNIT_LAYERLEVEL" val="1"/>
-  <p:tag name="KSO_WM_TAG_VERSION" val="1.0"/>
-  <p:tag name="KSO_WM_BEAUTIFY_FLAG" val="#wm#"/>
-</p:tagLst>
-</file>
-
-<file path=ppt/tags/tag4.xml><?xml version="1.0" encoding="utf-8"?>
-<p:tagLst xmlns:p="http://schemas.openxmlformats.org/presentationml/2006/main">
-  <p:tag name="KSO_WM_UNIT_HIGHLIGHT" val="0"/>
-  <p:tag name="KSO_WM_UNIT_COMPATIBLE" val="0"/>
-  <p:tag name="KSO_WM_UNIT_DIAGRAM_ISNUMVISUAL" val="0"/>
-  <p:tag name="KSO_WM_UNIT_DIAGRAM_ISREFERUNIT" val="0"/>
-  <p:tag name="KSO_WM_UNIT_ID" val="_1**"/>
-  <p:tag name="KSO_WM_UNIT_LAYERLEVEL" val="1"/>
-  <p:tag name="KSO_WM_TAG_VERSION" val="1.0"/>
-  <p:tag name="KSO_WM_BEAUTIFY_FLAG" val="#wm#"/>
-</p:tagLst>
-</file>
-
-<file path=ppt/tags/tag40.xml><?xml version="1.0" encoding="utf-8"?>
-<p:tagLst xmlns:p="http://schemas.openxmlformats.org/presentationml/2006/main">
-  <p:tag name="KSO_WM_UNIT_HIGHLIGHT" val="0"/>
-  <p:tag name="KSO_WM_UNIT_COMPATIBLE" val="0"/>
-  <p:tag name="KSO_WM_UNIT_DIAGRAM_ISNUMVISUAL" val="0"/>
-  <p:tag name="KSO_WM_UNIT_DIAGRAM_ISREFERUNIT" val="0"/>
-  <p:tag name="KSO_WM_UNIT_ID" val="_8**"/>
-  <p:tag name="KSO_WM_UNIT_LAYERLEVEL" val="1"/>
-  <p:tag name="KSO_WM_TAG_VERSION" val="1.0"/>
-  <p:tag name="KSO_WM_BEAUTIFY_FLAG" val="#wm#"/>
-</p:tagLst>
-</file>
-
-<file path=ppt/tags/tag41.xml><?xml version="1.0" encoding="utf-8"?>
-<p:tagLst xmlns:p="http://schemas.openxmlformats.org/presentationml/2006/main">
-  <p:tag name="KSO_WM_UNIT_HIGHLIGHT" val="0"/>
-  <p:tag name="KSO_WM_UNIT_COMPATIBLE" val="0"/>
-  <p:tag name="KSO_WM_UNIT_DIAGRAM_ISNUMVISUAL" val="0"/>
-  <p:tag name="KSO_WM_UNIT_DIAGRAM_ISREFERUNIT" val="0"/>
-  <p:tag name="KSO_WM_UNIT_ID" val="_8**"/>
-  <p:tag name="KSO_WM_UNIT_LAYERLEVEL" val="1"/>
-  <p:tag name="KSO_WM_TAG_VERSION" val="1.0"/>
-  <p:tag name="KSO_WM_BEAUTIFY_FLAG" val="#wm#"/>
-</p:tagLst>
-</file>
-
-<file path=ppt/tags/tag42.xml><?xml version="1.0" encoding="utf-8"?>
-<p:tagLst xmlns:p="http://schemas.openxmlformats.org/presentationml/2006/main">
-  <p:tag name="KSO_WM_UNIT_HIGHLIGHT" val="0"/>
-  <p:tag name="KSO_WM_UNIT_COMPATIBLE" val="0"/>
-  <p:tag name="KSO_WM_UNIT_DIAGRAM_ISNUMVISUAL" val="0"/>
-  <p:tag name="KSO_WM_UNIT_DIAGRAM_ISREFERUNIT" val="0"/>
-  <p:tag name="KSO_WM_UNIT_ID" val="_8**"/>
-  <p:tag name="KSO_WM_UNIT_LAYERLEVEL" val="1"/>
-  <p:tag name="KSO_WM_TAG_VERSION" val="1.0"/>
-  <p:tag name="KSO_WM_BEAUTIFY_FLAG" val="#wm#"/>
-</p:tagLst>
-</file>
-
-<file path=ppt/tags/tag43.xml><?xml version="1.0" encoding="utf-8"?>
-<p:tagLst xmlns:p="http://schemas.openxmlformats.org/presentationml/2006/main">
-  <p:tag name="KSO_WM_UNIT_HIGHLIGHT" val="0"/>
-  <p:tag name="KSO_WM_UNIT_COMPATIBLE" val="0"/>
-  <p:tag name="KSO_WM_UNIT_DIAGRAM_ISNUMVISUAL" val="0"/>
-  <p:tag name="KSO_WM_UNIT_DIAGRAM_ISREFERUNIT" val="0"/>
-  <p:tag name="KSO_WM_UNIT_ID" val="_9**"/>
-  <p:tag name="KSO_WM_UNIT_LAYERLEVEL" val="1"/>
-  <p:tag name="KSO_WM_TAG_VERSION" val="1.0"/>
-  <p:tag name="KSO_WM_BEAUTIFY_FLAG" val="#wm#"/>
-</p:tagLst>
-</file>
-
-<file path=ppt/tags/tag44.xml><?xml version="1.0" encoding="utf-8"?>
-<p:tagLst xmlns:p="http://schemas.openxmlformats.org/presentationml/2006/main">
-  <p:tag name="KSO_WM_UNIT_HIGHLIGHT" val="0"/>
-  <p:tag name="KSO_WM_UNIT_COMPATIBLE" val="0"/>
-  <p:tag name="KSO_WM_UNIT_DIAGRAM_ISNUMVISUAL" val="0"/>
-  <p:tag name="KSO_WM_UNIT_DIAGRAM_ISREFERUNIT" val="0"/>
-  <p:tag name="KSO_WM_UNIT_ID" val="_9**"/>
-  <p:tag name="KSO_WM_UNIT_LAYERLEVEL" val="1"/>
-  <p:tag name="KSO_WM_TAG_VERSION" val="1.0"/>
-  <p:tag name="KSO_WM_BEAUTIFY_FLAG" val="#wm#"/>
-</p:tagLst>
-</file>
-
-<file path=ppt/tags/tag45.xml><?xml version="1.0" encoding="utf-8"?>
-<p:tagLst xmlns:p="http://schemas.openxmlformats.org/presentationml/2006/main">
-  <p:tag name="KSO_WM_UNIT_HIGHLIGHT" val="0"/>
-  <p:tag name="KSO_WM_UNIT_COMPATIBLE" val="0"/>
-  <p:tag name="KSO_WM_UNIT_DIAGRAM_ISNUMVISUAL" val="0"/>
-  <p:tag name="KSO_WM_UNIT_DIAGRAM_ISREFERUNIT" val="0"/>
-  <p:tag name="KSO_WM_UNIT_ID" val="_9**"/>
-  <p:tag name="KSO_WM_UNIT_LAYERLEVEL" val="1"/>
-  <p:tag name="KSO_WM_TAG_VERSION" val="1.0"/>
-  <p:tag name="KSO_WM_BEAUTIFY_FLAG" val="#wm#"/>
-</p:tagLst>
-</file>
-
-<file path=ppt/tags/tag46.xml><?xml version="1.0" encoding="utf-8"?>
-<p:tagLst xmlns:p="http://schemas.openxmlformats.org/presentationml/2006/main">
-  <p:tag name="KSO_WM_UNIT_HIGHLIGHT" val="0"/>
-  <p:tag name="KSO_WM_UNIT_COMPATIBLE" val="0"/>
-  <p:tag name="KSO_WM_UNIT_DIAGRAM_ISNUMVISUAL" val="0"/>
-  <p:tag name="KSO_WM_UNIT_DIAGRAM_ISREFERUNIT" val="0"/>
-  <p:tag name="KSO_WM_UNIT_ID" val="_9**"/>
-  <p:tag name="KSO_WM_UNIT_LAYERLEVEL" val="1"/>
-  <p:tag name="KSO_WM_TAG_VERSION" val="1.0"/>
-  <p:tag name="KSO_WM_BEAUTIFY_FLAG" val="#wm#"/>
-</p:tagLst>
-</file>
-
-<file path=ppt/tags/tag47.xml><?xml version="1.0" encoding="utf-8"?>
-<p:tagLst xmlns:p="http://schemas.openxmlformats.org/presentationml/2006/main">
-  <p:tag name="KSO_WM_UNIT_HIGHLIGHT" val="0"/>
-  <p:tag name="KSO_WM_UNIT_COMPATIBLE" val="0"/>
-  <p:tag name="KSO_WM_UNIT_DIAGRAM_ISNUMVISUAL" val="0"/>
-  <p:tag name="KSO_WM_UNIT_DIAGRAM_ISREFERUNIT" val="0"/>
-  <p:tag name="KSO_WM_UNIT_ID" val="_9**"/>
-  <p:tag name="KSO_WM_UNIT_LAYERLEVEL" val="1"/>
-  <p:tag name="KSO_WM_TAG_VERSION" val="1.0"/>
-  <p:tag name="KSO_WM_BEAUTIFY_FLAG" val="#wm#"/>
-</p:tagLst>
-</file>
-
-<file path=ppt/tags/tag48.xml><?xml version="1.0" encoding="utf-8"?>
-<p:tagLst xmlns:p="http://schemas.openxmlformats.org/presentationml/2006/main">
-  <p:tag name="KSO_WM_UNIT_HIGHLIGHT" val="0"/>
-  <p:tag name="KSO_WM_UNIT_COMPATIBLE" val="0"/>
-  <p:tag name="KSO_WM_UNIT_DIAGRAM_ISNUMVISUAL" val="0"/>
-  <p:tag name="KSO_WM_UNIT_DIAGRAM_ISREFERUNIT" val="0"/>
-  <p:tag name="KSO_WM_UNIT_ID" val="_10**"/>
-  <p:tag name="KSO_WM_UNIT_LAYERLEVEL" val="1"/>
-  <p:tag name="KSO_WM_TAG_VERSION" val="1.0"/>
-  <p:tag name="KSO_WM_BEAUTIFY_FLAG" val="#wm#"/>
-</p:tagLst>
-</file>
-
-<file path=ppt/tags/tag49.xml><?xml version="1.0" encoding="utf-8"?>
-<p:tagLst xmlns:p="http://schemas.openxmlformats.org/presentationml/2006/main">
-  <p:tag name="KSO_WM_UNIT_HIGHLIGHT" val="0"/>
-  <p:tag name="KSO_WM_UNIT_COMPATIBLE" val="0"/>
-  <p:tag name="KSO_WM_UNIT_DIAGRAM_ISNUMVISUAL" val="0"/>
-  <p:tag name="KSO_WM_UNIT_DIAGRAM_ISREFERUNIT" val="0"/>
-  <p:tag name="KSO_WM_UNIT_ID" val="_10**"/>
-  <p:tag name="KSO_WM_UNIT_LAYERLEVEL" val="1"/>
-  <p:tag name="KSO_WM_TAG_VERSION" val="1.0"/>
-  <p:tag name="KSO_WM_BEAUTIFY_FLAG" val="#wm#"/>
-</p:tagLst>
-</file>
-
-<file path=ppt/tags/tag5.xml><?xml version="1.0" encoding="utf-8"?>
-<p:tagLst xmlns:p="http://schemas.openxmlformats.org/presentationml/2006/main">
-  <p:tag name="KSO_WM_UNIT_HIGHLIGHT" val="0"/>
-  <p:tag name="KSO_WM_UNIT_COMPATIBLE" val="0"/>
-  <p:tag name="KSO_WM_UNIT_DIAGRAM_ISNUMVISUAL" val="0"/>
-  <p:tag name="KSO_WM_UNIT_DIAGRAM_ISREFERUNIT" val="0"/>
-  <p:tag name="KSO_WM_UNIT_ID" val="_1**"/>
-  <p:tag name="KSO_WM_UNIT_LAYERLEVEL" val="1"/>
-  <p:tag name="KSO_WM_TAG_VERSION" val="1.0"/>
-  <p:tag name="KSO_WM_BEAUTIFY_FLAG" val="#wm#"/>
-</p:tagLst>
-</file>
-
-<file path=ppt/tags/tag50.xml><?xml version="1.0" encoding="utf-8"?>
-<p:tagLst xmlns:p="http://schemas.openxmlformats.org/presentationml/2006/main">
-  <p:tag name="KSO_WM_UNIT_HIGHLIGHT" val="0"/>
-  <p:tag name="KSO_WM_UNIT_COMPATIBLE" val="0"/>
-  <p:tag name="KSO_WM_UNIT_DIAGRAM_ISNUMVISUAL" val="0"/>
-  <p:tag name="KSO_WM_UNIT_DIAGRAM_ISREFERUNIT" val="0"/>
-  <p:tag name="KSO_WM_UNIT_ID" val="_10**"/>
-  <p:tag name="KSO_WM_UNIT_LAYERLEVEL" val="1"/>
-  <p:tag name="KSO_WM_TAG_VERSION" val="1.0"/>
-  <p:tag name="KSO_WM_BEAUTIFY_FLAG" val="#wm#"/>
-</p:tagLst>
-</file>
-
-<file path=ppt/tags/tag51.xml><?xml version="1.0" encoding="utf-8"?>
-<p:tagLst xmlns:p="http://schemas.openxmlformats.org/presentationml/2006/main">
-  <p:tag name="KSO_WM_UNIT_HIGHLIGHT" val="0"/>
-  <p:tag name="KSO_WM_UNIT_COMPATIBLE" val="0"/>
-  <p:tag name="KSO_WM_UNIT_DIAGRAM_ISNUMVISUAL" val="0"/>
-  <p:tag name="KSO_WM_UNIT_DIAGRAM_ISREFERUNIT" val="0"/>
-  <p:tag name="KSO_WM_UNIT_ID" val="_10**"/>
-  <p:tag name="KSO_WM_UNIT_LAYERLEVEL" val="1"/>
-  <p:tag name="KSO_WM_TAG_VERSION" val="1.0"/>
-  <p:tag name="KSO_WM_BEAUTIFY_FLAG" val="#wm#"/>
-</p:tagLst>
-</file>
-
-<file path=ppt/tags/tag52.xml><?xml version="1.0" encoding="utf-8"?>
-<p:tagLst xmlns:p="http://schemas.openxmlformats.org/presentationml/2006/main">
-  <p:tag name="KSO_WM_UNIT_HIGHLIGHT" val="0"/>
-  <p:tag name="KSO_WM_UNIT_COMPATIBLE" val="0"/>
-  <p:tag name="KSO_WM_UNIT_DIAGRAM_ISNUMVISUAL" val="0"/>
-  <p:tag name="KSO_WM_UNIT_DIAGRAM_ISREFERUNIT" val="0"/>
-  <p:tag name="KSO_WM_UNIT_ID" val="_11**"/>
-  <p:tag name="KSO_WM_UNIT_LAYERLEVEL" val="1"/>
-  <p:tag name="KSO_WM_TAG_VERSION" val="1.0"/>
-  <p:tag name="KSO_WM_BEAUTIFY_FLAG" val="#wm#"/>
-</p:tagLst>
-</file>
-
-<file path=ppt/tags/tag53.xml><?xml version="1.0" encoding="utf-8"?>
-<p:tagLst xmlns:p="http://schemas.openxmlformats.org/presentationml/2006/main">
-  <p:tag name="KSO_WM_UNIT_HIGHLIGHT" val="0"/>
-  <p:tag name="KSO_WM_UNIT_COMPATIBLE" val="0"/>
-  <p:tag name="KSO_WM_UNIT_DIAGRAM_ISNUMVISUAL" val="0"/>
-  <p:tag name="KSO_WM_UNIT_DIAGRAM_ISREFERUNIT" val="0"/>
-  <p:tag name="KSO_WM_UNIT_ID" val="_11**"/>
-  <p:tag name="KSO_WM_UNIT_LAYERLEVEL" val="1"/>
-  <p:tag name="KSO_WM_TAG_VERSION" val="1.0"/>
-  <p:tag name="KSO_WM_BEAUTIFY_FLAG" val="#wm#"/>
-</p:tagLst>
-</file>
-
-<file path=ppt/tags/tag54.xml><?xml version="1.0" encoding="utf-8"?>
-<p:tagLst xmlns:p="http://schemas.openxmlformats.org/presentationml/2006/main">
-  <p:tag name="KSO_WM_UNIT_HIGHLIGHT" val="0"/>
-  <p:tag name="KSO_WM_UNIT_COMPATIBLE" val="0"/>
-  <p:tag name="KSO_WM_UNIT_DIAGRAM_ISNUMVISUAL" val="0"/>
-  <p:tag name="KSO_WM_UNIT_DIAGRAM_ISREFERUNIT" val="0"/>
-  <p:tag name="KSO_WM_UNIT_ID" val="_11**"/>
-  <p:tag name="KSO_WM_UNIT_LAYERLEVEL" val="1"/>
-  <p:tag name="KSO_WM_TAG_VERSION" val="1.0"/>
-  <p:tag name="KSO_WM_BEAUTIFY_FLAG" val="#wm#"/>
-</p:tagLst>
-</file>
-
-<file path=ppt/tags/tag55.xml><?xml version="1.0" encoding="utf-8"?>
-<p:tagLst xmlns:p="http://schemas.openxmlformats.org/presentationml/2006/main">
-  <p:tag name="KSO_WM_UNIT_HIGHLIGHT" val="0"/>
-  <p:tag name="KSO_WM_UNIT_COMPATIBLE" val="0"/>
-  <p:tag name="KSO_WM_UNIT_DIAGRAM_ISNUMVISUAL" val="0"/>
-  <p:tag name="KSO_WM_UNIT_DIAGRAM_ISREFERUNIT" val="0"/>
-  <p:tag name="KSO_WM_UNIT_ID" val="_11**"/>
-  <p:tag name="KSO_WM_UNIT_LAYERLEVEL" val="1"/>
-  <p:tag name="KSO_WM_TAG_VERSION" val="1.0"/>
-  <p:tag name="KSO_WM_BEAUTIFY_FLAG" val="#wm#"/>
-</p:tagLst>
-</file>
-
-<file path=ppt/tags/tag56.xml><?xml version="1.0" encoding="utf-8"?>
-<p:tagLst xmlns:p="http://schemas.openxmlformats.org/presentationml/2006/main">
-  <p:tag name="KSO_WM_UNIT_HIGHLIGHT" val="0"/>
-  <p:tag name="KSO_WM_UNIT_COMPATIBLE" val="0"/>
-  <p:tag name="KSO_WM_UNIT_DIAGRAM_ISNUMVISUAL" val="0"/>
-  <p:tag name="KSO_WM_UNIT_DIAGRAM_ISREFERUNIT" val="0"/>
-  <p:tag name="KSO_WM_UNIT_ID" val="_0**"/>
-  <p:tag name="KSO_WM_UNIT_LAYERLEVEL" val="1"/>
-  <p:tag name="KSO_WM_TAG_VERSION" val="1.0"/>
-  <p:tag name="KSO_WM_BEAUTIFY_FLAG" val="#wm#"/>
-  <p:tag name="KSO_WM_TEMPLATE_CATEGORY" val="custom"/>
-  <p:tag name="KSO_WM_TEMPLATE_INDEX" val="20187308"/>
-</p:tagLst>
-</file>
-
-<file path=ppt/tags/tag57.xml><?xml version="1.0" encoding="utf-8"?>
-<p:tagLst xmlns:p="http://schemas.openxmlformats.org/presentationml/2006/main">
-  <p:tag name="KSO_WM_UNIT_HIGHLIGHT" val="0"/>
-  <p:tag name="KSO_WM_UNIT_COMPATIBLE" val="0"/>
-  <p:tag name="KSO_WM_UNIT_DIAGRAM_ISNUMVISUAL" val="0"/>
-  <p:tag name="KSO_WM_UNIT_DIAGRAM_ISREFERUNIT" val="0"/>
-  <p:tag name="KSO_WM_UNIT_ID" val="_0**"/>
-  <p:tag name="KSO_WM_UNIT_LAYERLEVEL" val="1"/>
-  <p:tag name="KSO_WM_TAG_VERSION" val="1.0"/>
-  <p:tag name="KSO_WM_BEAUTIFY_FLAG" val="#wm#"/>
-  <p:tag name="KSO_WM_TEMPLATE_CATEGORY" val="custom"/>
-  <p:tag name="KSO_WM_TEMPLATE_INDEX" val="20187308"/>
-</p:tagLst>
-</file>
-
-<file path=ppt/tags/tag58.xml><?xml version="1.0" encoding="utf-8"?>
-<p:tagLst xmlns:p="http://schemas.openxmlformats.org/presentationml/2006/main">
-  <p:tag name="KSO_WM_UNIT_HIGHLIGHT" val="0"/>
-  <p:tag name="KSO_WM_UNIT_COMPATIBLE" val="0"/>
-  <p:tag name="KSO_WM_UNIT_DIAGRAM_ISNUMVISUAL" val="0"/>
-  <p:tag name="KSO_WM_UNIT_DIAGRAM_ISREFERUNIT" val="0"/>
-  <p:tag name="KSO_WM_UNIT_ID" val="_0**"/>
-  <p:tag name="KSO_WM_UNIT_LAYERLEVEL" val="1"/>
-  <p:tag name="KSO_WM_TAG_VERSION" val="1.0"/>
-  <p:tag name="KSO_WM_BEAUTIFY_FLAG" val="#wm#"/>
-</p:tagLst>
-</file>
-
-<file path=ppt/tags/tag59.xml><?xml version="1.0" encoding="utf-8"?>
-<p:tagLst xmlns:p="http://schemas.openxmlformats.org/presentationml/2006/main">
-  <p:tag name="KSO_WM_UNIT_HIGHLIGHT" val="0"/>
-  <p:tag name="KSO_WM_UNIT_COMPATIBLE" val="0"/>
-  <p:tag name="KSO_WM_UNIT_DIAGRAM_ISNUMVISUAL" val="0"/>
-  <p:tag name="KSO_WM_UNIT_DIAGRAM_ISREFERUNIT" val="0"/>
-  <p:tag name="KSO_WM_UNIT_ID" val="_0**"/>
-  <p:tag name="KSO_WM_UNIT_LAYERLEVEL" val="1"/>
-  <p:tag name="KSO_WM_TAG_VERSION" val="1.0"/>
-  <p:tag name="KSO_WM_BEAUTIFY_FLAG" val="#wm#"/>
-</p:tagLst>
-</file>
-
-<file path=ppt/tags/tag6.xml><?xml version="1.0" encoding="utf-8"?>
-<p:tagLst xmlns:p="http://schemas.openxmlformats.org/presentationml/2006/main">
-  <p:tag name="KSO_WM_UNIT_HIGHLIGHT" val="0"/>
-  <p:tag name="KSO_WM_UNIT_COMPATIBLE" val="0"/>
-  <p:tag name="KSO_WM_UNIT_DIAGRAM_ISNUMVISUAL" val="0"/>
-  <p:tag name="KSO_WM_UNIT_DIAGRAM_ISREFERUNIT" val="0"/>
-  <p:tag name="KSO_WM_UNIT_ID" val="_2**"/>
-  <p:tag name="KSO_WM_UNIT_LAYERLEVEL" val="1"/>
-  <p:tag name="KSO_WM_TAG_VERSION" val="1.0"/>
-  <p:tag name="KSO_WM_BEAUTIFY_FLAG" val="#wm#"/>
-</p:tagLst>
-</file>
-
-<file path=ppt/tags/tag60.xml><?xml version="1.0" encoding="utf-8"?>
-<p:tagLst xmlns:p="http://schemas.openxmlformats.org/presentationml/2006/main">
-  <p:tag name="KSO_WM_UNIT_HIGHLIGHT" val="0"/>
-  <p:tag name="KSO_WM_UNIT_COMPATIBLE" val="0"/>
-  <p:tag name="KSO_WM_UNIT_DIAGRAM_ISNUMVISUAL" val="0"/>
-  <p:tag name="KSO_WM_UNIT_DIAGRAM_ISREFERUNIT" val="0"/>
-  <p:tag name="KSO_WM_UNIT_ID" val="_0**"/>
-  <p:tag name="KSO_WM_UNIT_LAYERLEVEL" val="1"/>
-  <p:tag name="KSO_WM_TAG_VERSION" val="1.0"/>
-  <p:tag name="KSO_WM_BEAUTIFY_FLAG" val="#wm#"/>
-</p:tagLst>
-</file>
-
-<file path=ppt/tags/tag61.xml><?xml version="1.0" encoding="utf-8"?>
-<p:tagLst xmlns:p="http://schemas.openxmlformats.org/presentationml/2006/main">
-  <p:tag name="KSO_WM_TEMPLATE_THUMBS_INDEX" val="1、2、3、6、8、10、11、12、15"/>
-  <p:tag name="KSO_WM_TEMPLATE_SUBCATEGORY" val="0"/>
-  <p:tag name="KSO_WM_TAG_VERSION" val="1.0"/>
-  <p:tag name="KSO_WM_BEAUTIFY_FLAG" val="#wm#"/>
-  <p:tag name="KSO_WM_TEMPLATE_CATEGORY" val="custom"/>
-  <p:tag name="KSO_WM_TEMPLATE_INDEX" val="20187308"/>
-</p:tagLst>
-</file>
-
-<file path=ppt/tags/tag62.xml><?xml version="1.0" encoding="utf-8"?>
-<p:tagLst xmlns:p="http://schemas.openxmlformats.org/presentationml/2006/main">
-  <p:tag name="KSO_WM_UNIT_ISCONTENTSTITLE" val="0"/>
-  <p:tag name="KSO_WM_UNIT_PRESET_TEXT" val="空白演示"/>
-  <p:tag name="KSO_WM_UNIT_NOCLEAR" val="0"/>
-  <p:tag name="KSO_WM_UNIT_VALUE" val="13"/>
-  <p:tag name="KSO_WM_UNIT_HIGHLIGHT" val="0"/>
-  <p:tag name="KSO_WM_UNIT_COMPATIBLE" val="0"/>
-  <p:tag name="KSO_WM_UNIT_DIAGRAM_ISNUMVISUAL" val="0"/>
-  <p:tag name="KSO_WM_UNIT_DIAGRAM_ISREFERUNIT" val="0"/>
-  <p:tag name="KSO_WM_UNIT_TYPE" val="a"/>
-  <p:tag name="KSO_WM_UNIT_INDEX" val="1"/>
-  <p:tag name="KSO_WM_UNIT_ID" val="custom20187308_1*a*1"/>
-  <p:tag name="KSO_WM_TEMPLATE_CATEGORY" val="custom"/>
-  <p:tag name="KSO_WM_TEMPLATE_INDEX" val="20187308"/>
-  <p:tag name="KSO_WM_UNIT_LAYERLEVEL" val="1"/>
-  <p:tag name="KSO_WM_TAG_VERSION" val="1.0"/>
-  <p:tag name="KSO_WM_BEAUTIFY_FLAG" val="#wm#"/>
-</p:tagLst>
-</file>
-
-<file path=ppt/tags/tag63.xml><?xml version="1.0" encoding="utf-8"?>
-<p:tagLst xmlns:p="http://schemas.openxmlformats.org/presentationml/2006/main">
-  <p:tag name="KSO_WM_UNIT_ISCONTENTSTITLE" val="0"/>
-  <p:tag name="KSO_WM_UNIT_PRESET_TEXT" val="在此输入您的封面副标题"/>
-  <p:tag name="KSO_WM_UNIT_NOCLEAR" val="0"/>
-  <p:tag name="KSO_WM_UNIT_VALUE" val="156"/>
-  <p:tag name="KSO_WM_UNIT_HIGHLIGHT" val="0"/>
-  <p:tag name="KSO_WM_UNIT_COMPATIBLE" val="0"/>
-  <p:tag name="KSO_WM_UNIT_DIAGRAM_ISNUMVISUAL" val="0"/>
-  <p:tag name="KSO_WM_UNIT_DIAGRAM_ISREFERUNIT" val="0"/>
-  <p:tag name="KSO_WM_UNIT_TYPE" val="b"/>
-  <p:tag name="KSO_WM_UNIT_INDEX" val="1"/>
-  <p:tag name="KSO_WM_UNIT_ID" val="custom20187308_1*b*1"/>
-  <p:tag name="KSO_WM_TEMPLATE_CATEGORY" val="custom"/>
-  <p:tag name="KSO_WM_TEMPLATE_INDEX" val="20187308"/>
-  <p:tag name="KSO_WM_UNIT_LAYERLEVEL" val="1"/>
-  <p:tag name="KSO_WM_TAG_VERSION" val="1.0"/>
-  <p:tag name="KSO_WM_BEAUTIFY_FLAG" val="#wm#"/>
-</p:tagLst>
-</file>
-
-<file path=ppt/tags/tag64.xml><?xml version="1.0" encoding="utf-8"?>
-<p:tagLst xmlns:p="http://schemas.openxmlformats.org/presentationml/2006/main">
-  <p:tag name="KSO_WM_TEMPLATE_THUMBS_INDEX" val="1、2、3、6、8、10、11、12、15"/>
-  <p:tag name="KSO_WM_SLIDE_ID" val="custom20187308_1"/>
-  <p:tag name="KSO_WM_TEMPLATE_SUBCATEGORY" val="0"/>
-  <p:tag name="KSO_WM_SLIDE_TYPE" val="title"/>
+  <p:tag name="KSO_WM_TEMPLATE_CATEGORY" val="diagram"/>
+  <p:tag name="KSO_WM_TEMPLATE_INDEX" val="20200864"/>
+  <p:tag name="KSO_WM_SLIDE_ID" val="diagram20200864_1"/>
+  <p:tag name="KSO_WM_TEMPLATE_SUBCATEGORY" val="11"/>
+  <p:tag name="KSO_WM_SLIDE_TYPE" val="text"/>
   <p:tag name="KSO_WM_SLIDE_SUBTYPE" val="pureTxt"/>
   <p:tag name="KSO_WM_SLIDE_ITEM_CNT" val="0"/>
   <p:tag name="KSO_WM_SLIDE_INDEX" val="1"/>
+  <p:tag name="KSO_WM_UNIT_SHOW_EDIT_AREA_INDICATION" val="1"/>
+  <p:tag name="KSO_WM_SLIDE_SIZE" val="864*454"/>
+  <p:tag name="KSO_WM_SLIDE_POSITION" val="47*37"/>
   <p:tag name="KSO_WM_TAG_VERSION" val="1.0"/>
-  <p:tag name="KSO_WM_BEAUTIFY_FLAG" val="#wm#"/>
-  <p:tag name="KSO_WM_TEMPLATE_CATEGORY" val="custom"/>
-  <p:tag name="KSO_WM_TEMPLATE_INDEX" val="20187308"/>
-  <p:tag name="KSO_WM_SLIDE_LAYOUT" val="a_b"/>
+  <p:tag name="KSO_WM_SLIDE_LAYOUT" val="a_f"/>
   <p:tag name="KSO_WM_SLIDE_LAYOUT_CNT" val="1_1"/>
-  <p:tag name="KSO_WM_SLIDE_MODEL_TYPE" val="cover"/>
+  <p:tag name="KSO_WM_SLIDE_LAYOUT_INFO" val="{&quot;direction&quot;:0,&quot;horizontalAlign&quot;:-1,&quot;verticalAlign&quot;:-1,&quot;type&quot;:0,&quot;diagramDirection&quot;:0,&quot;canSetOverLayout&quot;:0,&quot;isOverLayout&quot;:0,&quot;normalSize&quot;:{&quot;size1&quot;:26.0},&quot;minSize&quot;:{&quot;size1&quot;:26.0},&quot;maxSize&quot;:{&quot;size1&quot;:26.0},&quot;edge&quot;:{&quot;left&quot;:true,&quot;top&quot;:true,&quot;right&quot;:true,&quot;bottom&quot;:true},&quot;backgroundInfo&quot;:[{&quot;type&quot;:&quot;general&quot;,&quot;left&quot;:0.0,&quot;top&quot;:0.0,&quot;right&quot;:0.0,&quot;bottom&quot;:0.0},{&quot;type&quot;:&quot;frame&quot;,&quot;left&quot;:0.0,&quot;top&quot;:0.0,&quot;right&quot;:0.0,&quot;bottom&quot;:0.0}],&quot;subLayout&quot;:[{&quot;direction&quot;:0,&quot;horizontalAlign&quot;:0,&quot;verticalAlign&quot;:1,&quot;type&quot;:0,&quot;diagramDirection&quot;:0,&quot;canSetOverLayout&quot;:0,&quot;isOverLayout&quot;:0,&quot;margin&quot;:{&quot;left&quot;:1.69,&quot;top&quot;:1.319,&quot;right&quot;:1.69,&quot;bottom&quot;:0.163},&quot;edge&quot;:{&quot;left&quot;:true,&quot;top&quot;:true,&quot;right&quot;:true,&quot;bottom&quot;:false}},{&quot;direction&quot;:0,&quot;horizontalAlign&quot;:0,&quot;verticalAlign&quot;:1,&quot;type&quot;:0,&quot;diagramDirection&quot;:0,&quot;canSetOverLayout&quot;:0,&quot;isOverLayout&quot;:0,&quot;margin&quot;:{&quot;left&quot;:1.69,&quot;top&quot;:0.026,&quot;right&quot;:1.69,&quot;bottom&quot;:1.69},&quot;edge&quot;:{&quot;left&quot;:true,&quot;top&quot;:false,&quot;right&quot;:true,&quot;bottom&quot;:true}}]}"/>
+  <p:tag name="KSO_WM_SLIDE_CAN_ADD_NAVIGATION" val="1"/>
+  <p:tag name="KSO_WM_SLIDE_BACKGROUND" val="[&quot;general&quot;,&quot;frame&quot;]"/>
+  <p:tag name="KSO_WM_SLIDE_RATIO" val="1.777778"/>
+  <p:tag name="KSO_WM_TEMPLATE_MASTER_TYPE" val="0"/>
+  <p:tag name="KSO_WM_TEMPLATE_COLOR_TYPE" val="1"/>
 </p:tagLst>
 </file>
 
-<file path=ppt/tags/tag65.xml><?xml version="1.0" encoding="utf-8"?>
+<file path=ppt/tags/tag101.xml><?xml version="1.0" encoding="utf-8"?>
 <p:tagLst xmlns:p="http://schemas.openxmlformats.org/presentationml/2006/main">
   <p:tag name="KSO_WM_UNIT_ISCONTENTSTITLE" val="0"/>
   <p:tag name="KSO_WM_UNIT_PRESET_TEXT" val="点击输入大标题"/>
@@ -8277,7 +9525,7 @@
 </p:tagLst>
 </file>
 
-<file path=ppt/tags/tag66.xml><?xml version="1.0" encoding="utf-8"?>
+<file path=ppt/tags/tag102.xml><?xml version="1.0" encoding="utf-8"?>
 <p:tagLst xmlns:p="http://schemas.openxmlformats.org/presentationml/2006/main">
   <p:tag name="KSO_WM_BEAUTIFY_FLAG" val="#wm#"/>
   <p:tag name="KSO_WM_TEMPLATE_CATEGORY" val="diagram"/>
@@ -8300,6 +9548,915 @@
   <p:tag name="KSO_WM_SLIDE_RATIO" val="1.777778"/>
   <p:tag name="KSO_WM_TEMPLATE_MASTER_TYPE" val="0"/>
   <p:tag name="KSO_WM_TEMPLATE_COLOR_TYPE" val="1"/>
+</p:tagLst>
+</file>
+
+<file path=ppt/tags/tag103.xml><?xml version="1.0" encoding="utf-8"?>
+<p:tagLst xmlns:p="http://schemas.openxmlformats.org/presentationml/2006/main">
+  <p:tag name="KSO_WM_UNIT_ISCONTENTSTITLE" val="0"/>
+  <p:tag name="KSO_WM_UNIT_PRESET_TEXT" val="点击输入大标题"/>
+  <p:tag name="KSO_WM_UNIT_NOCLEAR" val="0"/>
+  <p:tag name="KSO_WM_UNIT_SHOW_EDIT_AREA_INDICATION" val="1"/>
+  <p:tag name="KSO_WM_UNIT_VALUE" val="52"/>
+  <p:tag name="KSO_WM_UNIT_HIGHLIGHT" val="0"/>
+  <p:tag name="KSO_WM_UNIT_COMPATIBLE" val="0"/>
+  <p:tag name="KSO_WM_UNIT_DIAGRAM_ISNUMVISUAL" val="0"/>
+  <p:tag name="KSO_WM_UNIT_DIAGRAM_ISREFERUNIT" val="0"/>
+  <p:tag name="KSO_WM_UNIT_TYPE" val="a"/>
+  <p:tag name="KSO_WM_UNIT_INDEX" val="1"/>
+  <p:tag name="KSO_WM_UNIT_ID" val="diagram20200864_1*a*1"/>
+  <p:tag name="KSO_WM_TEMPLATE_CATEGORY" val="diagram"/>
+  <p:tag name="KSO_WM_TEMPLATE_INDEX" val="20200864"/>
+  <p:tag name="KSO_WM_UNIT_LAYERLEVEL" val="1"/>
+  <p:tag name="KSO_WM_TAG_VERSION" val="1.0"/>
+  <p:tag name="KSO_WM_BEAUTIFY_FLAG" val="#wm#"/>
+  <p:tag name="KSO_WM_UNIT_DEFAULT_FONT" val="32;36;4"/>
+  <p:tag name="KSO_WM_UNIT_BLOCK" val="0"/>
+  <p:tag name="KSO_WM_UNIT_ISNUMDGMTITLE" val="0"/>
+  <p:tag name="KSO_WM_UNIT_PLACING_PICTURE_MD4" val="0"/>
+</p:tagLst>
+</file>
+
+<file path=ppt/tags/tag104.xml><?xml version="1.0" encoding="utf-8"?>
+<p:tagLst xmlns:p="http://schemas.openxmlformats.org/presentationml/2006/main">
+  <p:tag name="KSO_WM_BEAUTIFY_FLAG" val="#wm#"/>
+  <p:tag name="KSO_WM_TEMPLATE_CATEGORY" val="diagram"/>
+  <p:tag name="KSO_WM_TEMPLATE_INDEX" val="20200864"/>
+  <p:tag name="KSO_WM_SLIDE_ID" val="diagram20200864_1"/>
+  <p:tag name="KSO_WM_TEMPLATE_SUBCATEGORY" val="11"/>
+  <p:tag name="KSO_WM_SLIDE_TYPE" val="text"/>
+  <p:tag name="KSO_WM_SLIDE_SUBTYPE" val="pureTxt"/>
+  <p:tag name="KSO_WM_SLIDE_ITEM_CNT" val="0"/>
+  <p:tag name="KSO_WM_SLIDE_INDEX" val="1"/>
+  <p:tag name="KSO_WM_UNIT_SHOW_EDIT_AREA_INDICATION" val="1"/>
+  <p:tag name="KSO_WM_SLIDE_SIZE" val="864*454"/>
+  <p:tag name="KSO_WM_SLIDE_POSITION" val="47*37"/>
+  <p:tag name="KSO_WM_TAG_VERSION" val="1.0"/>
+  <p:tag name="KSO_WM_SLIDE_LAYOUT" val="a_f"/>
+  <p:tag name="KSO_WM_SLIDE_LAYOUT_CNT" val="1_1"/>
+  <p:tag name="KSO_WM_SLIDE_LAYOUT_INFO" val="{&quot;direction&quot;:0,&quot;horizontalAlign&quot;:-1,&quot;verticalAlign&quot;:-1,&quot;type&quot;:0,&quot;diagramDirection&quot;:0,&quot;canSetOverLayout&quot;:0,&quot;isOverLayout&quot;:0,&quot;normalSize&quot;:{&quot;size1&quot;:26.0},&quot;minSize&quot;:{&quot;size1&quot;:26.0},&quot;maxSize&quot;:{&quot;size1&quot;:26.0},&quot;edge&quot;:{&quot;left&quot;:true,&quot;top&quot;:true,&quot;right&quot;:true,&quot;bottom&quot;:true},&quot;backgroundInfo&quot;:[{&quot;type&quot;:&quot;general&quot;,&quot;left&quot;:0.0,&quot;top&quot;:0.0,&quot;right&quot;:0.0,&quot;bottom&quot;:0.0},{&quot;type&quot;:&quot;frame&quot;,&quot;left&quot;:0.0,&quot;top&quot;:0.0,&quot;right&quot;:0.0,&quot;bottom&quot;:0.0}],&quot;subLayout&quot;:[{&quot;direction&quot;:0,&quot;horizontalAlign&quot;:0,&quot;verticalAlign&quot;:1,&quot;type&quot;:0,&quot;diagramDirection&quot;:0,&quot;canSetOverLayout&quot;:0,&quot;isOverLayout&quot;:0,&quot;margin&quot;:{&quot;left&quot;:1.69,&quot;top&quot;:1.319,&quot;right&quot;:1.69,&quot;bottom&quot;:0.163},&quot;edge&quot;:{&quot;left&quot;:true,&quot;top&quot;:true,&quot;right&quot;:true,&quot;bottom&quot;:false}},{&quot;direction&quot;:0,&quot;horizontalAlign&quot;:0,&quot;verticalAlign&quot;:1,&quot;type&quot;:0,&quot;diagramDirection&quot;:0,&quot;canSetOverLayout&quot;:0,&quot;isOverLayout&quot;:0,&quot;margin&quot;:{&quot;left&quot;:1.69,&quot;top&quot;:0.026,&quot;right&quot;:1.69,&quot;bottom&quot;:1.69},&quot;edge&quot;:{&quot;left&quot;:true,&quot;top&quot;:false,&quot;right&quot;:true,&quot;bottom&quot;:true}}]}"/>
+  <p:tag name="KSO_WM_SLIDE_CAN_ADD_NAVIGATION" val="1"/>
+  <p:tag name="KSO_WM_SLIDE_BACKGROUND" val="[&quot;general&quot;,&quot;frame&quot;]"/>
+  <p:tag name="KSO_WM_SLIDE_RATIO" val="1.777778"/>
+  <p:tag name="KSO_WM_TEMPLATE_MASTER_TYPE" val="0"/>
+  <p:tag name="KSO_WM_TEMPLATE_COLOR_TYPE" val="1"/>
+</p:tagLst>
+</file>
+
+<file path=ppt/tags/tag105.xml><?xml version="1.0" encoding="utf-8"?>
+<p:tagLst xmlns:p="http://schemas.openxmlformats.org/presentationml/2006/main">
+  <p:tag name="KSO_WM_BEAUTIFY_FLAG" val="#wm#"/>
+  <p:tag name="KSO_WM_TEMPLATE_CATEGORY" val="diagram"/>
+  <p:tag name="KSO_WM_TEMPLATE_INDEX" val="20200864"/>
+  <p:tag name="KSO_WM_SLIDE_ID" val="diagram20200864_1"/>
+  <p:tag name="KSO_WM_TEMPLATE_SUBCATEGORY" val="11"/>
+  <p:tag name="KSO_WM_SLIDE_TYPE" val="text"/>
+  <p:tag name="KSO_WM_SLIDE_SUBTYPE" val="pureTxt"/>
+  <p:tag name="KSO_WM_SLIDE_ITEM_CNT" val="0"/>
+  <p:tag name="KSO_WM_SLIDE_INDEX" val="1"/>
+  <p:tag name="KSO_WM_UNIT_SHOW_EDIT_AREA_INDICATION" val="1"/>
+  <p:tag name="KSO_WM_SLIDE_SIZE" val="864*454"/>
+  <p:tag name="KSO_WM_SLIDE_POSITION" val="47*37"/>
+  <p:tag name="KSO_WM_TAG_VERSION" val="1.0"/>
+  <p:tag name="KSO_WM_SLIDE_LAYOUT" val="a_f"/>
+  <p:tag name="KSO_WM_SLIDE_LAYOUT_CNT" val="1_1"/>
+  <p:tag name="KSO_WM_SLIDE_LAYOUT_INFO" val="{&quot;direction&quot;:0,&quot;horizontalAlign&quot;:-1,&quot;verticalAlign&quot;:-1,&quot;type&quot;:0,&quot;diagramDirection&quot;:0,&quot;canSetOverLayout&quot;:0,&quot;isOverLayout&quot;:0,&quot;normalSize&quot;:{&quot;size1&quot;:26.0},&quot;minSize&quot;:{&quot;size1&quot;:26.0},&quot;maxSize&quot;:{&quot;size1&quot;:26.0},&quot;edge&quot;:{&quot;left&quot;:true,&quot;top&quot;:true,&quot;right&quot;:true,&quot;bottom&quot;:true},&quot;backgroundInfo&quot;:[{&quot;type&quot;:&quot;general&quot;,&quot;left&quot;:0.0,&quot;top&quot;:0.0,&quot;right&quot;:0.0,&quot;bottom&quot;:0.0},{&quot;type&quot;:&quot;frame&quot;,&quot;left&quot;:0.0,&quot;top&quot;:0.0,&quot;right&quot;:0.0,&quot;bottom&quot;:0.0}],&quot;subLayout&quot;:[{&quot;direction&quot;:0,&quot;horizontalAlign&quot;:0,&quot;verticalAlign&quot;:1,&quot;type&quot;:0,&quot;diagramDirection&quot;:0,&quot;canSetOverLayout&quot;:0,&quot;isOverLayout&quot;:0,&quot;margin&quot;:{&quot;left&quot;:1.69,&quot;top&quot;:1.319,&quot;right&quot;:1.69,&quot;bottom&quot;:0.163},&quot;edge&quot;:{&quot;left&quot;:true,&quot;top&quot;:true,&quot;right&quot;:true,&quot;bottom&quot;:false}},{&quot;direction&quot;:0,&quot;horizontalAlign&quot;:0,&quot;verticalAlign&quot;:1,&quot;type&quot;:0,&quot;diagramDirection&quot;:0,&quot;canSetOverLayout&quot;:0,&quot;isOverLayout&quot;:0,&quot;margin&quot;:{&quot;left&quot;:1.69,&quot;top&quot;:0.026,&quot;right&quot;:1.69,&quot;bottom&quot;:1.69},&quot;edge&quot;:{&quot;left&quot;:true,&quot;top&quot;:false,&quot;right&quot;:true,&quot;bottom&quot;:true}}]}"/>
+  <p:tag name="KSO_WM_SLIDE_CAN_ADD_NAVIGATION" val="1"/>
+  <p:tag name="KSO_WM_SLIDE_BACKGROUND" val="[&quot;general&quot;,&quot;frame&quot;]"/>
+  <p:tag name="KSO_WM_SLIDE_RATIO" val="1.777778"/>
+  <p:tag name="KSO_WM_TEMPLATE_MASTER_TYPE" val="0"/>
+  <p:tag name="KSO_WM_TEMPLATE_COLOR_TYPE" val="1"/>
+</p:tagLst>
+</file>
+
+<file path=ppt/tags/tag11.xml><?xml version="1.0" encoding="utf-8"?>
+<p:tagLst xmlns:p="http://schemas.openxmlformats.org/presentationml/2006/main">
+  <p:tag name="KSO_WM_UNIT_HIGHLIGHT" val="0"/>
+  <p:tag name="KSO_WM_UNIT_COMPATIBLE" val="0"/>
+  <p:tag name="KSO_WM_UNIT_DIAGRAM_ISNUMVISUAL" val="0"/>
+  <p:tag name="KSO_WM_UNIT_DIAGRAM_ISREFERUNIT" val="0"/>
+  <p:tag name="KSO_WM_UNIT_ID" val="_3**"/>
+  <p:tag name="KSO_WM_UNIT_LAYERLEVEL" val="1"/>
+  <p:tag name="KSO_WM_TAG_VERSION" val="1.0"/>
+  <p:tag name="KSO_WM_BEAUTIFY_FLAG" val="#wm#"/>
+</p:tagLst>
+</file>
+
+<file path=ppt/tags/tag12.xml><?xml version="1.0" encoding="utf-8"?>
+<p:tagLst xmlns:p="http://schemas.openxmlformats.org/presentationml/2006/main">
+  <p:tag name="KSO_WM_UNIT_HIGHLIGHT" val="0"/>
+  <p:tag name="KSO_WM_UNIT_COMPATIBLE" val="0"/>
+  <p:tag name="KSO_WM_UNIT_DIAGRAM_ISNUMVISUAL" val="0"/>
+  <p:tag name="KSO_WM_UNIT_DIAGRAM_ISREFERUNIT" val="0"/>
+  <p:tag name="KSO_WM_UNIT_ID" val="_3**"/>
+  <p:tag name="KSO_WM_UNIT_LAYERLEVEL" val="1"/>
+  <p:tag name="KSO_WM_TAG_VERSION" val="1.0"/>
+  <p:tag name="KSO_WM_BEAUTIFY_FLAG" val="#wm#"/>
+</p:tagLst>
+</file>
+
+<file path=ppt/tags/tag13.xml><?xml version="1.0" encoding="utf-8"?>
+<p:tagLst xmlns:p="http://schemas.openxmlformats.org/presentationml/2006/main">
+  <p:tag name="KSO_WM_UNIT_HIGHLIGHT" val="0"/>
+  <p:tag name="KSO_WM_UNIT_COMPATIBLE" val="0"/>
+  <p:tag name="KSO_WM_UNIT_DIAGRAM_ISNUMVISUAL" val="0"/>
+  <p:tag name="KSO_WM_UNIT_DIAGRAM_ISREFERUNIT" val="0"/>
+  <p:tag name="KSO_WM_UNIT_ID" val="_3**"/>
+  <p:tag name="KSO_WM_UNIT_LAYERLEVEL" val="1"/>
+  <p:tag name="KSO_WM_TAG_VERSION" val="1.0"/>
+  <p:tag name="KSO_WM_BEAUTIFY_FLAG" val="#wm#"/>
+</p:tagLst>
+</file>
+
+<file path=ppt/tags/tag14.xml><?xml version="1.0" encoding="utf-8"?>
+<p:tagLst xmlns:p="http://schemas.openxmlformats.org/presentationml/2006/main">
+  <p:tag name="KSO_WM_UNIT_HIGHLIGHT" val="0"/>
+  <p:tag name="KSO_WM_UNIT_COMPATIBLE" val="0"/>
+  <p:tag name="KSO_WM_UNIT_DIAGRAM_ISNUMVISUAL" val="0"/>
+  <p:tag name="KSO_WM_UNIT_DIAGRAM_ISREFERUNIT" val="0"/>
+  <p:tag name="KSO_WM_UNIT_ID" val="_3**"/>
+  <p:tag name="KSO_WM_UNIT_LAYERLEVEL" val="1"/>
+  <p:tag name="KSO_WM_TAG_VERSION" val="1.0"/>
+  <p:tag name="KSO_WM_BEAUTIFY_FLAG" val="#wm#"/>
+</p:tagLst>
+</file>
+
+<file path=ppt/tags/tag15.xml><?xml version="1.0" encoding="utf-8"?>
+<p:tagLst xmlns:p="http://schemas.openxmlformats.org/presentationml/2006/main">
+  <p:tag name="KSO_WM_UNIT_HIGHLIGHT" val="0"/>
+  <p:tag name="KSO_WM_UNIT_COMPATIBLE" val="0"/>
+  <p:tag name="KSO_WM_UNIT_DIAGRAM_ISNUMVISUAL" val="0"/>
+  <p:tag name="KSO_WM_UNIT_DIAGRAM_ISREFERUNIT" val="0"/>
+  <p:tag name="KSO_WM_UNIT_ID" val="_3**"/>
+  <p:tag name="KSO_WM_UNIT_LAYERLEVEL" val="1"/>
+  <p:tag name="KSO_WM_TAG_VERSION" val="1.0"/>
+  <p:tag name="KSO_WM_BEAUTIFY_FLAG" val="#wm#"/>
+</p:tagLst>
+</file>
+
+<file path=ppt/tags/tag16.xml><?xml version="1.0" encoding="utf-8"?>
+<p:tagLst xmlns:p="http://schemas.openxmlformats.org/presentationml/2006/main">
+  <p:tag name="KSO_WM_UNIT_HIGHLIGHT" val="0"/>
+  <p:tag name="KSO_WM_UNIT_COMPATIBLE" val="0"/>
+  <p:tag name="KSO_WM_UNIT_DIAGRAM_ISNUMVISUAL" val="0"/>
+  <p:tag name="KSO_WM_UNIT_DIAGRAM_ISREFERUNIT" val="0"/>
+  <p:tag name="KSO_WM_UNIT_ID" val="_4**"/>
+  <p:tag name="KSO_WM_UNIT_LAYERLEVEL" val="1"/>
+  <p:tag name="KSO_WM_TAG_VERSION" val="1.0"/>
+  <p:tag name="KSO_WM_BEAUTIFY_FLAG" val="#wm#"/>
+</p:tagLst>
+</file>
+
+<file path=ppt/tags/tag17.xml><?xml version="1.0" encoding="utf-8"?>
+<p:tagLst xmlns:p="http://schemas.openxmlformats.org/presentationml/2006/main">
+  <p:tag name="KSO_WM_UNIT_HIGHLIGHT" val="0"/>
+  <p:tag name="KSO_WM_UNIT_COMPATIBLE" val="0"/>
+  <p:tag name="KSO_WM_UNIT_DIAGRAM_ISNUMVISUAL" val="0"/>
+  <p:tag name="KSO_WM_UNIT_DIAGRAM_ISREFERUNIT" val="0"/>
+  <p:tag name="KSO_WM_UNIT_ID" val="_4**"/>
+  <p:tag name="KSO_WM_UNIT_LAYERLEVEL" val="1"/>
+  <p:tag name="KSO_WM_TAG_VERSION" val="1.0"/>
+  <p:tag name="KSO_WM_BEAUTIFY_FLAG" val="#wm#"/>
+</p:tagLst>
+</file>
+
+<file path=ppt/tags/tag18.xml><?xml version="1.0" encoding="utf-8"?>
+<p:tagLst xmlns:p="http://schemas.openxmlformats.org/presentationml/2006/main">
+  <p:tag name="KSO_WM_UNIT_HIGHLIGHT" val="0"/>
+  <p:tag name="KSO_WM_UNIT_COMPATIBLE" val="0"/>
+  <p:tag name="KSO_WM_UNIT_DIAGRAM_ISNUMVISUAL" val="0"/>
+  <p:tag name="KSO_WM_UNIT_DIAGRAM_ISREFERUNIT" val="0"/>
+  <p:tag name="KSO_WM_UNIT_ID" val="_4**"/>
+  <p:tag name="KSO_WM_UNIT_LAYERLEVEL" val="1"/>
+  <p:tag name="KSO_WM_TAG_VERSION" val="1.0"/>
+  <p:tag name="KSO_WM_BEAUTIFY_FLAG" val="#wm#"/>
+</p:tagLst>
+</file>
+
+<file path=ppt/tags/tag19.xml><?xml version="1.0" encoding="utf-8"?>
+<p:tagLst xmlns:p="http://schemas.openxmlformats.org/presentationml/2006/main">
+  <p:tag name="KSO_WM_UNIT_HIGHLIGHT" val="0"/>
+  <p:tag name="KSO_WM_UNIT_COMPATIBLE" val="0"/>
+  <p:tag name="KSO_WM_UNIT_DIAGRAM_ISNUMVISUAL" val="0"/>
+  <p:tag name="KSO_WM_UNIT_DIAGRAM_ISREFERUNIT" val="0"/>
+  <p:tag name="KSO_WM_UNIT_ID" val="_4**"/>
+  <p:tag name="KSO_WM_UNIT_LAYERLEVEL" val="1"/>
+  <p:tag name="KSO_WM_TAG_VERSION" val="1.0"/>
+  <p:tag name="KSO_WM_BEAUTIFY_FLAG" val="#wm#"/>
+</p:tagLst>
+</file>
+
+<file path=ppt/tags/tag2.xml><?xml version="1.0" encoding="utf-8"?>
+<p:tagLst xmlns:p="http://schemas.openxmlformats.org/presentationml/2006/main">
+  <p:tag name="KSO_WM_UNIT_HIGHLIGHT" val="0"/>
+  <p:tag name="KSO_WM_UNIT_COMPATIBLE" val="0"/>
+  <p:tag name="KSO_WM_UNIT_DIAGRAM_ISNUMVISUAL" val="0"/>
+  <p:tag name="KSO_WM_UNIT_DIAGRAM_ISREFERUNIT" val="0"/>
+  <p:tag name="KSO_WM_UNIT_ID" val="_1**"/>
+  <p:tag name="KSO_WM_UNIT_LAYERLEVEL" val="1"/>
+  <p:tag name="KSO_WM_TAG_VERSION" val="1.0"/>
+  <p:tag name="KSO_WM_BEAUTIFY_FLAG" val="#wm#"/>
+</p:tagLst>
+</file>
+
+<file path=ppt/tags/tag20.xml><?xml version="1.0" encoding="utf-8"?>
+<p:tagLst xmlns:p="http://schemas.openxmlformats.org/presentationml/2006/main">
+  <p:tag name="KSO_WM_UNIT_HIGHLIGHT" val="0"/>
+  <p:tag name="KSO_WM_UNIT_COMPATIBLE" val="0"/>
+  <p:tag name="KSO_WM_UNIT_DIAGRAM_ISNUMVISUAL" val="0"/>
+  <p:tag name="KSO_WM_UNIT_DIAGRAM_ISREFERUNIT" val="0"/>
+  <p:tag name="KSO_WM_UNIT_ID" val="_4**"/>
+  <p:tag name="KSO_WM_UNIT_LAYERLEVEL" val="1"/>
+  <p:tag name="KSO_WM_TAG_VERSION" val="1.0"/>
+  <p:tag name="KSO_WM_BEAUTIFY_FLAG" val="#wm#"/>
+</p:tagLst>
+</file>
+
+<file path=ppt/tags/tag21.xml><?xml version="1.0" encoding="utf-8"?>
+<p:tagLst xmlns:p="http://schemas.openxmlformats.org/presentationml/2006/main">
+  <p:tag name="KSO_WM_UNIT_HIGHLIGHT" val="0"/>
+  <p:tag name="KSO_WM_UNIT_COMPATIBLE" val="0"/>
+  <p:tag name="KSO_WM_UNIT_DIAGRAM_ISNUMVISUAL" val="0"/>
+  <p:tag name="KSO_WM_UNIT_DIAGRAM_ISREFERUNIT" val="0"/>
+  <p:tag name="KSO_WM_UNIT_ID" val="_4**"/>
+  <p:tag name="KSO_WM_UNIT_LAYERLEVEL" val="1"/>
+  <p:tag name="KSO_WM_TAG_VERSION" val="1.0"/>
+  <p:tag name="KSO_WM_BEAUTIFY_FLAG" val="#wm#"/>
+</p:tagLst>
+</file>
+
+<file path=ppt/tags/tag22.xml><?xml version="1.0" encoding="utf-8"?>
+<p:tagLst xmlns:p="http://schemas.openxmlformats.org/presentationml/2006/main">
+  <p:tag name="KSO_WM_UNIT_HIGHLIGHT" val="0"/>
+  <p:tag name="KSO_WM_UNIT_COMPATIBLE" val="0"/>
+  <p:tag name="KSO_WM_UNIT_DIAGRAM_ISNUMVISUAL" val="0"/>
+  <p:tag name="KSO_WM_UNIT_DIAGRAM_ISREFERUNIT" val="0"/>
+  <p:tag name="KSO_WM_UNIT_ID" val="_5**"/>
+  <p:tag name="KSO_WM_UNIT_LAYERLEVEL" val="1"/>
+  <p:tag name="KSO_WM_TAG_VERSION" val="1.0"/>
+  <p:tag name="KSO_WM_BEAUTIFY_FLAG" val="#wm#"/>
+</p:tagLst>
+</file>
+
+<file path=ppt/tags/tag23.xml><?xml version="1.0" encoding="utf-8"?>
+<p:tagLst xmlns:p="http://schemas.openxmlformats.org/presentationml/2006/main">
+  <p:tag name="KSO_WM_UNIT_HIGHLIGHT" val="0"/>
+  <p:tag name="KSO_WM_UNIT_COMPATIBLE" val="0"/>
+  <p:tag name="KSO_WM_UNIT_DIAGRAM_ISNUMVISUAL" val="0"/>
+  <p:tag name="KSO_WM_UNIT_DIAGRAM_ISREFERUNIT" val="0"/>
+  <p:tag name="KSO_WM_UNIT_ID" val="_5**"/>
+  <p:tag name="KSO_WM_UNIT_LAYERLEVEL" val="1"/>
+  <p:tag name="KSO_WM_TAG_VERSION" val="1.0"/>
+  <p:tag name="KSO_WM_BEAUTIFY_FLAG" val="#wm#"/>
+</p:tagLst>
+</file>
+
+<file path=ppt/tags/tag24.xml><?xml version="1.0" encoding="utf-8"?>
+<p:tagLst xmlns:p="http://schemas.openxmlformats.org/presentationml/2006/main">
+  <p:tag name="KSO_WM_UNIT_HIGHLIGHT" val="0"/>
+  <p:tag name="KSO_WM_UNIT_COMPATIBLE" val="0"/>
+  <p:tag name="KSO_WM_UNIT_DIAGRAM_ISNUMVISUAL" val="0"/>
+  <p:tag name="KSO_WM_UNIT_DIAGRAM_ISREFERUNIT" val="0"/>
+  <p:tag name="KSO_WM_UNIT_ID" val="_5**"/>
+  <p:tag name="KSO_WM_UNIT_LAYERLEVEL" val="1"/>
+  <p:tag name="KSO_WM_TAG_VERSION" val="1.0"/>
+  <p:tag name="KSO_WM_BEAUTIFY_FLAG" val="#wm#"/>
+</p:tagLst>
+</file>
+
+<file path=ppt/tags/tag25.xml><?xml version="1.0" encoding="utf-8"?>
+<p:tagLst xmlns:p="http://schemas.openxmlformats.org/presentationml/2006/main">
+  <p:tag name="KSO_WM_UNIT_HIGHLIGHT" val="0"/>
+  <p:tag name="KSO_WM_UNIT_COMPATIBLE" val="0"/>
+  <p:tag name="KSO_WM_UNIT_DIAGRAM_ISNUMVISUAL" val="0"/>
+  <p:tag name="KSO_WM_UNIT_DIAGRAM_ISREFERUNIT" val="0"/>
+  <p:tag name="KSO_WM_UNIT_ID" val="_5**"/>
+  <p:tag name="KSO_WM_UNIT_LAYERLEVEL" val="1"/>
+  <p:tag name="KSO_WM_TAG_VERSION" val="1.0"/>
+  <p:tag name="KSO_WM_BEAUTIFY_FLAG" val="#wm#"/>
+</p:tagLst>
+</file>
+
+<file path=ppt/tags/tag26.xml><?xml version="1.0" encoding="utf-8"?>
+<p:tagLst xmlns:p="http://schemas.openxmlformats.org/presentationml/2006/main">
+  <p:tag name="KSO_WM_UNIT_HIGHLIGHT" val="0"/>
+  <p:tag name="KSO_WM_UNIT_COMPATIBLE" val="0"/>
+  <p:tag name="KSO_WM_UNIT_DIAGRAM_ISNUMVISUAL" val="0"/>
+  <p:tag name="KSO_WM_UNIT_DIAGRAM_ISREFERUNIT" val="0"/>
+  <p:tag name="KSO_WM_UNIT_ID" val="_5**"/>
+  <p:tag name="KSO_WM_UNIT_LAYERLEVEL" val="1"/>
+  <p:tag name="KSO_WM_TAG_VERSION" val="1.0"/>
+  <p:tag name="KSO_WM_BEAUTIFY_FLAG" val="#wm#"/>
+</p:tagLst>
+</file>
+
+<file path=ppt/tags/tag27.xml><?xml version="1.0" encoding="utf-8"?>
+<p:tagLst xmlns:p="http://schemas.openxmlformats.org/presentationml/2006/main">
+  <p:tag name="KSO_WM_UNIT_HIGHLIGHT" val="0"/>
+  <p:tag name="KSO_WM_UNIT_COMPATIBLE" val="0"/>
+  <p:tag name="KSO_WM_UNIT_DIAGRAM_ISNUMVISUAL" val="0"/>
+  <p:tag name="KSO_WM_UNIT_DIAGRAM_ISREFERUNIT" val="0"/>
+  <p:tag name="KSO_WM_UNIT_ID" val="_5**"/>
+  <p:tag name="KSO_WM_UNIT_LAYERLEVEL" val="1"/>
+  <p:tag name="KSO_WM_TAG_VERSION" val="1.0"/>
+  <p:tag name="KSO_WM_BEAUTIFY_FLAG" val="#wm#"/>
+</p:tagLst>
+</file>
+
+<file path=ppt/tags/tag28.xml><?xml version="1.0" encoding="utf-8"?>
+<p:tagLst xmlns:p="http://schemas.openxmlformats.org/presentationml/2006/main">
+  <p:tag name="KSO_WM_UNIT_HIGHLIGHT" val="0"/>
+  <p:tag name="KSO_WM_UNIT_COMPATIBLE" val="0"/>
+  <p:tag name="KSO_WM_UNIT_DIAGRAM_ISNUMVISUAL" val="0"/>
+  <p:tag name="KSO_WM_UNIT_DIAGRAM_ISREFERUNIT" val="0"/>
+  <p:tag name="KSO_WM_UNIT_ID" val="_5**"/>
+  <p:tag name="KSO_WM_UNIT_LAYERLEVEL" val="1"/>
+  <p:tag name="KSO_WM_TAG_VERSION" val="1.0"/>
+  <p:tag name="KSO_WM_BEAUTIFY_FLAG" val="#wm#"/>
+</p:tagLst>
+</file>
+
+<file path=ppt/tags/tag29.xml><?xml version="1.0" encoding="utf-8"?>
+<p:tagLst xmlns:p="http://schemas.openxmlformats.org/presentationml/2006/main">
+  <p:tag name="KSO_WM_UNIT_HIGHLIGHT" val="0"/>
+  <p:tag name="KSO_WM_UNIT_COMPATIBLE" val="0"/>
+  <p:tag name="KSO_WM_UNIT_DIAGRAM_ISNUMVISUAL" val="0"/>
+  <p:tag name="KSO_WM_UNIT_DIAGRAM_ISREFERUNIT" val="0"/>
+  <p:tag name="KSO_WM_UNIT_ID" val="_5**"/>
+  <p:tag name="KSO_WM_UNIT_LAYERLEVEL" val="1"/>
+  <p:tag name="KSO_WM_TAG_VERSION" val="1.0"/>
+  <p:tag name="KSO_WM_BEAUTIFY_FLAG" val="#wm#"/>
+</p:tagLst>
+</file>
+
+<file path=ppt/tags/tag3.xml><?xml version="1.0" encoding="utf-8"?>
+<p:tagLst xmlns:p="http://schemas.openxmlformats.org/presentationml/2006/main">
+  <p:tag name="KSO_WM_UNIT_HIGHLIGHT" val="0"/>
+  <p:tag name="KSO_WM_UNIT_COMPATIBLE" val="0"/>
+  <p:tag name="KSO_WM_UNIT_DIAGRAM_ISNUMVISUAL" val="0"/>
+  <p:tag name="KSO_WM_UNIT_DIAGRAM_ISREFERUNIT" val="0"/>
+  <p:tag name="KSO_WM_UNIT_ID" val="_1**"/>
+  <p:tag name="KSO_WM_UNIT_LAYERLEVEL" val="1"/>
+  <p:tag name="KSO_WM_TAG_VERSION" val="1.0"/>
+  <p:tag name="KSO_WM_BEAUTIFY_FLAG" val="#wm#"/>
+</p:tagLst>
+</file>
+
+<file path=ppt/tags/tag30.xml><?xml version="1.0" encoding="utf-8"?>
+<p:tagLst xmlns:p="http://schemas.openxmlformats.org/presentationml/2006/main">
+  <p:tag name="KSO_WM_UNIT_HIGHLIGHT" val="0"/>
+  <p:tag name="KSO_WM_UNIT_COMPATIBLE" val="0"/>
+  <p:tag name="KSO_WM_UNIT_DIAGRAM_ISNUMVISUAL" val="0"/>
+  <p:tag name="KSO_WM_UNIT_DIAGRAM_ISREFERUNIT" val="0"/>
+  <p:tag name="KSO_WM_UNIT_ID" val="_6**"/>
+  <p:tag name="KSO_WM_UNIT_LAYERLEVEL" val="1"/>
+  <p:tag name="KSO_WM_TAG_VERSION" val="1.0"/>
+  <p:tag name="KSO_WM_BEAUTIFY_FLAG" val="#wm#"/>
+</p:tagLst>
+</file>
+
+<file path=ppt/tags/tag31.xml><?xml version="1.0" encoding="utf-8"?>
+<p:tagLst xmlns:p="http://schemas.openxmlformats.org/presentationml/2006/main">
+  <p:tag name="KSO_WM_UNIT_HIGHLIGHT" val="0"/>
+  <p:tag name="KSO_WM_UNIT_COMPATIBLE" val="0"/>
+  <p:tag name="KSO_WM_UNIT_DIAGRAM_ISNUMVISUAL" val="0"/>
+  <p:tag name="KSO_WM_UNIT_DIAGRAM_ISREFERUNIT" val="0"/>
+  <p:tag name="KSO_WM_UNIT_ID" val="_6**"/>
+  <p:tag name="KSO_WM_UNIT_LAYERLEVEL" val="1"/>
+  <p:tag name="KSO_WM_TAG_VERSION" val="1.0"/>
+  <p:tag name="KSO_WM_BEAUTIFY_FLAG" val="#wm#"/>
+</p:tagLst>
+</file>
+
+<file path=ppt/tags/tag32.xml><?xml version="1.0" encoding="utf-8"?>
+<p:tagLst xmlns:p="http://schemas.openxmlformats.org/presentationml/2006/main">
+  <p:tag name="KSO_WM_UNIT_HIGHLIGHT" val="0"/>
+  <p:tag name="KSO_WM_UNIT_COMPATIBLE" val="0"/>
+  <p:tag name="KSO_WM_UNIT_DIAGRAM_ISNUMVISUAL" val="0"/>
+  <p:tag name="KSO_WM_UNIT_DIAGRAM_ISREFERUNIT" val="0"/>
+  <p:tag name="KSO_WM_UNIT_ID" val="_6**"/>
+  <p:tag name="KSO_WM_UNIT_LAYERLEVEL" val="1"/>
+  <p:tag name="KSO_WM_TAG_VERSION" val="1.0"/>
+  <p:tag name="KSO_WM_BEAUTIFY_FLAG" val="#wm#"/>
+</p:tagLst>
+</file>
+
+<file path=ppt/tags/tag33.xml><?xml version="1.0" encoding="utf-8"?>
+<p:tagLst xmlns:p="http://schemas.openxmlformats.org/presentationml/2006/main">
+  <p:tag name="KSO_WM_UNIT_HIGHLIGHT" val="0"/>
+  <p:tag name="KSO_WM_UNIT_COMPATIBLE" val="0"/>
+  <p:tag name="KSO_WM_UNIT_DIAGRAM_ISNUMVISUAL" val="0"/>
+  <p:tag name="KSO_WM_UNIT_DIAGRAM_ISREFERUNIT" val="0"/>
+  <p:tag name="KSO_WM_UNIT_ID" val="_6**"/>
+  <p:tag name="KSO_WM_UNIT_LAYERLEVEL" val="1"/>
+  <p:tag name="KSO_WM_TAG_VERSION" val="1.0"/>
+  <p:tag name="KSO_WM_BEAUTIFY_FLAG" val="#wm#"/>
+</p:tagLst>
+</file>
+
+<file path=ppt/tags/tag34.xml><?xml version="1.0" encoding="utf-8"?>
+<p:tagLst xmlns:p="http://schemas.openxmlformats.org/presentationml/2006/main">
+  <p:tag name="KSO_WM_UNIT_HIGHLIGHT" val="0"/>
+  <p:tag name="KSO_WM_UNIT_COMPATIBLE" val="0"/>
+  <p:tag name="KSO_WM_UNIT_DIAGRAM_ISNUMVISUAL" val="0"/>
+  <p:tag name="KSO_WM_UNIT_DIAGRAM_ISREFERUNIT" val="0"/>
+  <p:tag name="KSO_WM_UNIT_ID" val="_7**"/>
+  <p:tag name="KSO_WM_UNIT_LAYERLEVEL" val="1"/>
+  <p:tag name="KSO_WM_TAG_VERSION" val="1.0"/>
+  <p:tag name="KSO_WM_BEAUTIFY_FLAG" val="#wm#"/>
+</p:tagLst>
+</file>
+
+<file path=ppt/tags/tag35.xml><?xml version="1.0" encoding="utf-8"?>
+<p:tagLst xmlns:p="http://schemas.openxmlformats.org/presentationml/2006/main">
+  <p:tag name="KSO_WM_UNIT_HIGHLIGHT" val="0"/>
+  <p:tag name="KSO_WM_UNIT_COMPATIBLE" val="0"/>
+  <p:tag name="KSO_WM_UNIT_DIAGRAM_ISNUMVISUAL" val="0"/>
+  <p:tag name="KSO_WM_UNIT_DIAGRAM_ISREFERUNIT" val="0"/>
+  <p:tag name="KSO_WM_UNIT_ID" val="_7**"/>
+  <p:tag name="KSO_WM_UNIT_LAYERLEVEL" val="1"/>
+  <p:tag name="KSO_WM_TAG_VERSION" val="1.0"/>
+  <p:tag name="KSO_WM_BEAUTIFY_FLAG" val="#wm#"/>
+</p:tagLst>
+</file>
+
+<file path=ppt/tags/tag36.xml><?xml version="1.0" encoding="utf-8"?>
+<p:tagLst xmlns:p="http://schemas.openxmlformats.org/presentationml/2006/main">
+  <p:tag name="KSO_WM_UNIT_HIGHLIGHT" val="0"/>
+  <p:tag name="KSO_WM_UNIT_COMPATIBLE" val="0"/>
+  <p:tag name="KSO_WM_UNIT_DIAGRAM_ISNUMVISUAL" val="0"/>
+  <p:tag name="KSO_WM_UNIT_DIAGRAM_ISREFERUNIT" val="0"/>
+  <p:tag name="KSO_WM_UNIT_ID" val="_7**"/>
+  <p:tag name="KSO_WM_UNIT_LAYERLEVEL" val="1"/>
+  <p:tag name="KSO_WM_TAG_VERSION" val="1.0"/>
+  <p:tag name="KSO_WM_BEAUTIFY_FLAG" val="#wm#"/>
+</p:tagLst>
+</file>
+
+<file path=ppt/tags/tag37.xml><?xml version="1.0" encoding="utf-8"?>
+<p:tagLst xmlns:p="http://schemas.openxmlformats.org/presentationml/2006/main">
+  <p:tag name="KSO_WM_UNIT_HIGHLIGHT" val="0"/>
+  <p:tag name="KSO_WM_UNIT_COMPATIBLE" val="0"/>
+  <p:tag name="KSO_WM_UNIT_DIAGRAM_ISNUMVISUAL" val="0"/>
+  <p:tag name="KSO_WM_UNIT_DIAGRAM_ISREFERUNIT" val="0"/>
+  <p:tag name="KSO_WM_UNIT_ID" val="_8**"/>
+  <p:tag name="KSO_WM_UNIT_LAYERLEVEL" val="1"/>
+  <p:tag name="KSO_WM_TAG_VERSION" val="1.0"/>
+  <p:tag name="KSO_WM_BEAUTIFY_FLAG" val="#wm#"/>
+</p:tagLst>
+</file>
+
+<file path=ppt/tags/tag38.xml><?xml version="1.0" encoding="utf-8"?>
+<p:tagLst xmlns:p="http://schemas.openxmlformats.org/presentationml/2006/main">
+  <p:tag name="KSO_WM_UNIT_HIGHLIGHT" val="0"/>
+  <p:tag name="KSO_WM_UNIT_COMPATIBLE" val="0"/>
+  <p:tag name="KSO_WM_UNIT_DIAGRAM_ISNUMVISUAL" val="0"/>
+  <p:tag name="KSO_WM_UNIT_DIAGRAM_ISREFERUNIT" val="0"/>
+  <p:tag name="KSO_WM_UNIT_ID" val="_8**"/>
+  <p:tag name="KSO_WM_UNIT_LAYERLEVEL" val="1"/>
+  <p:tag name="KSO_WM_TAG_VERSION" val="1.0"/>
+  <p:tag name="KSO_WM_BEAUTIFY_FLAG" val="#wm#"/>
+</p:tagLst>
+</file>
+
+<file path=ppt/tags/tag39.xml><?xml version="1.0" encoding="utf-8"?>
+<p:tagLst xmlns:p="http://schemas.openxmlformats.org/presentationml/2006/main">
+  <p:tag name="KSO_WM_UNIT_HIGHLIGHT" val="0"/>
+  <p:tag name="KSO_WM_UNIT_COMPATIBLE" val="0"/>
+  <p:tag name="KSO_WM_UNIT_DIAGRAM_ISNUMVISUAL" val="0"/>
+  <p:tag name="KSO_WM_UNIT_DIAGRAM_ISREFERUNIT" val="0"/>
+  <p:tag name="KSO_WM_UNIT_ID" val="_8**"/>
+  <p:tag name="KSO_WM_UNIT_LAYERLEVEL" val="1"/>
+  <p:tag name="KSO_WM_TAG_VERSION" val="1.0"/>
+  <p:tag name="KSO_WM_BEAUTIFY_FLAG" val="#wm#"/>
+</p:tagLst>
+</file>
+
+<file path=ppt/tags/tag4.xml><?xml version="1.0" encoding="utf-8"?>
+<p:tagLst xmlns:p="http://schemas.openxmlformats.org/presentationml/2006/main">
+  <p:tag name="KSO_WM_UNIT_HIGHLIGHT" val="0"/>
+  <p:tag name="KSO_WM_UNIT_COMPATIBLE" val="0"/>
+  <p:tag name="KSO_WM_UNIT_DIAGRAM_ISNUMVISUAL" val="0"/>
+  <p:tag name="KSO_WM_UNIT_DIAGRAM_ISREFERUNIT" val="0"/>
+  <p:tag name="KSO_WM_UNIT_ID" val="_1**"/>
+  <p:tag name="KSO_WM_UNIT_LAYERLEVEL" val="1"/>
+  <p:tag name="KSO_WM_TAG_VERSION" val="1.0"/>
+  <p:tag name="KSO_WM_BEAUTIFY_FLAG" val="#wm#"/>
+</p:tagLst>
+</file>
+
+<file path=ppt/tags/tag40.xml><?xml version="1.0" encoding="utf-8"?>
+<p:tagLst xmlns:p="http://schemas.openxmlformats.org/presentationml/2006/main">
+  <p:tag name="KSO_WM_UNIT_HIGHLIGHT" val="0"/>
+  <p:tag name="KSO_WM_UNIT_COMPATIBLE" val="0"/>
+  <p:tag name="KSO_WM_UNIT_DIAGRAM_ISNUMVISUAL" val="0"/>
+  <p:tag name="KSO_WM_UNIT_DIAGRAM_ISREFERUNIT" val="0"/>
+  <p:tag name="KSO_WM_UNIT_ID" val="_8**"/>
+  <p:tag name="KSO_WM_UNIT_LAYERLEVEL" val="1"/>
+  <p:tag name="KSO_WM_TAG_VERSION" val="1.0"/>
+  <p:tag name="KSO_WM_BEAUTIFY_FLAG" val="#wm#"/>
+</p:tagLst>
+</file>
+
+<file path=ppt/tags/tag41.xml><?xml version="1.0" encoding="utf-8"?>
+<p:tagLst xmlns:p="http://schemas.openxmlformats.org/presentationml/2006/main">
+  <p:tag name="KSO_WM_UNIT_HIGHLIGHT" val="0"/>
+  <p:tag name="KSO_WM_UNIT_COMPATIBLE" val="0"/>
+  <p:tag name="KSO_WM_UNIT_DIAGRAM_ISNUMVISUAL" val="0"/>
+  <p:tag name="KSO_WM_UNIT_DIAGRAM_ISREFERUNIT" val="0"/>
+  <p:tag name="KSO_WM_UNIT_ID" val="_8**"/>
+  <p:tag name="KSO_WM_UNIT_LAYERLEVEL" val="1"/>
+  <p:tag name="KSO_WM_TAG_VERSION" val="1.0"/>
+  <p:tag name="KSO_WM_BEAUTIFY_FLAG" val="#wm#"/>
+</p:tagLst>
+</file>
+
+<file path=ppt/tags/tag42.xml><?xml version="1.0" encoding="utf-8"?>
+<p:tagLst xmlns:p="http://schemas.openxmlformats.org/presentationml/2006/main">
+  <p:tag name="KSO_WM_UNIT_HIGHLIGHT" val="0"/>
+  <p:tag name="KSO_WM_UNIT_COMPATIBLE" val="0"/>
+  <p:tag name="KSO_WM_UNIT_DIAGRAM_ISNUMVISUAL" val="0"/>
+  <p:tag name="KSO_WM_UNIT_DIAGRAM_ISREFERUNIT" val="0"/>
+  <p:tag name="KSO_WM_UNIT_ID" val="_8**"/>
+  <p:tag name="KSO_WM_UNIT_LAYERLEVEL" val="1"/>
+  <p:tag name="KSO_WM_TAG_VERSION" val="1.0"/>
+  <p:tag name="KSO_WM_BEAUTIFY_FLAG" val="#wm#"/>
+</p:tagLst>
+</file>
+
+<file path=ppt/tags/tag43.xml><?xml version="1.0" encoding="utf-8"?>
+<p:tagLst xmlns:p="http://schemas.openxmlformats.org/presentationml/2006/main">
+  <p:tag name="KSO_WM_UNIT_HIGHLIGHT" val="0"/>
+  <p:tag name="KSO_WM_UNIT_COMPATIBLE" val="0"/>
+  <p:tag name="KSO_WM_UNIT_DIAGRAM_ISNUMVISUAL" val="0"/>
+  <p:tag name="KSO_WM_UNIT_DIAGRAM_ISREFERUNIT" val="0"/>
+  <p:tag name="KSO_WM_UNIT_ID" val="_9**"/>
+  <p:tag name="KSO_WM_UNIT_LAYERLEVEL" val="1"/>
+  <p:tag name="KSO_WM_TAG_VERSION" val="1.0"/>
+  <p:tag name="KSO_WM_BEAUTIFY_FLAG" val="#wm#"/>
+</p:tagLst>
+</file>
+
+<file path=ppt/tags/tag44.xml><?xml version="1.0" encoding="utf-8"?>
+<p:tagLst xmlns:p="http://schemas.openxmlformats.org/presentationml/2006/main">
+  <p:tag name="KSO_WM_UNIT_HIGHLIGHT" val="0"/>
+  <p:tag name="KSO_WM_UNIT_COMPATIBLE" val="0"/>
+  <p:tag name="KSO_WM_UNIT_DIAGRAM_ISNUMVISUAL" val="0"/>
+  <p:tag name="KSO_WM_UNIT_DIAGRAM_ISREFERUNIT" val="0"/>
+  <p:tag name="KSO_WM_UNIT_ID" val="_9**"/>
+  <p:tag name="KSO_WM_UNIT_LAYERLEVEL" val="1"/>
+  <p:tag name="KSO_WM_TAG_VERSION" val="1.0"/>
+  <p:tag name="KSO_WM_BEAUTIFY_FLAG" val="#wm#"/>
+</p:tagLst>
+</file>
+
+<file path=ppt/tags/tag45.xml><?xml version="1.0" encoding="utf-8"?>
+<p:tagLst xmlns:p="http://schemas.openxmlformats.org/presentationml/2006/main">
+  <p:tag name="KSO_WM_UNIT_HIGHLIGHT" val="0"/>
+  <p:tag name="KSO_WM_UNIT_COMPATIBLE" val="0"/>
+  <p:tag name="KSO_WM_UNIT_DIAGRAM_ISNUMVISUAL" val="0"/>
+  <p:tag name="KSO_WM_UNIT_DIAGRAM_ISREFERUNIT" val="0"/>
+  <p:tag name="KSO_WM_UNIT_ID" val="_9**"/>
+  <p:tag name="KSO_WM_UNIT_LAYERLEVEL" val="1"/>
+  <p:tag name="KSO_WM_TAG_VERSION" val="1.0"/>
+  <p:tag name="KSO_WM_BEAUTIFY_FLAG" val="#wm#"/>
+</p:tagLst>
+</file>
+
+<file path=ppt/tags/tag46.xml><?xml version="1.0" encoding="utf-8"?>
+<p:tagLst xmlns:p="http://schemas.openxmlformats.org/presentationml/2006/main">
+  <p:tag name="KSO_WM_UNIT_HIGHLIGHT" val="0"/>
+  <p:tag name="KSO_WM_UNIT_COMPATIBLE" val="0"/>
+  <p:tag name="KSO_WM_UNIT_DIAGRAM_ISNUMVISUAL" val="0"/>
+  <p:tag name="KSO_WM_UNIT_DIAGRAM_ISREFERUNIT" val="0"/>
+  <p:tag name="KSO_WM_UNIT_ID" val="_9**"/>
+  <p:tag name="KSO_WM_UNIT_LAYERLEVEL" val="1"/>
+  <p:tag name="KSO_WM_TAG_VERSION" val="1.0"/>
+  <p:tag name="KSO_WM_BEAUTIFY_FLAG" val="#wm#"/>
+</p:tagLst>
+</file>
+
+<file path=ppt/tags/tag47.xml><?xml version="1.0" encoding="utf-8"?>
+<p:tagLst xmlns:p="http://schemas.openxmlformats.org/presentationml/2006/main">
+  <p:tag name="KSO_WM_UNIT_HIGHLIGHT" val="0"/>
+  <p:tag name="KSO_WM_UNIT_COMPATIBLE" val="0"/>
+  <p:tag name="KSO_WM_UNIT_DIAGRAM_ISNUMVISUAL" val="0"/>
+  <p:tag name="KSO_WM_UNIT_DIAGRAM_ISREFERUNIT" val="0"/>
+  <p:tag name="KSO_WM_UNIT_ID" val="_9**"/>
+  <p:tag name="KSO_WM_UNIT_LAYERLEVEL" val="1"/>
+  <p:tag name="KSO_WM_TAG_VERSION" val="1.0"/>
+  <p:tag name="KSO_WM_BEAUTIFY_FLAG" val="#wm#"/>
+</p:tagLst>
+</file>
+
+<file path=ppt/tags/tag48.xml><?xml version="1.0" encoding="utf-8"?>
+<p:tagLst xmlns:p="http://schemas.openxmlformats.org/presentationml/2006/main">
+  <p:tag name="KSO_WM_UNIT_HIGHLIGHT" val="0"/>
+  <p:tag name="KSO_WM_UNIT_COMPATIBLE" val="0"/>
+  <p:tag name="KSO_WM_UNIT_DIAGRAM_ISNUMVISUAL" val="0"/>
+  <p:tag name="KSO_WM_UNIT_DIAGRAM_ISREFERUNIT" val="0"/>
+  <p:tag name="KSO_WM_UNIT_ID" val="_10**"/>
+  <p:tag name="KSO_WM_UNIT_LAYERLEVEL" val="1"/>
+  <p:tag name="KSO_WM_TAG_VERSION" val="1.0"/>
+  <p:tag name="KSO_WM_BEAUTIFY_FLAG" val="#wm#"/>
+</p:tagLst>
+</file>
+
+<file path=ppt/tags/tag49.xml><?xml version="1.0" encoding="utf-8"?>
+<p:tagLst xmlns:p="http://schemas.openxmlformats.org/presentationml/2006/main">
+  <p:tag name="KSO_WM_UNIT_HIGHLIGHT" val="0"/>
+  <p:tag name="KSO_WM_UNIT_COMPATIBLE" val="0"/>
+  <p:tag name="KSO_WM_UNIT_DIAGRAM_ISNUMVISUAL" val="0"/>
+  <p:tag name="KSO_WM_UNIT_DIAGRAM_ISREFERUNIT" val="0"/>
+  <p:tag name="KSO_WM_UNIT_ID" val="_10**"/>
+  <p:tag name="KSO_WM_UNIT_LAYERLEVEL" val="1"/>
+  <p:tag name="KSO_WM_TAG_VERSION" val="1.0"/>
+  <p:tag name="KSO_WM_BEAUTIFY_FLAG" val="#wm#"/>
+</p:tagLst>
+</file>
+
+<file path=ppt/tags/tag5.xml><?xml version="1.0" encoding="utf-8"?>
+<p:tagLst xmlns:p="http://schemas.openxmlformats.org/presentationml/2006/main">
+  <p:tag name="KSO_WM_UNIT_HIGHLIGHT" val="0"/>
+  <p:tag name="KSO_WM_UNIT_COMPATIBLE" val="0"/>
+  <p:tag name="KSO_WM_UNIT_DIAGRAM_ISNUMVISUAL" val="0"/>
+  <p:tag name="KSO_WM_UNIT_DIAGRAM_ISREFERUNIT" val="0"/>
+  <p:tag name="KSO_WM_UNIT_ID" val="_1**"/>
+  <p:tag name="KSO_WM_UNIT_LAYERLEVEL" val="1"/>
+  <p:tag name="KSO_WM_TAG_VERSION" val="1.0"/>
+  <p:tag name="KSO_WM_BEAUTIFY_FLAG" val="#wm#"/>
+</p:tagLst>
+</file>
+
+<file path=ppt/tags/tag50.xml><?xml version="1.0" encoding="utf-8"?>
+<p:tagLst xmlns:p="http://schemas.openxmlformats.org/presentationml/2006/main">
+  <p:tag name="KSO_WM_UNIT_HIGHLIGHT" val="0"/>
+  <p:tag name="KSO_WM_UNIT_COMPATIBLE" val="0"/>
+  <p:tag name="KSO_WM_UNIT_DIAGRAM_ISNUMVISUAL" val="0"/>
+  <p:tag name="KSO_WM_UNIT_DIAGRAM_ISREFERUNIT" val="0"/>
+  <p:tag name="KSO_WM_UNIT_ID" val="_10**"/>
+  <p:tag name="KSO_WM_UNIT_LAYERLEVEL" val="1"/>
+  <p:tag name="KSO_WM_TAG_VERSION" val="1.0"/>
+  <p:tag name="KSO_WM_BEAUTIFY_FLAG" val="#wm#"/>
+</p:tagLst>
+</file>
+
+<file path=ppt/tags/tag51.xml><?xml version="1.0" encoding="utf-8"?>
+<p:tagLst xmlns:p="http://schemas.openxmlformats.org/presentationml/2006/main">
+  <p:tag name="KSO_WM_UNIT_HIGHLIGHT" val="0"/>
+  <p:tag name="KSO_WM_UNIT_COMPATIBLE" val="0"/>
+  <p:tag name="KSO_WM_UNIT_DIAGRAM_ISNUMVISUAL" val="0"/>
+  <p:tag name="KSO_WM_UNIT_DIAGRAM_ISREFERUNIT" val="0"/>
+  <p:tag name="KSO_WM_UNIT_ID" val="_10**"/>
+  <p:tag name="KSO_WM_UNIT_LAYERLEVEL" val="1"/>
+  <p:tag name="KSO_WM_TAG_VERSION" val="1.0"/>
+  <p:tag name="KSO_WM_BEAUTIFY_FLAG" val="#wm#"/>
+</p:tagLst>
+</file>
+
+<file path=ppt/tags/tag52.xml><?xml version="1.0" encoding="utf-8"?>
+<p:tagLst xmlns:p="http://schemas.openxmlformats.org/presentationml/2006/main">
+  <p:tag name="KSO_WM_UNIT_HIGHLIGHT" val="0"/>
+  <p:tag name="KSO_WM_UNIT_COMPATIBLE" val="0"/>
+  <p:tag name="KSO_WM_UNIT_DIAGRAM_ISNUMVISUAL" val="0"/>
+  <p:tag name="KSO_WM_UNIT_DIAGRAM_ISREFERUNIT" val="0"/>
+  <p:tag name="KSO_WM_UNIT_ID" val="_11**"/>
+  <p:tag name="KSO_WM_UNIT_LAYERLEVEL" val="1"/>
+  <p:tag name="KSO_WM_TAG_VERSION" val="1.0"/>
+  <p:tag name="KSO_WM_BEAUTIFY_FLAG" val="#wm#"/>
+</p:tagLst>
+</file>
+
+<file path=ppt/tags/tag53.xml><?xml version="1.0" encoding="utf-8"?>
+<p:tagLst xmlns:p="http://schemas.openxmlformats.org/presentationml/2006/main">
+  <p:tag name="KSO_WM_UNIT_HIGHLIGHT" val="0"/>
+  <p:tag name="KSO_WM_UNIT_COMPATIBLE" val="0"/>
+  <p:tag name="KSO_WM_UNIT_DIAGRAM_ISNUMVISUAL" val="0"/>
+  <p:tag name="KSO_WM_UNIT_DIAGRAM_ISREFERUNIT" val="0"/>
+  <p:tag name="KSO_WM_UNIT_ID" val="_11**"/>
+  <p:tag name="KSO_WM_UNIT_LAYERLEVEL" val="1"/>
+  <p:tag name="KSO_WM_TAG_VERSION" val="1.0"/>
+  <p:tag name="KSO_WM_BEAUTIFY_FLAG" val="#wm#"/>
+</p:tagLst>
+</file>
+
+<file path=ppt/tags/tag54.xml><?xml version="1.0" encoding="utf-8"?>
+<p:tagLst xmlns:p="http://schemas.openxmlformats.org/presentationml/2006/main">
+  <p:tag name="KSO_WM_UNIT_HIGHLIGHT" val="0"/>
+  <p:tag name="KSO_WM_UNIT_COMPATIBLE" val="0"/>
+  <p:tag name="KSO_WM_UNIT_DIAGRAM_ISNUMVISUAL" val="0"/>
+  <p:tag name="KSO_WM_UNIT_DIAGRAM_ISREFERUNIT" val="0"/>
+  <p:tag name="KSO_WM_UNIT_ID" val="_11**"/>
+  <p:tag name="KSO_WM_UNIT_LAYERLEVEL" val="1"/>
+  <p:tag name="KSO_WM_TAG_VERSION" val="1.0"/>
+  <p:tag name="KSO_WM_BEAUTIFY_FLAG" val="#wm#"/>
+</p:tagLst>
+</file>
+
+<file path=ppt/tags/tag55.xml><?xml version="1.0" encoding="utf-8"?>
+<p:tagLst xmlns:p="http://schemas.openxmlformats.org/presentationml/2006/main">
+  <p:tag name="KSO_WM_UNIT_HIGHLIGHT" val="0"/>
+  <p:tag name="KSO_WM_UNIT_COMPATIBLE" val="0"/>
+  <p:tag name="KSO_WM_UNIT_DIAGRAM_ISNUMVISUAL" val="0"/>
+  <p:tag name="KSO_WM_UNIT_DIAGRAM_ISREFERUNIT" val="0"/>
+  <p:tag name="KSO_WM_UNIT_ID" val="_11**"/>
+  <p:tag name="KSO_WM_UNIT_LAYERLEVEL" val="1"/>
+  <p:tag name="KSO_WM_TAG_VERSION" val="1.0"/>
+  <p:tag name="KSO_WM_BEAUTIFY_FLAG" val="#wm#"/>
+</p:tagLst>
+</file>
+
+<file path=ppt/tags/tag56.xml><?xml version="1.0" encoding="utf-8"?>
+<p:tagLst xmlns:p="http://schemas.openxmlformats.org/presentationml/2006/main">
+  <p:tag name="KSO_WM_UNIT_HIGHLIGHT" val="0"/>
+  <p:tag name="KSO_WM_UNIT_COMPATIBLE" val="0"/>
+  <p:tag name="KSO_WM_UNIT_DIAGRAM_ISNUMVISUAL" val="0"/>
+  <p:tag name="KSO_WM_UNIT_DIAGRAM_ISREFERUNIT" val="0"/>
+  <p:tag name="KSO_WM_UNIT_ID" val="_0**"/>
+  <p:tag name="KSO_WM_UNIT_LAYERLEVEL" val="1"/>
+  <p:tag name="KSO_WM_TAG_VERSION" val="1.0"/>
+  <p:tag name="KSO_WM_BEAUTIFY_FLAG" val="#wm#"/>
+  <p:tag name="KSO_WM_TEMPLATE_CATEGORY" val="custom"/>
+  <p:tag name="KSO_WM_TEMPLATE_INDEX" val="20187308"/>
+</p:tagLst>
+</file>
+
+<file path=ppt/tags/tag57.xml><?xml version="1.0" encoding="utf-8"?>
+<p:tagLst xmlns:p="http://schemas.openxmlformats.org/presentationml/2006/main">
+  <p:tag name="KSO_WM_UNIT_HIGHLIGHT" val="0"/>
+  <p:tag name="KSO_WM_UNIT_COMPATIBLE" val="0"/>
+  <p:tag name="KSO_WM_UNIT_DIAGRAM_ISNUMVISUAL" val="0"/>
+  <p:tag name="KSO_WM_UNIT_DIAGRAM_ISREFERUNIT" val="0"/>
+  <p:tag name="KSO_WM_UNIT_ID" val="_0**"/>
+  <p:tag name="KSO_WM_UNIT_LAYERLEVEL" val="1"/>
+  <p:tag name="KSO_WM_TAG_VERSION" val="1.0"/>
+  <p:tag name="KSO_WM_BEAUTIFY_FLAG" val="#wm#"/>
+  <p:tag name="KSO_WM_TEMPLATE_CATEGORY" val="custom"/>
+  <p:tag name="KSO_WM_TEMPLATE_INDEX" val="20187308"/>
+</p:tagLst>
+</file>
+
+<file path=ppt/tags/tag58.xml><?xml version="1.0" encoding="utf-8"?>
+<p:tagLst xmlns:p="http://schemas.openxmlformats.org/presentationml/2006/main">
+  <p:tag name="KSO_WM_UNIT_HIGHLIGHT" val="0"/>
+  <p:tag name="KSO_WM_UNIT_COMPATIBLE" val="0"/>
+  <p:tag name="KSO_WM_UNIT_DIAGRAM_ISNUMVISUAL" val="0"/>
+  <p:tag name="KSO_WM_UNIT_DIAGRAM_ISREFERUNIT" val="0"/>
+  <p:tag name="KSO_WM_UNIT_ID" val="_0**"/>
+  <p:tag name="KSO_WM_UNIT_LAYERLEVEL" val="1"/>
+  <p:tag name="KSO_WM_TAG_VERSION" val="1.0"/>
+  <p:tag name="KSO_WM_BEAUTIFY_FLAG" val="#wm#"/>
+</p:tagLst>
+</file>
+
+<file path=ppt/tags/tag59.xml><?xml version="1.0" encoding="utf-8"?>
+<p:tagLst xmlns:p="http://schemas.openxmlformats.org/presentationml/2006/main">
+  <p:tag name="KSO_WM_UNIT_HIGHLIGHT" val="0"/>
+  <p:tag name="KSO_WM_UNIT_COMPATIBLE" val="0"/>
+  <p:tag name="KSO_WM_UNIT_DIAGRAM_ISNUMVISUAL" val="0"/>
+  <p:tag name="KSO_WM_UNIT_DIAGRAM_ISREFERUNIT" val="0"/>
+  <p:tag name="KSO_WM_UNIT_ID" val="_0**"/>
+  <p:tag name="KSO_WM_UNIT_LAYERLEVEL" val="1"/>
+  <p:tag name="KSO_WM_TAG_VERSION" val="1.0"/>
+  <p:tag name="KSO_WM_BEAUTIFY_FLAG" val="#wm#"/>
+</p:tagLst>
+</file>
+
+<file path=ppt/tags/tag6.xml><?xml version="1.0" encoding="utf-8"?>
+<p:tagLst xmlns:p="http://schemas.openxmlformats.org/presentationml/2006/main">
+  <p:tag name="KSO_WM_UNIT_HIGHLIGHT" val="0"/>
+  <p:tag name="KSO_WM_UNIT_COMPATIBLE" val="0"/>
+  <p:tag name="KSO_WM_UNIT_DIAGRAM_ISNUMVISUAL" val="0"/>
+  <p:tag name="KSO_WM_UNIT_DIAGRAM_ISREFERUNIT" val="0"/>
+  <p:tag name="KSO_WM_UNIT_ID" val="_2**"/>
+  <p:tag name="KSO_WM_UNIT_LAYERLEVEL" val="1"/>
+  <p:tag name="KSO_WM_TAG_VERSION" val="1.0"/>
+  <p:tag name="KSO_WM_BEAUTIFY_FLAG" val="#wm#"/>
+</p:tagLst>
+</file>
+
+<file path=ppt/tags/tag60.xml><?xml version="1.0" encoding="utf-8"?>
+<p:tagLst xmlns:p="http://schemas.openxmlformats.org/presentationml/2006/main">
+  <p:tag name="KSO_WM_UNIT_HIGHLIGHT" val="0"/>
+  <p:tag name="KSO_WM_UNIT_COMPATIBLE" val="0"/>
+  <p:tag name="KSO_WM_UNIT_DIAGRAM_ISNUMVISUAL" val="0"/>
+  <p:tag name="KSO_WM_UNIT_DIAGRAM_ISREFERUNIT" val="0"/>
+  <p:tag name="KSO_WM_UNIT_ID" val="_0**"/>
+  <p:tag name="KSO_WM_UNIT_LAYERLEVEL" val="1"/>
+  <p:tag name="KSO_WM_TAG_VERSION" val="1.0"/>
+  <p:tag name="KSO_WM_BEAUTIFY_FLAG" val="#wm#"/>
+</p:tagLst>
+</file>
+
+<file path=ppt/tags/tag61.xml><?xml version="1.0" encoding="utf-8"?>
+<p:tagLst xmlns:p="http://schemas.openxmlformats.org/presentationml/2006/main">
+  <p:tag name="KSO_WM_TEMPLATE_THUMBS_INDEX" val="1、2、3、6、8、10、11、12、15"/>
+  <p:tag name="KSO_WM_TEMPLATE_SUBCATEGORY" val="0"/>
+  <p:tag name="KSO_WM_TAG_VERSION" val="1.0"/>
+  <p:tag name="KSO_WM_BEAUTIFY_FLAG" val="#wm#"/>
+  <p:tag name="KSO_WM_TEMPLATE_CATEGORY" val="custom"/>
+  <p:tag name="KSO_WM_TEMPLATE_INDEX" val="20187308"/>
+</p:tagLst>
+</file>
+
+<file path=ppt/tags/tag62.xml><?xml version="1.0" encoding="utf-8"?>
+<p:tagLst xmlns:p="http://schemas.openxmlformats.org/presentationml/2006/main">
+  <p:tag name="KSO_WM_UNIT_ISCONTENTSTITLE" val="0"/>
+  <p:tag name="KSO_WM_UNIT_PRESET_TEXT" val="空白演示"/>
+  <p:tag name="KSO_WM_UNIT_NOCLEAR" val="0"/>
+  <p:tag name="KSO_WM_UNIT_VALUE" val="13"/>
+  <p:tag name="KSO_WM_UNIT_HIGHLIGHT" val="0"/>
+  <p:tag name="KSO_WM_UNIT_COMPATIBLE" val="0"/>
+  <p:tag name="KSO_WM_UNIT_DIAGRAM_ISNUMVISUAL" val="0"/>
+  <p:tag name="KSO_WM_UNIT_DIAGRAM_ISREFERUNIT" val="0"/>
+  <p:tag name="KSO_WM_UNIT_TYPE" val="a"/>
+  <p:tag name="KSO_WM_UNIT_INDEX" val="1"/>
+  <p:tag name="KSO_WM_UNIT_ID" val="custom20187308_1*a*1"/>
+  <p:tag name="KSO_WM_TEMPLATE_CATEGORY" val="custom"/>
+  <p:tag name="KSO_WM_TEMPLATE_INDEX" val="20187308"/>
+  <p:tag name="KSO_WM_UNIT_LAYERLEVEL" val="1"/>
+  <p:tag name="KSO_WM_TAG_VERSION" val="1.0"/>
+  <p:tag name="KSO_WM_BEAUTIFY_FLAG" val="#wm#"/>
+</p:tagLst>
+</file>
+
+<file path=ppt/tags/tag63.xml><?xml version="1.0" encoding="utf-8"?>
+<p:tagLst xmlns:p="http://schemas.openxmlformats.org/presentationml/2006/main">
+  <p:tag name="KSO_WM_UNIT_ISCONTENTSTITLE" val="0"/>
+  <p:tag name="KSO_WM_UNIT_PRESET_TEXT" val="在此输入您的封面副标题"/>
+  <p:tag name="KSO_WM_UNIT_NOCLEAR" val="0"/>
+  <p:tag name="KSO_WM_UNIT_VALUE" val="156"/>
+  <p:tag name="KSO_WM_UNIT_HIGHLIGHT" val="0"/>
+  <p:tag name="KSO_WM_UNIT_COMPATIBLE" val="0"/>
+  <p:tag name="KSO_WM_UNIT_DIAGRAM_ISNUMVISUAL" val="0"/>
+  <p:tag name="KSO_WM_UNIT_DIAGRAM_ISREFERUNIT" val="0"/>
+  <p:tag name="KSO_WM_UNIT_TYPE" val="b"/>
+  <p:tag name="KSO_WM_UNIT_INDEX" val="1"/>
+  <p:tag name="KSO_WM_UNIT_ID" val="custom20187308_1*b*1"/>
+  <p:tag name="KSO_WM_TEMPLATE_CATEGORY" val="custom"/>
+  <p:tag name="KSO_WM_TEMPLATE_INDEX" val="20187308"/>
+  <p:tag name="KSO_WM_UNIT_LAYERLEVEL" val="1"/>
+  <p:tag name="KSO_WM_TAG_VERSION" val="1.0"/>
+  <p:tag name="KSO_WM_BEAUTIFY_FLAG" val="#wm#"/>
+</p:tagLst>
+</file>
+
+<file path=ppt/tags/tag64.xml><?xml version="1.0" encoding="utf-8"?>
+<p:tagLst xmlns:p="http://schemas.openxmlformats.org/presentationml/2006/main">
+  <p:tag name="KSO_WM_TEMPLATE_THUMBS_INDEX" val="1、2、3、6、8、10、11、12、15"/>
+  <p:tag name="KSO_WM_SLIDE_ID" val="custom20187308_1"/>
+  <p:tag name="KSO_WM_TEMPLATE_SUBCATEGORY" val="0"/>
+  <p:tag name="KSO_WM_SLIDE_TYPE" val="title"/>
+  <p:tag name="KSO_WM_SLIDE_SUBTYPE" val="pureTxt"/>
+  <p:tag name="KSO_WM_SLIDE_ITEM_CNT" val="0"/>
+  <p:tag name="KSO_WM_SLIDE_INDEX" val="1"/>
+  <p:tag name="KSO_WM_TAG_VERSION" val="1.0"/>
+  <p:tag name="KSO_WM_BEAUTIFY_FLAG" val="#wm#"/>
+  <p:tag name="KSO_WM_TEMPLATE_CATEGORY" val="custom"/>
+  <p:tag name="KSO_WM_TEMPLATE_INDEX" val="20187308"/>
+  <p:tag name="KSO_WM_SLIDE_LAYOUT" val="a_b"/>
+  <p:tag name="KSO_WM_SLIDE_LAYOUT_CNT" val="1_1"/>
+  <p:tag name="KSO_WM_SLIDE_MODEL_TYPE" val="cover"/>
+</p:tagLst>
+</file>
+
+<file path=ppt/tags/tag65.xml><?xml version="1.0" encoding="utf-8"?>
+<p:tagLst xmlns:p="http://schemas.openxmlformats.org/presentationml/2006/main">
+  <p:tag name="KSO_WM_UNIT_ISCONTENTSTITLE" val="0"/>
+  <p:tag name="KSO_WM_UNIT_PRESET_TEXT" val="空白演示"/>
+  <p:tag name="KSO_WM_UNIT_NOCLEAR" val="0"/>
+  <p:tag name="KSO_WM_UNIT_VALUE" val="13"/>
+  <p:tag name="KSO_WM_UNIT_HIGHLIGHT" val="0"/>
+  <p:tag name="KSO_WM_UNIT_COMPATIBLE" val="0"/>
+  <p:tag name="KSO_WM_UNIT_DIAGRAM_ISNUMVISUAL" val="0"/>
+  <p:tag name="KSO_WM_UNIT_DIAGRAM_ISREFERUNIT" val="0"/>
+  <p:tag name="KSO_WM_UNIT_TYPE" val="a"/>
+  <p:tag name="KSO_WM_UNIT_INDEX" val="1"/>
+  <p:tag name="KSO_WM_UNIT_ID" val="custom20187308_1*a*1"/>
+  <p:tag name="KSO_WM_TEMPLATE_CATEGORY" val="custom"/>
+  <p:tag name="KSO_WM_TEMPLATE_INDEX" val="20187308"/>
+  <p:tag name="KSO_WM_UNIT_LAYERLEVEL" val="1"/>
+  <p:tag name="KSO_WM_TAG_VERSION" val="1.0"/>
+  <p:tag name="KSO_WM_BEAUTIFY_FLAG" val="#wm#"/>
+</p:tagLst>
+</file>
+
+<file path=ppt/tags/tag66.xml><?xml version="1.0" encoding="utf-8"?>
+<p:tagLst xmlns:p="http://schemas.openxmlformats.org/presentationml/2006/main">
+  <p:tag name="KSO_WM_TEMPLATE_THUMBS_INDEX" val="1、2、3、6、8、10、11、12、15"/>
+  <p:tag name="KSO_WM_SLIDE_ID" val="custom20187308_1"/>
+  <p:tag name="KSO_WM_TEMPLATE_SUBCATEGORY" val="0"/>
+  <p:tag name="KSO_WM_SLIDE_TYPE" val="title"/>
+  <p:tag name="KSO_WM_SLIDE_SUBTYPE" val="pureTxt"/>
+  <p:tag name="KSO_WM_SLIDE_ITEM_CNT" val="0"/>
+  <p:tag name="KSO_WM_SLIDE_INDEX" val="1"/>
+  <p:tag name="KSO_WM_TAG_VERSION" val="1.0"/>
+  <p:tag name="KSO_WM_BEAUTIFY_FLAG" val="#wm#"/>
+  <p:tag name="KSO_WM_TEMPLATE_CATEGORY" val="custom"/>
+  <p:tag name="KSO_WM_TEMPLATE_INDEX" val="20187308"/>
+  <p:tag name="KSO_WM_SLIDE_LAYOUT" val="a_b"/>
+  <p:tag name="KSO_WM_SLIDE_LAYOUT_CNT" val="1_1"/>
+  <p:tag name="KSO_WM_SLIDE_MODEL_TYPE" val="cover"/>
 </p:tagLst>
 </file>
 
@@ -8696,52 +10853,40 @@
 <file path=ppt/tags/tag81.xml><?xml version="1.0" encoding="utf-8"?>
 <p:tagLst xmlns:p="http://schemas.openxmlformats.org/presentationml/2006/main">
   <p:tag name="KSO_WM_UNIT_ISCONTENTSTITLE" val="0"/>
-  <p:tag name="KSO_WM_UNIT_PRESET_TEXT" val="点击输入大标题"/>
+  <p:tag name="KSO_WM_UNIT_PRESET_TEXT" val="空白演示"/>
   <p:tag name="KSO_WM_UNIT_NOCLEAR" val="0"/>
-  <p:tag name="KSO_WM_UNIT_SHOW_EDIT_AREA_INDICATION" val="1"/>
-  <p:tag name="KSO_WM_UNIT_VALUE" val="52"/>
+  <p:tag name="KSO_WM_UNIT_VALUE" val="13"/>
   <p:tag name="KSO_WM_UNIT_HIGHLIGHT" val="0"/>
   <p:tag name="KSO_WM_UNIT_COMPATIBLE" val="0"/>
   <p:tag name="KSO_WM_UNIT_DIAGRAM_ISNUMVISUAL" val="0"/>
   <p:tag name="KSO_WM_UNIT_DIAGRAM_ISREFERUNIT" val="0"/>
   <p:tag name="KSO_WM_UNIT_TYPE" val="a"/>
   <p:tag name="KSO_WM_UNIT_INDEX" val="1"/>
-  <p:tag name="KSO_WM_UNIT_ID" val="diagram20200864_1*a*1"/>
-  <p:tag name="KSO_WM_TEMPLATE_CATEGORY" val="diagram"/>
-  <p:tag name="KSO_WM_TEMPLATE_INDEX" val="20200864"/>
+  <p:tag name="KSO_WM_UNIT_ID" val="custom20187308_1*a*1"/>
+  <p:tag name="KSO_WM_TEMPLATE_CATEGORY" val="custom"/>
+  <p:tag name="KSO_WM_TEMPLATE_INDEX" val="20187308"/>
   <p:tag name="KSO_WM_UNIT_LAYERLEVEL" val="1"/>
   <p:tag name="KSO_WM_TAG_VERSION" val="1.0"/>
   <p:tag name="KSO_WM_BEAUTIFY_FLAG" val="#wm#"/>
-  <p:tag name="KSO_WM_UNIT_DEFAULT_FONT" val="32;36;4"/>
-  <p:tag name="KSO_WM_UNIT_BLOCK" val="0"/>
-  <p:tag name="KSO_WM_UNIT_ISNUMDGMTITLE" val="0"/>
-  <p:tag name="KSO_WM_UNIT_PLACING_PICTURE_MD4" val="0"/>
 </p:tagLst>
 </file>
 
 <file path=ppt/tags/tag82.xml><?xml version="1.0" encoding="utf-8"?>
 <p:tagLst xmlns:p="http://schemas.openxmlformats.org/presentationml/2006/main">
-  <p:tag name="KSO_WM_BEAUTIFY_FLAG" val="#wm#"/>
-  <p:tag name="KSO_WM_TEMPLATE_CATEGORY" val="diagram"/>
-  <p:tag name="KSO_WM_TEMPLATE_INDEX" val="20200864"/>
-  <p:tag name="KSO_WM_SLIDE_ID" val="diagram20200864_1"/>
-  <p:tag name="KSO_WM_TEMPLATE_SUBCATEGORY" val="11"/>
-  <p:tag name="KSO_WM_SLIDE_TYPE" val="text"/>
+  <p:tag name="KSO_WM_TEMPLATE_THUMBS_INDEX" val="1、2、3、6、8、10、11、12、15"/>
+  <p:tag name="KSO_WM_SLIDE_ID" val="custom20187308_1"/>
+  <p:tag name="KSO_WM_TEMPLATE_SUBCATEGORY" val="0"/>
+  <p:tag name="KSO_WM_SLIDE_TYPE" val="title"/>
   <p:tag name="KSO_WM_SLIDE_SUBTYPE" val="pureTxt"/>
   <p:tag name="KSO_WM_SLIDE_ITEM_CNT" val="0"/>
   <p:tag name="KSO_WM_SLIDE_INDEX" val="1"/>
-  <p:tag name="KSO_WM_UNIT_SHOW_EDIT_AREA_INDICATION" val="1"/>
-  <p:tag name="KSO_WM_SLIDE_SIZE" val="864*454"/>
-  <p:tag name="KSO_WM_SLIDE_POSITION" val="47*37"/>
   <p:tag name="KSO_WM_TAG_VERSION" val="1.0"/>
-  <p:tag name="KSO_WM_SLIDE_LAYOUT" val="a_f"/>
+  <p:tag name="KSO_WM_BEAUTIFY_FLAG" val="#wm#"/>
+  <p:tag name="KSO_WM_TEMPLATE_CATEGORY" val="custom"/>
+  <p:tag name="KSO_WM_TEMPLATE_INDEX" val="20187308"/>
+  <p:tag name="KSO_WM_SLIDE_LAYOUT" val="a_b"/>
   <p:tag name="KSO_WM_SLIDE_LAYOUT_CNT" val="1_1"/>
-  <p:tag name="KSO_WM_SLIDE_LAYOUT_INFO" val="{&quot;direction&quot;:0,&quot;horizontalAlign&quot;:-1,&quot;verticalAlign&quot;:-1,&quot;type&quot;:0,&quot;diagramDirection&quot;:0,&quot;canSetOverLayout&quot;:0,&quot;isOverLayout&quot;:0,&quot;normalSize&quot;:{&quot;size1&quot;:26.0},&quot;minSize&quot;:{&quot;size1&quot;:26.0},&quot;maxSize&quot;:{&quot;size1&quot;:26.0},&quot;edge&quot;:{&quot;left&quot;:true,&quot;top&quot;:true,&quot;right&quot;:true,&quot;bottom&quot;:true},&quot;backgroundInfo&quot;:[{&quot;type&quot;:&quot;general&quot;,&quot;left&quot;:0.0,&quot;top&quot;:0.0,&quot;right&quot;:0.0,&quot;bottom&quot;:0.0},{&quot;type&quot;:&quot;frame&quot;,&quot;left&quot;:0.0,&quot;top&quot;:0.0,&quot;right&quot;:0.0,&quot;bottom&quot;:0.0}],&quot;subLayout&quot;:[{&quot;direction&quot;:0,&quot;horizontalAlign&quot;:0,&quot;verticalAlign&quot;:1,&quot;type&quot;:0,&quot;diagramDirection&quot;:0,&quot;canSetOverLayout&quot;:0,&quot;isOverLayout&quot;:0,&quot;margin&quot;:{&quot;left&quot;:1.69,&quot;top&quot;:1.319,&quot;right&quot;:1.69,&quot;bottom&quot;:0.163},&quot;edge&quot;:{&quot;left&quot;:true,&quot;top&quot;:true,&quot;right&quot;:true,&quot;bottom&quot;:false}},{&quot;direction&quot;:0,&quot;horizontalAlign&quot;:0,&quot;verticalAlign&quot;:1,&quot;type&quot;:0,&quot;diagramDirection&quot;:0,&quot;canSetOverLayout&quot;:0,&quot;isOverLayout&quot;:0,&quot;margin&quot;:{&quot;left&quot;:1.69,&quot;top&quot;:0.026,&quot;right&quot;:1.69,&quot;bottom&quot;:1.69},&quot;edge&quot;:{&quot;left&quot;:true,&quot;top&quot;:false,&quot;right&quot;:true,&quot;bottom&quot;:true}}]}"/>
-  <p:tag name="KSO_WM_SLIDE_CAN_ADD_NAVIGATION" val="1"/>
-  <p:tag name="KSO_WM_SLIDE_BACKGROUND" val="[&quot;general&quot;,&quot;frame&quot;]"/>
-  <p:tag name="KSO_WM_SLIDE_RATIO" val="1.777778"/>
-  <p:tag name="KSO_WM_TEMPLATE_MASTER_TYPE" val="0"/>
-  <p:tag name="KSO_WM_TEMPLATE_COLOR_TYPE" val="1"/>
+  <p:tag name="KSO_WM_SLIDE_MODEL_TYPE" val="cover"/>
 </p:tagLst>
 </file>
 
@@ -8851,6 +10996,32 @@
 
 <file path=ppt/tags/tag87.xml><?xml version="1.0" encoding="utf-8"?>
 <p:tagLst xmlns:p="http://schemas.openxmlformats.org/presentationml/2006/main">
+  <p:tag name="KSO_WM_UNIT_ISCONTENTSTITLE" val="0"/>
+  <p:tag name="KSO_WM_UNIT_PRESET_TEXT" val="点击输入大标题"/>
+  <p:tag name="KSO_WM_UNIT_NOCLEAR" val="0"/>
+  <p:tag name="KSO_WM_UNIT_SHOW_EDIT_AREA_INDICATION" val="1"/>
+  <p:tag name="KSO_WM_UNIT_VALUE" val="52"/>
+  <p:tag name="KSO_WM_UNIT_HIGHLIGHT" val="0"/>
+  <p:tag name="KSO_WM_UNIT_COMPATIBLE" val="0"/>
+  <p:tag name="KSO_WM_UNIT_DIAGRAM_ISNUMVISUAL" val="0"/>
+  <p:tag name="KSO_WM_UNIT_DIAGRAM_ISREFERUNIT" val="0"/>
+  <p:tag name="KSO_WM_UNIT_TYPE" val="a"/>
+  <p:tag name="KSO_WM_UNIT_INDEX" val="1"/>
+  <p:tag name="KSO_WM_UNIT_ID" val="diagram20200864_1*a*1"/>
+  <p:tag name="KSO_WM_TEMPLATE_CATEGORY" val="diagram"/>
+  <p:tag name="KSO_WM_TEMPLATE_INDEX" val="20200864"/>
+  <p:tag name="KSO_WM_UNIT_LAYERLEVEL" val="1"/>
+  <p:tag name="KSO_WM_TAG_VERSION" val="1.0"/>
+  <p:tag name="KSO_WM_BEAUTIFY_FLAG" val="#wm#"/>
+  <p:tag name="KSO_WM_UNIT_DEFAULT_FONT" val="32;36;4"/>
+  <p:tag name="KSO_WM_UNIT_BLOCK" val="0"/>
+  <p:tag name="KSO_WM_UNIT_ISNUMDGMTITLE" val="0"/>
+  <p:tag name="KSO_WM_UNIT_PLACING_PICTURE_MD4" val="0"/>
+</p:tagLst>
+</file>
+
+<file path=ppt/tags/tag88.xml><?xml version="1.0" encoding="utf-8"?>
+<p:tagLst xmlns:p="http://schemas.openxmlformats.org/presentationml/2006/main">
   <p:tag name="KSO_WM_BEAUTIFY_FLAG" val="#wm#"/>
   <p:tag name="KSO_WM_TEMPLATE_CATEGORY" val="diagram"/>
   <p:tag name="KSO_WM_TEMPLATE_INDEX" val="20200864"/>
@@ -8875,6 +11046,32 @@
 </p:tagLst>
 </file>
 
+<file path=ppt/tags/tag89.xml><?xml version="1.0" encoding="utf-8"?>
+<p:tagLst xmlns:p="http://schemas.openxmlformats.org/presentationml/2006/main">
+  <p:tag name="KSO_WM_UNIT_ISCONTENTSTITLE" val="0"/>
+  <p:tag name="KSO_WM_UNIT_PRESET_TEXT" val="点击输入大标题"/>
+  <p:tag name="KSO_WM_UNIT_NOCLEAR" val="0"/>
+  <p:tag name="KSO_WM_UNIT_SHOW_EDIT_AREA_INDICATION" val="1"/>
+  <p:tag name="KSO_WM_UNIT_VALUE" val="52"/>
+  <p:tag name="KSO_WM_UNIT_HIGHLIGHT" val="0"/>
+  <p:tag name="KSO_WM_UNIT_COMPATIBLE" val="0"/>
+  <p:tag name="KSO_WM_UNIT_DIAGRAM_ISNUMVISUAL" val="0"/>
+  <p:tag name="KSO_WM_UNIT_DIAGRAM_ISREFERUNIT" val="0"/>
+  <p:tag name="KSO_WM_UNIT_TYPE" val="a"/>
+  <p:tag name="KSO_WM_UNIT_INDEX" val="1"/>
+  <p:tag name="KSO_WM_UNIT_ID" val="diagram20200864_1*a*1"/>
+  <p:tag name="KSO_WM_TEMPLATE_CATEGORY" val="diagram"/>
+  <p:tag name="KSO_WM_TEMPLATE_INDEX" val="20200864"/>
+  <p:tag name="KSO_WM_UNIT_LAYERLEVEL" val="1"/>
+  <p:tag name="KSO_WM_TAG_VERSION" val="1.0"/>
+  <p:tag name="KSO_WM_BEAUTIFY_FLAG" val="#wm#"/>
+  <p:tag name="KSO_WM_UNIT_DEFAULT_FONT" val="32;36;4"/>
+  <p:tag name="KSO_WM_UNIT_BLOCK" val="0"/>
+  <p:tag name="KSO_WM_UNIT_ISNUMDGMTITLE" val="0"/>
+  <p:tag name="KSO_WM_UNIT_PLACING_PICTURE_MD4" val="0"/>
+</p:tagLst>
+</file>
+
 <file path=ppt/tags/tag9.xml><?xml version="1.0" encoding="utf-8"?>
 <p:tagLst xmlns:p="http://schemas.openxmlformats.org/presentationml/2006/main">
   <p:tag name="KSO_WM_UNIT_HIGHLIGHT" val="0"/>
@@ -8885,6 +11082,266 @@
   <p:tag name="KSO_WM_UNIT_LAYERLEVEL" val="1"/>
   <p:tag name="KSO_WM_TAG_VERSION" val="1.0"/>
   <p:tag name="KSO_WM_BEAUTIFY_FLAG" val="#wm#"/>
+</p:tagLst>
+</file>
+
+<file path=ppt/tags/tag90.xml><?xml version="1.0" encoding="utf-8"?>
+<p:tagLst xmlns:p="http://schemas.openxmlformats.org/presentationml/2006/main">
+  <p:tag name="KSO_WM_BEAUTIFY_FLAG" val="#wm#"/>
+  <p:tag name="KSO_WM_TEMPLATE_CATEGORY" val="diagram"/>
+  <p:tag name="KSO_WM_TEMPLATE_INDEX" val="20200864"/>
+  <p:tag name="KSO_WM_SLIDE_ID" val="diagram20200864_1"/>
+  <p:tag name="KSO_WM_TEMPLATE_SUBCATEGORY" val="11"/>
+  <p:tag name="KSO_WM_SLIDE_TYPE" val="text"/>
+  <p:tag name="KSO_WM_SLIDE_SUBTYPE" val="pureTxt"/>
+  <p:tag name="KSO_WM_SLIDE_ITEM_CNT" val="0"/>
+  <p:tag name="KSO_WM_SLIDE_INDEX" val="1"/>
+  <p:tag name="KSO_WM_UNIT_SHOW_EDIT_AREA_INDICATION" val="1"/>
+  <p:tag name="KSO_WM_SLIDE_SIZE" val="864*454"/>
+  <p:tag name="KSO_WM_SLIDE_POSITION" val="47*37"/>
+  <p:tag name="KSO_WM_TAG_VERSION" val="1.0"/>
+  <p:tag name="KSO_WM_SLIDE_LAYOUT" val="a_f"/>
+  <p:tag name="KSO_WM_SLIDE_LAYOUT_CNT" val="1_1"/>
+  <p:tag name="KSO_WM_SLIDE_LAYOUT_INFO" val="{&quot;direction&quot;:0,&quot;horizontalAlign&quot;:-1,&quot;verticalAlign&quot;:-1,&quot;type&quot;:0,&quot;diagramDirection&quot;:0,&quot;canSetOverLayout&quot;:0,&quot;isOverLayout&quot;:0,&quot;normalSize&quot;:{&quot;size1&quot;:26.0},&quot;minSize&quot;:{&quot;size1&quot;:26.0},&quot;maxSize&quot;:{&quot;size1&quot;:26.0},&quot;edge&quot;:{&quot;left&quot;:true,&quot;top&quot;:true,&quot;right&quot;:true,&quot;bottom&quot;:true},&quot;backgroundInfo&quot;:[{&quot;type&quot;:&quot;general&quot;,&quot;left&quot;:0.0,&quot;top&quot;:0.0,&quot;right&quot;:0.0,&quot;bottom&quot;:0.0},{&quot;type&quot;:&quot;frame&quot;,&quot;left&quot;:0.0,&quot;top&quot;:0.0,&quot;right&quot;:0.0,&quot;bottom&quot;:0.0}],&quot;subLayout&quot;:[{&quot;direction&quot;:0,&quot;horizontalAlign&quot;:0,&quot;verticalAlign&quot;:1,&quot;type&quot;:0,&quot;diagramDirection&quot;:0,&quot;canSetOverLayout&quot;:0,&quot;isOverLayout&quot;:0,&quot;margin&quot;:{&quot;left&quot;:1.69,&quot;top&quot;:1.319,&quot;right&quot;:1.69,&quot;bottom&quot;:0.163},&quot;edge&quot;:{&quot;left&quot;:true,&quot;top&quot;:true,&quot;right&quot;:true,&quot;bottom&quot;:false}},{&quot;direction&quot;:0,&quot;horizontalAlign&quot;:0,&quot;verticalAlign&quot;:1,&quot;type&quot;:0,&quot;diagramDirection&quot;:0,&quot;canSetOverLayout&quot;:0,&quot;isOverLayout&quot;:0,&quot;margin&quot;:{&quot;left&quot;:1.69,&quot;top&quot;:0.026,&quot;right&quot;:1.69,&quot;bottom&quot;:1.69},&quot;edge&quot;:{&quot;left&quot;:true,&quot;top&quot;:false,&quot;right&quot;:true,&quot;bottom&quot;:true}}]}"/>
+  <p:tag name="KSO_WM_SLIDE_CAN_ADD_NAVIGATION" val="1"/>
+  <p:tag name="KSO_WM_SLIDE_BACKGROUND" val="[&quot;general&quot;,&quot;frame&quot;]"/>
+  <p:tag name="KSO_WM_SLIDE_RATIO" val="1.777778"/>
+  <p:tag name="KSO_WM_TEMPLATE_MASTER_TYPE" val="0"/>
+  <p:tag name="KSO_WM_TEMPLATE_COLOR_TYPE" val="1"/>
+</p:tagLst>
+</file>
+
+<file path=ppt/tags/tag91.xml><?xml version="1.0" encoding="utf-8"?>
+<p:tagLst xmlns:p="http://schemas.openxmlformats.org/presentationml/2006/main">
+  <p:tag name="KSO_WM_UNIT_ISCONTENTSTITLE" val="0"/>
+  <p:tag name="KSO_WM_UNIT_PRESET_TEXT" val="点击输入大标题"/>
+  <p:tag name="KSO_WM_UNIT_NOCLEAR" val="0"/>
+  <p:tag name="KSO_WM_UNIT_SHOW_EDIT_AREA_INDICATION" val="1"/>
+  <p:tag name="KSO_WM_UNIT_VALUE" val="52"/>
+  <p:tag name="KSO_WM_UNIT_HIGHLIGHT" val="0"/>
+  <p:tag name="KSO_WM_UNIT_COMPATIBLE" val="0"/>
+  <p:tag name="KSO_WM_UNIT_DIAGRAM_ISNUMVISUAL" val="0"/>
+  <p:tag name="KSO_WM_UNIT_DIAGRAM_ISREFERUNIT" val="0"/>
+  <p:tag name="KSO_WM_UNIT_TYPE" val="a"/>
+  <p:tag name="KSO_WM_UNIT_INDEX" val="1"/>
+  <p:tag name="KSO_WM_UNIT_ID" val="diagram20200864_1*a*1"/>
+  <p:tag name="KSO_WM_TEMPLATE_CATEGORY" val="diagram"/>
+  <p:tag name="KSO_WM_TEMPLATE_INDEX" val="20200864"/>
+  <p:tag name="KSO_WM_UNIT_LAYERLEVEL" val="1"/>
+  <p:tag name="KSO_WM_TAG_VERSION" val="1.0"/>
+  <p:tag name="KSO_WM_BEAUTIFY_FLAG" val="#wm#"/>
+  <p:tag name="KSO_WM_UNIT_DEFAULT_FONT" val="32;36;4"/>
+  <p:tag name="KSO_WM_UNIT_BLOCK" val="0"/>
+  <p:tag name="KSO_WM_UNIT_ISNUMDGMTITLE" val="0"/>
+  <p:tag name="KSO_WM_UNIT_PLACING_PICTURE_MD4" val="0"/>
+</p:tagLst>
+</file>
+
+<file path=ppt/tags/tag92.xml><?xml version="1.0" encoding="utf-8"?>
+<p:tagLst xmlns:p="http://schemas.openxmlformats.org/presentationml/2006/main">
+  <p:tag name="KSO_WM_BEAUTIFY_FLAG" val="#wm#"/>
+  <p:tag name="KSO_WM_TEMPLATE_CATEGORY" val="diagram"/>
+  <p:tag name="KSO_WM_TEMPLATE_INDEX" val="20200864"/>
+  <p:tag name="KSO_WM_SLIDE_ID" val="diagram20200864_1"/>
+  <p:tag name="KSO_WM_TEMPLATE_SUBCATEGORY" val="11"/>
+  <p:tag name="KSO_WM_SLIDE_TYPE" val="text"/>
+  <p:tag name="KSO_WM_SLIDE_SUBTYPE" val="pureTxt"/>
+  <p:tag name="KSO_WM_SLIDE_ITEM_CNT" val="0"/>
+  <p:tag name="KSO_WM_SLIDE_INDEX" val="1"/>
+  <p:tag name="KSO_WM_UNIT_SHOW_EDIT_AREA_INDICATION" val="1"/>
+  <p:tag name="KSO_WM_SLIDE_SIZE" val="864*454"/>
+  <p:tag name="KSO_WM_SLIDE_POSITION" val="47*37"/>
+  <p:tag name="KSO_WM_TAG_VERSION" val="1.0"/>
+  <p:tag name="KSO_WM_SLIDE_LAYOUT" val="a_f"/>
+  <p:tag name="KSO_WM_SLIDE_LAYOUT_CNT" val="1_1"/>
+  <p:tag name="KSO_WM_SLIDE_LAYOUT_INFO" val="{&quot;direction&quot;:0,&quot;horizontalAlign&quot;:-1,&quot;verticalAlign&quot;:-1,&quot;type&quot;:0,&quot;diagramDirection&quot;:0,&quot;canSetOverLayout&quot;:0,&quot;isOverLayout&quot;:0,&quot;normalSize&quot;:{&quot;size1&quot;:26.0},&quot;minSize&quot;:{&quot;size1&quot;:26.0},&quot;maxSize&quot;:{&quot;size1&quot;:26.0},&quot;edge&quot;:{&quot;left&quot;:true,&quot;top&quot;:true,&quot;right&quot;:true,&quot;bottom&quot;:true},&quot;backgroundInfo&quot;:[{&quot;type&quot;:&quot;general&quot;,&quot;left&quot;:0.0,&quot;top&quot;:0.0,&quot;right&quot;:0.0,&quot;bottom&quot;:0.0},{&quot;type&quot;:&quot;frame&quot;,&quot;left&quot;:0.0,&quot;top&quot;:0.0,&quot;right&quot;:0.0,&quot;bottom&quot;:0.0}],&quot;subLayout&quot;:[{&quot;direction&quot;:0,&quot;horizontalAlign&quot;:0,&quot;verticalAlign&quot;:1,&quot;type&quot;:0,&quot;diagramDirection&quot;:0,&quot;canSetOverLayout&quot;:0,&quot;isOverLayout&quot;:0,&quot;margin&quot;:{&quot;left&quot;:1.69,&quot;top&quot;:1.319,&quot;right&quot;:1.69,&quot;bottom&quot;:0.163},&quot;edge&quot;:{&quot;left&quot;:true,&quot;top&quot;:true,&quot;right&quot;:true,&quot;bottom&quot;:false}},{&quot;direction&quot;:0,&quot;horizontalAlign&quot;:0,&quot;verticalAlign&quot;:1,&quot;type&quot;:0,&quot;diagramDirection&quot;:0,&quot;canSetOverLayout&quot;:0,&quot;isOverLayout&quot;:0,&quot;margin&quot;:{&quot;left&quot;:1.69,&quot;top&quot;:0.026,&quot;right&quot;:1.69,&quot;bottom&quot;:1.69},&quot;edge&quot;:{&quot;left&quot;:true,&quot;top&quot;:false,&quot;right&quot;:true,&quot;bottom&quot;:true}}]}"/>
+  <p:tag name="KSO_WM_SLIDE_CAN_ADD_NAVIGATION" val="1"/>
+  <p:tag name="KSO_WM_SLIDE_BACKGROUND" val="[&quot;general&quot;,&quot;frame&quot;]"/>
+  <p:tag name="KSO_WM_SLIDE_RATIO" val="1.777778"/>
+  <p:tag name="KSO_WM_TEMPLATE_MASTER_TYPE" val="0"/>
+  <p:tag name="KSO_WM_TEMPLATE_COLOR_TYPE" val="1"/>
+</p:tagLst>
+</file>
+
+<file path=ppt/tags/tag93.xml><?xml version="1.0" encoding="utf-8"?>
+<p:tagLst xmlns:p="http://schemas.openxmlformats.org/presentationml/2006/main">
+  <p:tag name="KSO_WM_UNIT_ISCONTENTSTITLE" val="0"/>
+  <p:tag name="KSO_WM_UNIT_PRESET_TEXT" val="点击输入大标题"/>
+  <p:tag name="KSO_WM_UNIT_NOCLEAR" val="0"/>
+  <p:tag name="KSO_WM_UNIT_SHOW_EDIT_AREA_INDICATION" val="1"/>
+  <p:tag name="KSO_WM_UNIT_VALUE" val="52"/>
+  <p:tag name="KSO_WM_UNIT_HIGHLIGHT" val="0"/>
+  <p:tag name="KSO_WM_UNIT_COMPATIBLE" val="0"/>
+  <p:tag name="KSO_WM_UNIT_DIAGRAM_ISNUMVISUAL" val="0"/>
+  <p:tag name="KSO_WM_UNIT_DIAGRAM_ISREFERUNIT" val="0"/>
+  <p:tag name="KSO_WM_UNIT_TYPE" val="a"/>
+  <p:tag name="KSO_WM_UNIT_INDEX" val="1"/>
+  <p:tag name="KSO_WM_UNIT_ID" val="diagram20200864_1*a*1"/>
+  <p:tag name="KSO_WM_TEMPLATE_CATEGORY" val="diagram"/>
+  <p:tag name="KSO_WM_TEMPLATE_INDEX" val="20200864"/>
+  <p:tag name="KSO_WM_UNIT_LAYERLEVEL" val="1"/>
+  <p:tag name="KSO_WM_TAG_VERSION" val="1.0"/>
+  <p:tag name="KSO_WM_BEAUTIFY_FLAG" val="#wm#"/>
+  <p:tag name="KSO_WM_UNIT_DEFAULT_FONT" val="32;36;4"/>
+  <p:tag name="KSO_WM_UNIT_BLOCK" val="0"/>
+  <p:tag name="KSO_WM_UNIT_ISNUMDGMTITLE" val="0"/>
+  <p:tag name="KSO_WM_UNIT_PLACING_PICTURE_MD4" val="0"/>
+</p:tagLst>
+</file>
+
+<file path=ppt/tags/tag94.xml><?xml version="1.0" encoding="utf-8"?>
+<p:tagLst xmlns:p="http://schemas.openxmlformats.org/presentationml/2006/main">
+  <p:tag name="KSO_WM_BEAUTIFY_FLAG" val="#wm#"/>
+  <p:tag name="KSO_WM_TEMPLATE_CATEGORY" val="diagram"/>
+  <p:tag name="KSO_WM_TEMPLATE_INDEX" val="20200864"/>
+  <p:tag name="KSO_WM_SLIDE_ID" val="diagram20200864_1"/>
+  <p:tag name="KSO_WM_TEMPLATE_SUBCATEGORY" val="11"/>
+  <p:tag name="KSO_WM_SLIDE_TYPE" val="text"/>
+  <p:tag name="KSO_WM_SLIDE_SUBTYPE" val="pureTxt"/>
+  <p:tag name="KSO_WM_SLIDE_ITEM_CNT" val="0"/>
+  <p:tag name="KSO_WM_SLIDE_INDEX" val="1"/>
+  <p:tag name="KSO_WM_UNIT_SHOW_EDIT_AREA_INDICATION" val="1"/>
+  <p:tag name="KSO_WM_SLIDE_SIZE" val="864*454"/>
+  <p:tag name="KSO_WM_SLIDE_POSITION" val="47*37"/>
+  <p:tag name="KSO_WM_TAG_VERSION" val="1.0"/>
+  <p:tag name="KSO_WM_SLIDE_LAYOUT" val="a_f"/>
+  <p:tag name="KSO_WM_SLIDE_LAYOUT_CNT" val="1_1"/>
+  <p:tag name="KSO_WM_SLIDE_LAYOUT_INFO" val="{&quot;direction&quot;:0,&quot;horizontalAlign&quot;:-1,&quot;verticalAlign&quot;:-1,&quot;type&quot;:0,&quot;diagramDirection&quot;:0,&quot;canSetOverLayout&quot;:0,&quot;isOverLayout&quot;:0,&quot;normalSize&quot;:{&quot;size1&quot;:26.0},&quot;minSize&quot;:{&quot;size1&quot;:26.0},&quot;maxSize&quot;:{&quot;size1&quot;:26.0},&quot;edge&quot;:{&quot;left&quot;:true,&quot;top&quot;:true,&quot;right&quot;:true,&quot;bottom&quot;:true},&quot;backgroundInfo&quot;:[{&quot;type&quot;:&quot;general&quot;,&quot;left&quot;:0.0,&quot;top&quot;:0.0,&quot;right&quot;:0.0,&quot;bottom&quot;:0.0},{&quot;type&quot;:&quot;frame&quot;,&quot;left&quot;:0.0,&quot;top&quot;:0.0,&quot;right&quot;:0.0,&quot;bottom&quot;:0.0}],&quot;subLayout&quot;:[{&quot;direction&quot;:0,&quot;horizontalAlign&quot;:0,&quot;verticalAlign&quot;:1,&quot;type&quot;:0,&quot;diagramDirection&quot;:0,&quot;canSetOverLayout&quot;:0,&quot;isOverLayout&quot;:0,&quot;margin&quot;:{&quot;left&quot;:1.69,&quot;top&quot;:1.319,&quot;right&quot;:1.69,&quot;bottom&quot;:0.163},&quot;edge&quot;:{&quot;left&quot;:true,&quot;top&quot;:true,&quot;right&quot;:true,&quot;bottom&quot;:false}},{&quot;direction&quot;:0,&quot;horizontalAlign&quot;:0,&quot;verticalAlign&quot;:1,&quot;type&quot;:0,&quot;diagramDirection&quot;:0,&quot;canSetOverLayout&quot;:0,&quot;isOverLayout&quot;:0,&quot;margin&quot;:{&quot;left&quot;:1.69,&quot;top&quot;:0.026,&quot;right&quot;:1.69,&quot;bottom&quot;:1.69},&quot;edge&quot;:{&quot;left&quot;:true,&quot;top&quot;:false,&quot;right&quot;:true,&quot;bottom&quot;:true}}]}"/>
+  <p:tag name="KSO_WM_SLIDE_CAN_ADD_NAVIGATION" val="1"/>
+  <p:tag name="KSO_WM_SLIDE_BACKGROUND" val="[&quot;general&quot;,&quot;frame&quot;]"/>
+  <p:tag name="KSO_WM_SLIDE_RATIO" val="1.777778"/>
+  <p:tag name="KSO_WM_TEMPLATE_MASTER_TYPE" val="0"/>
+  <p:tag name="KSO_WM_TEMPLATE_COLOR_TYPE" val="1"/>
+</p:tagLst>
+</file>
+
+<file path=ppt/tags/tag95.xml><?xml version="1.0" encoding="utf-8"?>
+<p:tagLst xmlns:p="http://schemas.openxmlformats.org/presentationml/2006/main">
+  <p:tag name="KSO_WM_UNIT_ISCONTENTSTITLE" val="0"/>
+  <p:tag name="KSO_WM_UNIT_PRESET_TEXT" val="点击输入大标题"/>
+  <p:tag name="KSO_WM_UNIT_NOCLEAR" val="0"/>
+  <p:tag name="KSO_WM_UNIT_SHOW_EDIT_AREA_INDICATION" val="1"/>
+  <p:tag name="KSO_WM_UNIT_VALUE" val="52"/>
+  <p:tag name="KSO_WM_UNIT_HIGHLIGHT" val="0"/>
+  <p:tag name="KSO_WM_UNIT_COMPATIBLE" val="0"/>
+  <p:tag name="KSO_WM_UNIT_DIAGRAM_ISNUMVISUAL" val="0"/>
+  <p:tag name="KSO_WM_UNIT_DIAGRAM_ISREFERUNIT" val="0"/>
+  <p:tag name="KSO_WM_UNIT_TYPE" val="a"/>
+  <p:tag name="KSO_WM_UNIT_INDEX" val="1"/>
+  <p:tag name="KSO_WM_UNIT_ID" val="diagram20200864_1*a*1"/>
+  <p:tag name="KSO_WM_TEMPLATE_CATEGORY" val="diagram"/>
+  <p:tag name="KSO_WM_TEMPLATE_INDEX" val="20200864"/>
+  <p:tag name="KSO_WM_UNIT_LAYERLEVEL" val="1"/>
+  <p:tag name="KSO_WM_TAG_VERSION" val="1.0"/>
+  <p:tag name="KSO_WM_BEAUTIFY_FLAG" val="#wm#"/>
+  <p:tag name="KSO_WM_UNIT_DEFAULT_FONT" val="32;36;4"/>
+  <p:tag name="KSO_WM_UNIT_BLOCK" val="0"/>
+  <p:tag name="KSO_WM_UNIT_ISNUMDGMTITLE" val="0"/>
+  <p:tag name="KSO_WM_UNIT_PLACING_PICTURE_MD4" val="0"/>
+</p:tagLst>
+</file>
+
+<file path=ppt/tags/tag96.xml><?xml version="1.0" encoding="utf-8"?>
+<p:tagLst xmlns:p="http://schemas.openxmlformats.org/presentationml/2006/main">
+  <p:tag name="KSO_WM_BEAUTIFY_FLAG" val="#wm#"/>
+  <p:tag name="KSO_WM_TEMPLATE_CATEGORY" val="diagram"/>
+  <p:tag name="KSO_WM_TEMPLATE_INDEX" val="20200864"/>
+  <p:tag name="KSO_WM_SLIDE_ID" val="diagram20200864_1"/>
+  <p:tag name="KSO_WM_TEMPLATE_SUBCATEGORY" val="11"/>
+  <p:tag name="KSO_WM_SLIDE_TYPE" val="text"/>
+  <p:tag name="KSO_WM_SLIDE_SUBTYPE" val="pureTxt"/>
+  <p:tag name="KSO_WM_SLIDE_ITEM_CNT" val="0"/>
+  <p:tag name="KSO_WM_SLIDE_INDEX" val="1"/>
+  <p:tag name="KSO_WM_UNIT_SHOW_EDIT_AREA_INDICATION" val="1"/>
+  <p:tag name="KSO_WM_SLIDE_SIZE" val="864*454"/>
+  <p:tag name="KSO_WM_SLIDE_POSITION" val="47*37"/>
+  <p:tag name="KSO_WM_TAG_VERSION" val="1.0"/>
+  <p:tag name="KSO_WM_SLIDE_LAYOUT" val="a_f"/>
+  <p:tag name="KSO_WM_SLIDE_LAYOUT_CNT" val="1_1"/>
+  <p:tag name="KSO_WM_SLIDE_LAYOUT_INFO" val="{&quot;direction&quot;:0,&quot;horizontalAlign&quot;:-1,&quot;verticalAlign&quot;:-1,&quot;type&quot;:0,&quot;diagramDirection&quot;:0,&quot;canSetOverLayout&quot;:0,&quot;isOverLayout&quot;:0,&quot;normalSize&quot;:{&quot;size1&quot;:26.0},&quot;minSize&quot;:{&quot;size1&quot;:26.0},&quot;maxSize&quot;:{&quot;size1&quot;:26.0},&quot;edge&quot;:{&quot;left&quot;:true,&quot;top&quot;:true,&quot;right&quot;:true,&quot;bottom&quot;:true},&quot;backgroundInfo&quot;:[{&quot;type&quot;:&quot;general&quot;,&quot;left&quot;:0.0,&quot;top&quot;:0.0,&quot;right&quot;:0.0,&quot;bottom&quot;:0.0},{&quot;type&quot;:&quot;frame&quot;,&quot;left&quot;:0.0,&quot;top&quot;:0.0,&quot;right&quot;:0.0,&quot;bottom&quot;:0.0}],&quot;subLayout&quot;:[{&quot;direction&quot;:0,&quot;horizontalAlign&quot;:0,&quot;verticalAlign&quot;:1,&quot;type&quot;:0,&quot;diagramDirection&quot;:0,&quot;canSetOverLayout&quot;:0,&quot;isOverLayout&quot;:0,&quot;margin&quot;:{&quot;left&quot;:1.69,&quot;top&quot;:1.319,&quot;right&quot;:1.69,&quot;bottom&quot;:0.163},&quot;edge&quot;:{&quot;left&quot;:true,&quot;top&quot;:true,&quot;right&quot;:true,&quot;bottom&quot;:false}},{&quot;direction&quot;:0,&quot;horizontalAlign&quot;:0,&quot;verticalAlign&quot;:1,&quot;type&quot;:0,&quot;diagramDirection&quot;:0,&quot;canSetOverLayout&quot;:0,&quot;isOverLayout&quot;:0,&quot;margin&quot;:{&quot;left&quot;:1.69,&quot;top&quot;:0.026,&quot;right&quot;:1.69,&quot;bottom&quot;:1.69},&quot;edge&quot;:{&quot;left&quot;:true,&quot;top&quot;:false,&quot;right&quot;:true,&quot;bottom&quot;:true}}]}"/>
+  <p:tag name="KSO_WM_SLIDE_CAN_ADD_NAVIGATION" val="1"/>
+  <p:tag name="KSO_WM_SLIDE_BACKGROUND" val="[&quot;general&quot;,&quot;frame&quot;]"/>
+  <p:tag name="KSO_WM_SLIDE_RATIO" val="1.777778"/>
+  <p:tag name="KSO_WM_TEMPLATE_MASTER_TYPE" val="0"/>
+  <p:tag name="KSO_WM_TEMPLATE_COLOR_TYPE" val="1"/>
+</p:tagLst>
+</file>
+
+<file path=ppt/tags/tag97.xml><?xml version="1.0" encoding="utf-8"?>
+<p:tagLst xmlns:p="http://schemas.openxmlformats.org/presentationml/2006/main">
+  <p:tag name="KSO_WM_UNIT_ISCONTENTSTITLE" val="0"/>
+  <p:tag name="KSO_WM_UNIT_PRESET_TEXT" val="点击输入大标题"/>
+  <p:tag name="KSO_WM_UNIT_NOCLEAR" val="0"/>
+  <p:tag name="KSO_WM_UNIT_SHOW_EDIT_AREA_INDICATION" val="1"/>
+  <p:tag name="KSO_WM_UNIT_VALUE" val="52"/>
+  <p:tag name="KSO_WM_UNIT_HIGHLIGHT" val="0"/>
+  <p:tag name="KSO_WM_UNIT_COMPATIBLE" val="0"/>
+  <p:tag name="KSO_WM_UNIT_DIAGRAM_ISNUMVISUAL" val="0"/>
+  <p:tag name="KSO_WM_UNIT_DIAGRAM_ISREFERUNIT" val="0"/>
+  <p:tag name="KSO_WM_UNIT_TYPE" val="a"/>
+  <p:tag name="KSO_WM_UNIT_INDEX" val="1"/>
+  <p:tag name="KSO_WM_UNIT_ID" val="diagram20200864_1*a*1"/>
+  <p:tag name="KSO_WM_TEMPLATE_CATEGORY" val="diagram"/>
+  <p:tag name="KSO_WM_TEMPLATE_INDEX" val="20200864"/>
+  <p:tag name="KSO_WM_UNIT_LAYERLEVEL" val="1"/>
+  <p:tag name="KSO_WM_TAG_VERSION" val="1.0"/>
+  <p:tag name="KSO_WM_BEAUTIFY_FLAG" val="#wm#"/>
+  <p:tag name="KSO_WM_UNIT_DEFAULT_FONT" val="32;36;4"/>
+  <p:tag name="KSO_WM_UNIT_BLOCK" val="0"/>
+  <p:tag name="KSO_WM_UNIT_ISNUMDGMTITLE" val="0"/>
+  <p:tag name="KSO_WM_UNIT_PLACING_PICTURE_MD4" val="0"/>
+</p:tagLst>
+</file>
+
+<file path=ppt/tags/tag98.xml><?xml version="1.0" encoding="utf-8"?>
+<p:tagLst xmlns:p="http://schemas.openxmlformats.org/presentationml/2006/main">
+  <p:tag name="KSO_WM_BEAUTIFY_FLAG" val="#wm#"/>
+  <p:tag name="KSO_WM_TEMPLATE_CATEGORY" val="diagram"/>
+  <p:tag name="KSO_WM_TEMPLATE_INDEX" val="20200864"/>
+  <p:tag name="KSO_WM_SLIDE_ID" val="diagram20200864_1"/>
+  <p:tag name="KSO_WM_TEMPLATE_SUBCATEGORY" val="11"/>
+  <p:tag name="KSO_WM_SLIDE_TYPE" val="text"/>
+  <p:tag name="KSO_WM_SLIDE_SUBTYPE" val="pureTxt"/>
+  <p:tag name="KSO_WM_SLIDE_ITEM_CNT" val="0"/>
+  <p:tag name="KSO_WM_SLIDE_INDEX" val="1"/>
+  <p:tag name="KSO_WM_UNIT_SHOW_EDIT_AREA_INDICATION" val="1"/>
+  <p:tag name="KSO_WM_SLIDE_SIZE" val="864*454"/>
+  <p:tag name="KSO_WM_SLIDE_POSITION" val="47*37"/>
+  <p:tag name="KSO_WM_TAG_VERSION" val="1.0"/>
+  <p:tag name="KSO_WM_SLIDE_LAYOUT" val="a_f"/>
+  <p:tag name="KSO_WM_SLIDE_LAYOUT_CNT" val="1_1"/>
+  <p:tag name="KSO_WM_SLIDE_LAYOUT_INFO" val="{&quot;direction&quot;:0,&quot;horizontalAlign&quot;:-1,&quot;verticalAlign&quot;:-1,&quot;type&quot;:0,&quot;diagramDirection&quot;:0,&quot;canSetOverLayout&quot;:0,&quot;isOverLayout&quot;:0,&quot;normalSize&quot;:{&quot;size1&quot;:26.0},&quot;minSize&quot;:{&quot;size1&quot;:26.0},&quot;maxSize&quot;:{&quot;size1&quot;:26.0},&quot;edge&quot;:{&quot;left&quot;:true,&quot;top&quot;:true,&quot;right&quot;:true,&quot;bottom&quot;:true},&quot;backgroundInfo&quot;:[{&quot;type&quot;:&quot;general&quot;,&quot;left&quot;:0.0,&quot;top&quot;:0.0,&quot;right&quot;:0.0,&quot;bottom&quot;:0.0},{&quot;type&quot;:&quot;frame&quot;,&quot;left&quot;:0.0,&quot;top&quot;:0.0,&quot;right&quot;:0.0,&quot;bottom&quot;:0.0}],&quot;subLayout&quot;:[{&quot;direction&quot;:0,&quot;horizontalAlign&quot;:0,&quot;verticalAlign&quot;:1,&quot;type&quot;:0,&quot;diagramDirection&quot;:0,&quot;canSetOverLayout&quot;:0,&quot;isOverLayout&quot;:0,&quot;margin&quot;:{&quot;left&quot;:1.69,&quot;top&quot;:1.319,&quot;right&quot;:1.69,&quot;bottom&quot;:0.163},&quot;edge&quot;:{&quot;left&quot;:true,&quot;top&quot;:true,&quot;right&quot;:true,&quot;bottom&quot;:false}},{&quot;direction&quot;:0,&quot;horizontalAlign&quot;:0,&quot;verticalAlign&quot;:1,&quot;type&quot;:0,&quot;diagramDirection&quot;:0,&quot;canSetOverLayout&quot;:0,&quot;isOverLayout&quot;:0,&quot;margin&quot;:{&quot;left&quot;:1.69,&quot;top&quot;:0.026,&quot;right&quot;:1.69,&quot;bottom&quot;:1.69},&quot;edge&quot;:{&quot;left&quot;:true,&quot;top&quot;:false,&quot;right&quot;:true,&quot;bottom&quot;:true}}]}"/>
+  <p:tag name="KSO_WM_SLIDE_CAN_ADD_NAVIGATION" val="1"/>
+  <p:tag name="KSO_WM_SLIDE_BACKGROUND" val="[&quot;general&quot;,&quot;frame&quot;]"/>
+  <p:tag name="KSO_WM_SLIDE_RATIO" val="1.777778"/>
+  <p:tag name="KSO_WM_TEMPLATE_MASTER_TYPE" val="0"/>
+  <p:tag name="KSO_WM_TEMPLATE_COLOR_TYPE" val="1"/>
+</p:tagLst>
+</file>
+
+<file path=ppt/tags/tag99.xml><?xml version="1.0" encoding="utf-8"?>
+<p:tagLst xmlns:p="http://schemas.openxmlformats.org/presentationml/2006/main">
+  <p:tag name="KSO_WM_UNIT_ISCONTENTSTITLE" val="0"/>
+  <p:tag name="KSO_WM_UNIT_PRESET_TEXT" val="点击输入大标题"/>
+  <p:tag name="KSO_WM_UNIT_NOCLEAR" val="0"/>
+  <p:tag name="KSO_WM_UNIT_SHOW_EDIT_AREA_INDICATION" val="1"/>
+  <p:tag name="KSO_WM_UNIT_VALUE" val="52"/>
+  <p:tag name="KSO_WM_UNIT_HIGHLIGHT" val="0"/>
+  <p:tag name="KSO_WM_UNIT_COMPATIBLE" val="0"/>
+  <p:tag name="KSO_WM_UNIT_DIAGRAM_ISNUMVISUAL" val="0"/>
+  <p:tag name="KSO_WM_UNIT_DIAGRAM_ISREFERUNIT" val="0"/>
+  <p:tag name="KSO_WM_UNIT_TYPE" val="a"/>
+  <p:tag name="KSO_WM_UNIT_INDEX" val="1"/>
+  <p:tag name="KSO_WM_UNIT_ID" val="diagram20200864_1*a*1"/>
+  <p:tag name="KSO_WM_TEMPLATE_CATEGORY" val="diagram"/>
+  <p:tag name="KSO_WM_TEMPLATE_INDEX" val="20200864"/>
+  <p:tag name="KSO_WM_UNIT_LAYERLEVEL" val="1"/>
+  <p:tag name="KSO_WM_TAG_VERSION" val="1.0"/>
+  <p:tag name="KSO_WM_BEAUTIFY_FLAG" val="#wm#"/>
+  <p:tag name="KSO_WM_UNIT_DEFAULT_FONT" val="32;36;4"/>
+  <p:tag name="KSO_WM_UNIT_BLOCK" val="0"/>
+  <p:tag name="KSO_WM_UNIT_ISNUMDGMTITLE" val="0"/>
+  <p:tag name="KSO_WM_UNIT_PLACING_PICTURE_MD4" val="0"/>
 </p:tagLst>
 </file>
 
